--- a/pics/2020-10-15-NMF/pics.pptx
+++ b/pics/2020-10-15-NMF/pics.pptx
@@ -5,8 +5,9 @@
     <p:sldMasterId id="2147483648" r:id="rId1"/>
   </p:sldMasterIdLst>
   <p:sldIdLst>
-    <p:sldId id="256" r:id="rId2"/>
-    <p:sldId id="257" r:id="rId3"/>
+    <p:sldId id="258" r:id="rId2"/>
+    <p:sldId id="256" r:id="rId3"/>
+    <p:sldId id="257" r:id="rId4"/>
   </p:sldIdLst>
   <p:sldSz cx="9144000" cy="6858000" type="screen4x3"/>
   <p:notesSz cx="6858000" cy="9144000"/>
@@ -3103,6 +3104,100 @@
     </p:spTree>
     <p:extLst>
       <p:ext uri="{BB962C8B-B14F-4D97-AF65-F5344CB8AC3E}">
+        <p14:creationId xmlns:p14="http://schemas.microsoft.com/office/powerpoint/2010/main" val="2087639487"/>
+      </p:ext>
+    </p:extLst>
+  </p:cSld>
+  <p:clrMapOvr>
+    <a:masterClrMapping/>
+  </p:clrMapOvr>
+</p:sld>
+</file>
+
+<file path=ppt/slides/slide2.xml><?xml version="1.0" encoding="utf-8"?>
+<p:sld xmlns:a="http://schemas.openxmlformats.org/drawingml/2006/main" xmlns:r="http://schemas.openxmlformats.org/officeDocument/2006/relationships" xmlns:p="http://schemas.openxmlformats.org/presentationml/2006/main">
+  <p:cSld>
+    <p:spTree>
+      <p:nvGrpSpPr>
+        <p:cNvPr id="1" name=""/>
+        <p:cNvGrpSpPr/>
+        <p:nvPr/>
+      </p:nvGrpSpPr>
+      <p:grpSpPr>
+        <a:xfrm>
+          <a:off x="0" y="0"/>
+          <a:ext cx="0" cy="0"/>
+          <a:chOff x="0" y="0"/>
+          <a:chExt cx="0" cy="0"/>
+        </a:xfrm>
+      </p:grpSpPr>
+      <p:pic>
+        <p:nvPicPr>
+          <p:cNvPr id="1026" name="Picture 2"/>
+          <p:cNvPicPr>
+            <a:picLocks noChangeAspect="1" noChangeArrowheads="1"/>
+          </p:cNvPicPr>
+          <p:nvPr/>
+        </p:nvPicPr>
+        <p:blipFill>
+          <a:blip r:embed="rId2">
+            <a:extLst>
+              <a:ext uri="{28A0092B-C50C-407E-A947-70E740481C1C}">
+                <a14:useLocalDpi xmlns:a14="http://schemas.microsoft.com/office/drawing/2010/main" val="0"/>
+              </a:ext>
+            </a:extLst>
+          </a:blip>
+          <a:srcRect/>
+          <a:stretch>
+            <a:fillRect/>
+          </a:stretch>
+        </p:blipFill>
+        <p:spPr bwMode="auto">
+          <a:xfrm>
+            <a:off x="66675" y="104775"/>
+            <a:ext cx="9010650" cy="6648450"/>
+          </a:xfrm>
+          <a:prstGeom prst="rect">
+            <a:avLst/>
+          </a:prstGeom>
+          <a:noFill/>
+          <a:ln>
+            <a:noFill/>
+          </a:ln>
+          <a:effectLst/>
+          <a:extLst>
+            <a:ext uri="{909E8E84-426E-40DD-AFC4-6F175D3DCCD1}">
+              <a14:hiddenFill xmlns:a14="http://schemas.microsoft.com/office/drawing/2010/main">
+                <a:solidFill>
+                  <a:schemeClr val="accent1"/>
+                </a:solidFill>
+              </a14:hiddenFill>
+            </a:ext>
+            <a:ext uri="{91240B29-F687-4F45-9708-019B960494DF}">
+              <a14:hiddenLine xmlns:a14="http://schemas.microsoft.com/office/drawing/2010/main" w="9525">
+                <a:solidFill>
+                  <a:schemeClr val="tx1"/>
+                </a:solidFill>
+                <a:miter lim="800000"/>
+                <a:headEnd/>
+                <a:tailEnd/>
+              </a14:hiddenLine>
+            </a:ext>
+            <a:ext uri="{AF507438-7753-43E0-B8FC-AC1667EBCBE1}">
+              <a14:hiddenEffects xmlns:a14="http://schemas.microsoft.com/office/drawing/2010/main">
+                <a:effectLst>
+                  <a:outerShdw dist="35921" dir="2700000" algn="ctr" rotWithShape="0">
+                    <a:schemeClr val="bg2"/>
+                  </a:outerShdw>
+                </a:effectLst>
+              </a14:hiddenEffects>
+            </a:ext>
+          </a:extLst>
+        </p:spPr>
+      </p:pic>
+    </p:spTree>
+    <p:extLst>
+      <p:ext uri="{BB962C8B-B14F-4D97-AF65-F5344CB8AC3E}">
         <p14:creationId xmlns:p14="http://schemas.microsoft.com/office/powerpoint/2010/main" val="2984585854"/>
       </p:ext>
     </p:extLst>
@@ -3113,7 +3208,7 @@
 </p:sld>
 </file>
 
-<file path=ppt/slides/slide2.xml><?xml version="1.0" encoding="utf-8"?>
+<file path=ppt/slides/slide3.xml><?xml version="1.0" encoding="utf-8"?>
 <p:sld xmlns:a="http://schemas.openxmlformats.org/drawingml/2006/main" xmlns:r="http://schemas.openxmlformats.org/officeDocument/2006/relationships" xmlns:p="http://schemas.openxmlformats.org/presentationml/2006/main">
   <p:cSld>
     <p:spTree>

--- a/pics/2020-10-15-NMF/pics.pptx
+++ b/pics/2020-10-15-NMF/pics.pptx
@@ -5,9 +5,10 @@
     <p:sldMasterId id="2147483648" r:id="rId1"/>
   </p:sldMasterIdLst>
   <p:sldIdLst>
-    <p:sldId id="258" r:id="rId2"/>
-    <p:sldId id="256" r:id="rId3"/>
-    <p:sldId id="257" r:id="rId4"/>
+    <p:sldId id="259" r:id="rId2"/>
+    <p:sldId id="258" r:id="rId3"/>
+    <p:sldId id="256" r:id="rId4"/>
+    <p:sldId id="257" r:id="rId5"/>
   </p:sldIdLst>
   <p:sldSz cx="9144000" cy="6858000" type="screen4x3"/>
   <p:notesSz cx="6858000" cy="9144000"/>
@@ -290,7 +291,7 @@
           <a:p>
             <a:fld id="{FB30EDBD-1C2D-4C1E-B459-B60219FAB484}" type="datetimeFigureOut">
               <a:rPr lang="ko-KR" altLang="en-US" smtClean="0"/>
-              <a:t>2020-10-15</a:t>
+              <a:t>2020-10-16</a:t>
             </a:fld>
             <a:endParaRPr lang="ko-KR" altLang="en-US"/>
           </a:p>
@@ -455,7 +456,7 @@
           <a:p>
             <a:fld id="{FB30EDBD-1C2D-4C1E-B459-B60219FAB484}" type="datetimeFigureOut">
               <a:rPr lang="ko-KR" altLang="en-US" smtClean="0"/>
-              <a:t>2020-10-15</a:t>
+              <a:t>2020-10-16</a:t>
             </a:fld>
             <a:endParaRPr lang="ko-KR" altLang="en-US"/>
           </a:p>
@@ -630,7 +631,7 @@
           <a:p>
             <a:fld id="{FB30EDBD-1C2D-4C1E-B459-B60219FAB484}" type="datetimeFigureOut">
               <a:rPr lang="ko-KR" altLang="en-US" smtClean="0"/>
-              <a:t>2020-10-15</a:t>
+              <a:t>2020-10-16</a:t>
             </a:fld>
             <a:endParaRPr lang="ko-KR" altLang="en-US"/>
           </a:p>
@@ -795,7 +796,7 @@
           <a:p>
             <a:fld id="{FB30EDBD-1C2D-4C1E-B459-B60219FAB484}" type="datetimeFigureOut">
               <a:rPr lang="ko-KR" altLang="en-US" smtClean="0"/>
-              <a:t>2020-10-15</a:t>
+              <a:t>2020-10-16</a:t>
             </a:fld>
             <a:endParaRPr lang="ko-KR" altLang="en-US"/>
           </a:p>
@@ -1036,7 +1037,7 @@
           <a:p>
             <a:fld id="{FB30EDBD-1C2D-4C1E-B459-B60219FAB484}" type="datetimeFigureOut">
               <a:rPr lang="ko-KR" altLang="en-US" smtClean="0"/>
-              <a:t>2020-10-15</a:t>
+              <a:t>2020-10-16</a:t>
             </a:fld>
             <a:endParaRPr lang="ko-KR" altLang="en-US"/>
           </a:p>
@@ -1319,7 +1320,7 @@
           <a:p>
             <a:fld id="{FB30EDBD-1C2D-4C1E-B459-B60219FAB484}" type="datetimeFigureOut">
               <a:rPr lang="ko-KR" altLang="en-US" smtClean="0"/>
-              <a:t>2020-10-15</a:t>
+              <a:t>2020-10-16</a:t>
             </a:fld>
             <a:endParaRPr lang="ko-KR" altLang="en-US"/>
           </a:p>
@@ -1736,7 +1737,7 @@
           <a:p>
             <a:fld id="{FB30EDBD-1C2D-4C1E-B459-B60219FAB484}" type="datetimeFigureOut">
               <a:rPr lang="ko-KR" altLang="en-US" smtClean="0"/>
-              <a:t>2020-10-15</a:t>
+              <a:t>2020-10-16</a:t>
             </a:fld>
             <a:endParaRPr lang="ko-KR" altLang="en-US"/>
           </a:p>
@@ -1849,7 +1850,7 @@
           <a:p>
             <a:fld id="{FB30EDBD-1C2D-4C1E-B459-B60219FAB484}" type="datetimeFigureOut">
               <a:rPr lang="ko-KR" altLang="en-US" smtClean="0"/>
-              <a:t>2020-10-15</a:t>
+              <a:t>2020-10-16</a:t>
             </a:fld>
             <a:endParaRPr lang="ko-KR" altLang="en-US"/>
           </a:p>
@@ -1939,7 +1940,7 @@
           <a:p>
             <a:fld id="{FB30EDBD-1C2D-4C1E-B459-B60219FAB484}" type="datetimeFigureOut">
               <a:rPr lang="ko-KR" altLang="en-US" smtClean="0"/>
-              <a:t>2020-10-15</a:t>
+              <a:t>2020-10-16</a:t>
             </a:fld>
             <a:endParaRPr lang="ko-KR" altLang="en-US"/>
           </a:p>
@@ -2211,7 +2212,7 @@
           <a:p>
             <a:fld id="{FB30EDBD-1C2D-4C1E-B459-B60219FAB484}" type="datetimeFigureOut">
               <a:rPr lang="ko-KR" altLang="en-US" smtClean="0"/>
-              <a:t>2020-10-15</a:t>
+              <a:t>2020-10-16</a:t>
             </a:fld>
             <a:endParaRPr lang="ko-KR" altLang="en-US"/>
           </a:p>
@@ -2459,7 +2460,7 @@
           <a:p>
             <a:fld id="{FB30EDBD-1C2D-4C1E-B459-B60219FAB484}" type="datetimeFigureOut">
               <a:rPr lang="ko-KR" altLang="en-US" smtClean="0"/>
-              <a:t>2020-10-15</a:t>
+              <a:t>2020-10-16</a:t>
             </a:fld>
             <a:endParaRPr lang="ko-KR" altLang="en-US"/>
           </a:p>
@@ -2667,7 +2668,7 @@
           <a:p>
             <a:fld id="{FB30EDBD-1C2D-4C1E-B459-B60219FAB484}" type="datetimeFigureOut">
               <a:rPr lang="ko-KR" altLang="en-US" smtClean="0"/>
-              <a:t>2020-10-15</a:t>
+              <a:t>2020-10-16</a:t>
             </a:fld>
             <a:endParaRPr lang="ko-KR" altLang="en-US"/>
           </a:p>
@@ -3037,74 +3038,767 @@
           <a:chExt cx="0" cy="0"/>
         </a:xfrm>
       </p:grpSpPr>
-      <p:pic>
-        <p:nvPicPr>
-          <p:cNvPr id="1026" name="Picture 2"/>
-          <p:cNvPicPr>
-            <a:picLocks noChangeAspect="1" noChangeArrowheads="1"/>
-          </p:cNvPicPr>
+      <mc:AlternateContent xmlns:mc="http://schemas.openxmlformats.org/markup-compatibility/2006">
+        <mc:Choice xmlns:a14="http://schemas.microsoft.com/office/drawing/2010/main" Requires="a14">
+          <p:sp>
+            <p:nvSpPr>
+              <p:cNvPr id="4" name="TextBox 3"/>
+              <p:cNvSpPr txBox="1"/>
+              <p:nvPr/>
+            </p:nvSpPr>
+            <p:spPr>
+              <a:xfrm>
+                <a:off x="3529888" y="332656"/>
+                <a:ext cx="2084225" cy="646331"/>
+              </a:xfrm>
+              <a:prstGeom prst="rect">
+                <a:avLst/>
+              </a:prstGeom>
+              <a:noFill/>
+            </p:spPr>
+            <p:txBody>
+              <a:bodyPr wrap="none" rtlCol="0">
+                <a:spAutoFit/>
+              </a:bodyPr>
+              <a:lstStyle/>
+              <a:p>
+                <a14:m>
+                  <m:oMathPara xmlns:m="http://schemas.openxmlformats.org/officeDocument/2006/math">
+                    <m:oMathParaPr>
+                      <m:jc m:val="centerGroup"/>
+                    </m:oMathParaPr>
+                    <m:oMath xmlns:m="http://schemas.openxmlformats.org/officeDocument/2006/math">
+                      <m:r>
+                        <a:rPr lang="en-US" altLang="ko-KR" sz="3600" b="0" i="1" smtClean="0">
+                          <a:latin typeface="Cambria Math"/>
+                        </a:rPr>
+                        <m:t>𝑋</m:t>
+                      </m:r>
+                      <m:r>
+                        <a:rPr lang="en-US" altLang="ko-KR" sz="3600" b="0" i="1" smtClean="0">
+                          <a:latin typeface="Cambria Math"/>
+                        </a:rPr>
+                        <m:t>=</m:t>
+                      </m:r>
+                      <m:r>
+                        <a:rPr lang="en-US" altLang="ko-KR" sz="3600" b="0" i="1" smtClean="0">
+                          <a:latin typeface="Cambria Math"/>
+                        </a:rPr>
+                        <m:t>𝑊𝐻</m:t>
+                      </m:r>
+                    </m:oMath>
+                  </m:oMathPara>
+                </a14:m>
+                <a:endParaRPr lang="ko-KR" altLang="en-US" sz="3600" dirty="0"/>
+              </a:p>
+            </p:txBody>
+          </p:sp>
+        </mc:Choice>
+        <mc:Fallback>
+          <p:sp>
+            <p:nvSpPr>
+              <p:cNvPr id="4" name="TextBox 3"/>
+              <p:cNvSpPr txBox="1">
+                <a:spLocks noRot="1" noChangeAspect="1" noMove="1" noResize="1" noEditPoints="1" noAdjustHandles="1" noChangeArrowheads="1" noChangeShapeType="1" noTextEdit="1"/>
+              </p:cNvSpPr>
+              <p:nvPr/>
+            </p:nvSpPr>
+            <p:spPr>
+              <a:xfrm>
+                <a:off x="3529888" y="332656"/>
+                <a:ext cx="2084225" cy="646331"/>
+              </a:xfrm>
+              <a:prstGeom prst="rect">
+                <a:avLst/>
+              </a:prstGeom>
+              <a:blipFill rotWithShape="1">
+                <a:blip r:embed="rId2"/>
+                <a:stretch>
+                  <a:fillRect/>
+                </a:stretch>
+              </a:blipFill>
+            </p:spPr>
+            <p:txBody>
+              <a:bodyPr/>
+              <a:lstStyle/>
+              <a:p>
+                <a:r>
+                  <a:rPr lang="ko-KR" altLang="en-US">
+                    <a:noFill/>
+                  </a:rPr>
+                  <a:t> </a:t>
+                </a:r>
+              </a:p>
+            </p:txBody>
+          </p:sp>
+        </mc:Fallback>
+      </mc:AlternateContent>
+      <p:sp>
+        <p:nvSpPr>
+          <p:cNvPr id="5" name="왼쪽 대괄호 4"/>
+          <p:cNvSpPr/>
           <p:nvPr/>
-        </p:nvPicPr>
-        <p:blipFill>
-          <a:blip r:embed="rId2">
-            <a:extLst>
-              <a:ext uri="{28A0092B-C50C-407E-A947-70E740481C1C}">
-                <a14:useLocalDpi xmlns:a14="http://schemas.microsoft.com/office/drawing/2010/main" val="0"/>
-              </a:ext>
-            </a:extLst>
-          </a:blip>
-          <a:srcRect/>
-          <a:stretch>
-            <a:fillRect/>
-          </a:stretch>
-        </p:blipFill>
-        <p:spPr bwMode="auto">
+        </p:nvSpPr>
+        <p:spPr>
           <a:xfrm>
-            <a:off x="66675" y="104775"/>
-            <a:ext cx="9010650" cy="6648450"/>
+            <a:off x="3208087" y="1573464"/>
+            <a:ext cx="75789" cy="2071560"/>
+          </a:xfrm>
+          <a:prstGeom prst="leftBracket">
+            <a:avLst>
+              <a:gd name="adj" fmla="val 0"/>
+            </a:avLst>
+          </a:prstGeom>
+          <a:ln w="28575">
+            <a:solidFill>
+              <a:schemeClr val="tx1"/>
+            </a:solidFill>
+          </a:ln>
+        </p:spPr>
+        <p:style>
+          <a:lnRef idx="1">
+            <a:schemeClr val="accent1"/>
+          </a:lnRef>
+          <a:fillRef idx="0">
+            <a:schemeClr val="accent1"/>
+          </a:fillRef>
+          <a:effectRef idx="0">
+            <a:schemeClr val="accent1"/>
+          </a:effectRef>
+          <a:fontRef idx="minor">
+            <a:schemeClr val="tx1"/>
+          </a:fontRef>
+        </p:style>
+        <p:txBody>
+          <a:bodyPr rtlCol="0" anchor="ctr"/>
+          <a:lstStyle/>
+          <a:p>
+            <a:pPr algn="ctr"/>
+            <a:endParaRPr lang="ko-KR" altLang="en-US" sz="1400"/>
+          </a:p>
+        </p:txBody>
+      </p:sp>
+      <p:sp>
+        <p:nvSpPr>
+          <p:cNvPr id="6" name="왼쪽 대괄호 5"/>
+          <p:cNvSpPr/>
+          <p:nvPr/>
+        </p:nvSpPr>
+        <p:spPr>
+          <a:xfrm flipH="1">
+            <a:off x="6224403" y="1573464"/>
+            <a:ext cx="75789" cy="2071560"/>
+          </a:xfrm>
+          <a:prstGeom prst="leftBracket">
+            <a:avLst>
+              <a:gd name="adj" fmla="val 0"/>
+            </a:avLst>
+          </a:prstGeom>
+          <a:ln w="28575">
+            <a:solidFill>
+              <a:schemeClr val="tx1"/>
+            </a:solidFill>
+          </a:ln>
+        </p:spPr>
+        <p:style>
+          <a:lnRef idx="1">
+            <a:schemeClr val="accent1"/>
+          </a:lnRef>
+          <a:fillRef idx="0">
+            <a:schemeClr val="accent1"/>
+          </a:fillRef>
+          <a:effectRef idx="0">
+            <a:schemeClr val="accent1"/>
+          </a:effectRef>
+          <a:fontRef idx="minor">
+            <a:schemeClr val="tx1"/>
+          </a:fontRef>
+        </p:style>
+        <p:txBody>
+          <a:bodyPr rtlCol="0" anchor="ctr"/>
+          <a:lstStyle/>
+          <a:p>
+            <a:pPr algn="ctr"/>
+            <a:endParaRPr lang="ko-KR" altLang="en-US" sz="1400"/>
+          </a:p>
+        </p:txBody>
+      </p:sp>
+      <mc:AlternateContent xmlns:mc="http://schemas.openxmlformats.org/markup-compatibility/2006">
+        <mc:Choice xmlns:a14="http://schemas.microsoft.com/office/drawing/2010/main" Requires="a14">
+          <p:sp>
+            <p:nvSpPr>
+              <p:cNvPr id="8" name="직사각형 7"/>
+              <p:cNvSpPr/>
+              <p:nvPr/>
+            </p:nvSpPr>
+            <p:spPr>
+              <a:xfrm>
+                <a:off x="1770402" y="2311504"/>
+                <a:ext cx="791820" cy="523220"/>
+              </a:xfrm>
+              <a:prstGeom prst="rect">
+                <a:avLst/>
+              </a:prstGeom>
+            </p:spPr>
+            <p:txBody>
+              <a:bodyPr wrap="none">
+                <a:spAutoFit/>
+              </a:bodyPr>
+              <a:lstStyle/>
+              <a:p>
+                <a14:m>
+                  <m:oMath xmlns:m="http://schemas.openxmlformats.org/officeDocument/2006/math">
+                    <m:r>
+                      <a:rPr lang="en-US" altLang="ko-KR" sz="2800" i="1">
+                        <a:latin typeface="Cambria Math"/>
+                      </a:rPr>
+                      <m:t>𝑊</m:t>
+                    </m:r>
+                  </m:oMath>
+                </a14:m>
+                <a:r>
+                  <a:rPr lang="en-US" altLang="ko-KR" sz="2800" dirty="0" smtClean="0"/>
+                  <a:t>=</a:t>
+                </a:r>
+                <a:endParaRPr lang="ko-KR" altLang="en-US" sz="2800" dirty="0"/>
+              </a:p>
+            </p:txBody>
+          </p:sp>
+        </mc:Choice>
+        <mc:Fallback>
+          <p:sp>
+            <p:nvSpPr>
+              <p:cNvPr id="8" name="직사각형 7"/>
+              <p:cNvSpPr>
+                <a:spLocks noRot="1" noChangeAspect="1" noMove="1" noResize="1" noEditPoints="1" noAdjustHandles="1" noChangeArrowheads="1" noChangeShapeType="1" noTextEdit="1"/>
+              </p:cNvSpPr>
+              <p:nvPr/>
+            </p:nvSpPr>
+            <p:spPr>
+              <a:xfrm>
+                <a:off x="1770402" y="2311504"/>
+                <a:ext cx="791820" cy="523220"/>
+              </a:xfrm>
+              <a:prstGeom prst="rect">
+                <a:avLst/>
+              </a:prstGeom>
+              <a:blipFill rotWithShape="1">
+                <a:blip r:embed="rId3"/>
+                <a:stretch>
+                  <a:fillRect t="-11628" r="-15385" b="-31395"/>
+                </a:stretch>
+              </a:blipFill>
+            </p:spPr>
+            <p:txBody>
+              <a:bodyPr/>
+              <a:lstStyle/>
+              <a:p>
+                <a:r>
+                  <a:rPr lang="ko-KR" altLang="en-US">
+                    <a:noFill/>
+                  </a:rPr>
+                  <a:t> </a:t>
+                </a:r>
+              </a:p>
+            </p:txBody>
+          </p:sp>
+        </mc:Fallback>
+      </mc:AlternateContent>
+      <p:sp>
+        <p:nvSpPr>
+          <p:cNvPr id="11" name="왼쪽 대괄호 10"/>
+          <p:cNvSpPr/>
+          <p:nvPr/>
+        </p:nvSpPr>
+        <p:spPr>
+          <a:xfrm>
+            <a:off x="2998192" y="1573464"/>
+            <a:ext cx="104947" cy="2071560"/>
+          </a:xfrm>
+          <a:prstGeom prst="leftBracket">
+            <a:avLst>
+              <a:gd name="adj" fmla="val 986960"/>
+            </a:avLst>
+          </a:prstGeom>
+          <a:ln>
+            <a:solidFill>
+              <a:schemeClr val="tx1"/>
+            </a:solidFill>
+            <a:prstDash val="dash"/>
+          </a:ln>
+        </p:spPr>
+        <p:style>
+          <a:lnRef idx="1">
+            <a:schemeClr val="accent1"/>
+          </a:lnRef>
+          <a:fillRef idx="0">
+            <a:schemeClr val="accent1"/>
+          </a:fillRef>
+          <a:effectRef idx="0">
+            <a:schemeClr val="accent1"/>
+          </a:effectRef>
+          <a:fontRef idx="minor">
+            <a:schemeClr val="tx1"/>
+          </a:fontRef>
+        </p:style>
+        <p:txBody>
+          <a:bodyPr rtlCol="0" anchor="ctr"/>
+          <a:lstStyle/>
+          <a:p>
+            <a:pPr algn="ctr"/>
+            <a:endParaRPr lang="ko-KR" altLang="en-US" sz="1400"/>
+          </a:p>
+        </p:txBody>
+      </p:sp>
+      <p:sp>
+        <p:nvSpPr>
+          <p:cNvPr id="12" name="TextBox 11"/>
+          <p:cNvSpPr txBox="1"/>
+          <p:nvPr/>
+        </p:nvSpPr>
+        <p:spPr>
+          <a:xfrm rot="16200000">
+            <a:off x="2398723" y="2455355"/>
+            <a:ext cx="785793" cy="307777"/>
           </a:xfrm>
           <a:prstGeom prst="rect">
             <a:avLst/>
           </a:prstGeom>
           <a:noFill/>
+        </p:spPr>
+        <p:txBody>
+          <a:bodyPr wrap="none" rtlCol="0">
+            <a:spAutoFit/>
+          </a:bodyPr>
+          <a:lstStyle/>
+          <a:p>
+            <a:r>
+              <a:rPr lang="ko-KR" altLang="en-US" sz="1400" dirty="0" smtClean="0"/>
+              <a:t>샘플 수</a:t>
+            </a:r>
+            <a:endParaRPr lang="ko-KR" altLang="en-US" sz="1400" dirty="0"/>
+          </a:p>
+        </p:txBody>
+      </p:sp>
+      <p:sp>
+        <p:nvSpPr>
+          <p:cNvPr id="13" name="왼쪽 대괄호 12"/>
+          <p:cNvSpPr/>
+          <p:nvPr/>
+        </p:nvSpPr>
+        <p:spPr>
+          <a:xfrm rot="5400000">
+            <a:off x="4738003" y="-89597"/>
+            <a:ext cx="104947" cy="2943644"/>
+          </a:xfrm>
+          <a:prstGeom prst="leftBracket">
+            <a:avLst>
+              <a:gd name="adj" fmla="val 986960"/>
+            </a:avLst>
+          </a:prstGeom>
           <a:ln>
-            <a:noFill/>
+            <a:solidFill>
+              <a:schemeClr val="tx1"/>
+            </a:solidFill>
+            <a:prstDash val="dash"/>
           </a:ln>
-          <a:effectLst/>
-          <a:extLst>
-            <a:ext uri="{909E8E84-426E-40DD-AFC4-6F175D3DCCD1}">
-              <a14:hiddenFill xmlns:a14="http://schemas.microsoft.com/office/drawing/2010/main">
-                <a:solidFill>
-                  <a:schemeClr val="accent1"/>
-                </a:solidFill>
-              </a14:hiddenFill>
-            </a:ext>
-            <a:ext uri="{91240B29-F687-4F45-9708-019B960494DF}">
-              <a14:hiddenLine xmlns:a14="http://schemas.microsoft.com/office/drawing/2010/main" w="9525">
-                <a:solidFill>
-                  <a:schemeClr val="tx1"/>
-                </a:solidFill>
-                <a:miter lim="800000"/>
-                <a:headEnd/>
-                <a:tailEnd/>
-              </a14:hiddenLine>
-            </a:ext>
-            <a:ext uri="{AF507438-7753-43E0-B8FC-AC1667EBCBE1}">
-              <a14:hiddenEffects xmlns:a14="http://schemas.microsoft.com/office/drawing/2010/main">
-                <a:effectLst>
-                  <a:outerShdw dist="35921" dir="2700000" algn="ctr" rotWithShape="0">
-                    <a:schemeClr val="bg2"/>
-                  </a:outerShdw>
-                </a:effectLst>
-              </a14:hiddenEffects>
-            </a:ext>
-          </a:extLst>
         </p:spPr>
-      </p:pic>
+        <p:style>
+          <a:lnRef idx="1">
+            <a:schemeClr val="accent1"/>
+          </a:lnRef>
+          <a:fillRef idx="0">
+            <a:schemeClr val="accent1"/>
+          </a:fillRef>
+          <a:effectRef idx="0">
+            <a:schemeClr val="accent1"/>
+          </a:effectRef>
+          <a:fontRef idx="minor">
+            <a:schemeClr val="tx1"/>
+          </a:fontRef>
+        </p:style>
+        <p:txBody>
+          <a:bodyPr rtlCol="0" anchor="ctr"/>
+          <a:lstStyle/>
+          <a:p>
+            <a:pPr algn="ctr"/>
+            <a:endParaRPr lang="ko-KR" altLang="en-US" sz="1400"/>
+          </a:p>
+        </p:txBody>
+      </p:sp>
+      <p:sp>
+        <p:nvSpPr>
+          <p:cNvPr id="14" name="TextBox 13"/>
+          <p:cNvSpPr txBox="1"/>
+          <p:nvPr/>
+        </p:nvSpPr>
+        <p:spPr>
+          <a:xfrm>
+            <a:off x="4063637" y="1017370"/>
+            <a:ext cx="1389163" cy="307777"/>
+          </a:xfrm>
+          <a:prstGeom prst="rect">
+            <a:avLst/>
+          </a:prstGeom>
+          <a:noFill/>
+        </p:spPr>
+        <p:txBody>
+          <a:bodyPr wrap="none" rtlCol="0">
+            <a:spAutoFit/>
+          </a:bodyPr>
+          <a:lstStyle/>
+          <a:p>
+            <a:r>
+              <a:rPr lang="en-US" altLang="ko-KR" sz="1400" dirty="0" smtClean="0"/>
+              <a:t>Feature</a:t>
+            </a:r>
+            <a:r>
+              <a:rPr lang="ko-KR" altLang="en-US" sz="1400" dirty="0" smtClean="0"/>
+              <a:t>의 개수</a:t>
+            </a:r>
+            <a:endParaRPr lang="ko-KR" altLang="en-US" sz="1400" dirty="0"/>
+          </a:p>
+        </p:txBody>
+      </p:sp>
+      <p:sp>
+        <p:nvSpPr>
+          <p:cNvPr id="16" name="왼쪽 대괄호 15"/>
+          <p:cNvSpPr/>
+          <p:nvPr/>
+        </p:nvSpPr>
+        <p:spPr>
+          <a:xfrm>
+            <a:off x="3208087" y="4319294"/>
+            <a:ext cx="75789" cy="2071560"/>
+          </a:xfrm>
+          <a:prstGeom prst="leftBracket">
+            <a:avLst>
+              <a:gd name="adj" fmla="val 0"/>
+            </a:avLst>
+          </a:prstGeom>
+          <a:ln w="28575">
+            <a:solidFill>
+              <a:schemeClr val="tx1"/>
+            </a:solidFill>
+          </a:ln>
+        </p:spPr>
+        <p:style>
+          <a:lnRef idx="1">
+            <a:schemeClr val="accent1"/>
+          </a:lnRef>
+          <a:fillRef idx="0">
+            <a:schemeClr val="accent1"/>
+          </a:fillRef>
+          <a:effectRef idx="0">
+            <a:schemeClr val="accent1"/>
+          </a:effectRef>
+          <a:fontRef idx="minor">
+            <a:schemeClr val="tx1"/>
+          </a:fontRef>
+        </p:style>
+        <p:txBody>
+          <a:bodyPr rtlCol="0" anchor="ctr"/>
+          <a:lstStyle/>
+          <a:p>
+            <a:pPr algn="ctr"/>
+            <a:endParaRPr lang="ko-KR" altLang="en-US" sz="1400"/>
+          </a:p>
+        </p:txBody>
+      </p:sp>
+      <p:sp>
+        <p:nvSpPr>
+          <p:cNvPr id="17" name="왼쪽 대괄호 16"/>
+          <p:cNvSpPr/>
+          <p:nvPr/>
+        </p:nvSpPr>
+        <p:spPr>
+          <a:xfrm flipH="1">
+            <a:off x="6224403" y="4319294"/>
+            <a:ext cx="75789" cy="2071560"/>
+          </a:xfrm>
+          <a:prstGeom prst="leftBracket">
+            <a:avLst>
+              <a:gd name="adj" fmla="val 0"/>
+            </a:avLst>
+          </a:prstGeom>
+          <a:ln w="28575">
+            <a:solidFill>
+              <a:schemeClr val="tx1"/>
+            </a:solidFill>
+          </a:ln>
+        </p:spPr>
+        <p:style>
+          <a:lnRef idx="1">
+            <a:schemeClr val="accent1"/>
+          </a:lnRef>
+          <a:fillRef idx="0">
+            <a:schemeClr val="accent1"/>
+          </a:fillRef>
+          <a:effectRef idx="0">
+            <a:schemeClr val="accent1"/>
+          </a:effectRef>
+          <a:fontRef idx="minor">
+            <a:schemeClr val="tx1"/>
+          </a:fontRef>
+        </p:style>
+        <p:txBody>
+          <a:bodyPr rtlCol="0" anchor="ctr"/>
+          <a:lstStyle/>
+          <a:p>
+            <a:pPr algn="ctr"/>
+            <a:endParaRPr lang="ko-KR" altLang="en-US" sz="1400"/>
+          </a:p>
+        </p:txBody>
+      </p:sp>
+      <mc:AlternateContent xmlns:mc="http://schemas.openxmlformats.org/markup-compatibility/2006">
+        <mc:Choice xmlns:a14="http://schemas.microsoft.com/office/drawing/2010/main" Requires="a14">
+          <p:sp>
+            <p:nvSpPr>
+              <p:cNvPr id="18" name="직사각형 17"/>
+              <p:cNvSpPr/>
+              <p:nvPr/>
+            </p:nvSpPr>
+            <p:spPr>
+              <a:xfrm>
+                <a:off x="1770402" y="5057334"/>
+                <a:ext cx="708143" cy="523220"/>
+              </a:xfrm>
+              <a:prstGeom prst="rect">
+                <a:avLst/>
+              </a:prstGeom>
+            </p:spPr>
+            <p:txBody>
+              <a:bodyPr wrap="none">
+                <a:spAutoFit/>
+              </a:bodyPr>
+              <a:lstStyle/>
+              <a:p>
+                <a14:m>
+                  <m:oMath xmlns:m="http://schemas.openxmlformats.org/officeDocument/2006/math">
+                    <m:r>
+                      <a:rPr lang="en-US" altLang="ko-KR" sz="2800" b="0" i="1" smtClean="0">
+                        <a:latin typeface="Cambria Math"/>
+                      </a:rPr>
+                      <m:t>𝐻</m:t>
+                    </m:r>
+                  </m:oMath>
+                </a14:m>
+                <a:r>
+                  <a:rPr lang="en-US" altLang="ko-KR" sz="2800" dirty="0" smtClean="0"/>
+                  <a:t>=</a:t>
+                </a:r>
+                <a:endParaRPr lang="ko-KR" altLang="en-US" sz="2800" dirty="0"/>
+              </a:p>
+            </p:txBody>
+          </p:sp>
+        </mc:Choice>
+        <mc:Fallback>
+          <p:sp>
+            <p:nvSpPr>
+              <p:cNvPr id="18" name="직사각형 17"/>
+              <p:cNvSpPr>
+                <a:spLocks noRot="1" noChangeAspect="1" noMove="1" noResize="1" noEditPoints="1" noAdjustHandles="1" noChangeArrowheads="1" noChangeShapeType="1" noTextEdit="1"/>
+              </p:cNvSpPr>
+              <p:nvPr/>
+            </p:nvSpPr>
+            <p:spPr>
+              <a:xfrm>
+                <a:off x="1770402" y="5057334"/>
+                <a:ext cx="708143" cy="523220"/>
+              </a:xfrm>
+              <a:prstGeom prst="rect">
+                <a:avLst/>
+              </a:prstGeom>
+              <a:blipFill rotWithShape="1">
+                <a:blip r:embed="rId4"/>
+                <a:stretch>
+                  <a:fillRect t="-11765" r="-16239" b="-32941"/>
+                </a:stretch>
+              </a:blipFill>
+            </p:spPr>
+            <p:txBody>
+              <a:bodyPr/>
+              <a:lstStyle/>
+              <a:p>
+                <a:r>
+                  <a:rPr lang="ko-KR" altLang="en-US">
+                    <a:noFill/>
+                  </a:rPr>
+                  <a:t> </a:t>
+                </a:r>
+              </a:p>
+            </p:txBody>
+          </p:sp>
+        </mc:Fallback>
+      </mc:AlternateContent>
+      <p:sp>
+        <p:nvSpPr>
+          <p:cNvPr id="19" name="왼쪽 대괄호 18"/>
+          <p:cNvSpPr/>
+          <p:nvPr/>
+        </p:nvSpPr>
+        <p:spPr>
+          <a:xfrm>
+            <a:off x="2998192" y="4319294"/>
+            <a:ext cx="104947" cy="2071560"/>
+          </a:xfrm>
+          <a:prstGeom prst="leftBracket">
+            <a:avLst>
+              <a:gd name="adj" fmla="val 986960"/>
+            </a:avLst>
+          </a:prstGeom>
+          <a:ln>
+            <a:solidFill>
+              <a:schemeClr val="tx1"/>
+            </a:solidFill>
+            <a:prstDash val="dash"/>
+          </a:ln>
+        </p:spPr>
+        <p:style>
+          <a:lnRef idx="1">
+            <a:schemeClr val="accent1"/>
+          </a:lnRef>
+          <a:fillRef idx="0">
+            <a:schemeClr val="accent1"/>
+          </a:fillRef>
+          <a:effectRef idx="0">
+            <a:schemeClr val="accent1"/>
+          </a:effectRef>
+          <a:fontRef idx="minor">
+            <a:schemeClr val="tx1"/>
+          </a:fontRef>
+        </p:style>
+        <p:txBody>
+          <a:bodyPr rtlCol="0" anchor="ctr"/>
+          <a:lstStyle/>
+          <a:p>
+            <a:pPr algn="ctr"/>
+            <a:endParaRPr lang="ko-KR" altLang="en-US" sz="1400"/>
+          </a:p>
+        </p:txBody>
+      </p:sp>
+      <p:sp>
+        <p:nvSpPr>
+          <p:cNvPr id="20" name="TextBox 19"/>
+          <p:cNvSpPr txBox="1"/>
+          <p:nvPr/>
+        </p:nvSpPr>
+        <p:spPr>
+          <a:xfrm rot="16200000">
+            <a:off x="2097401" y="5165055"/>
+            <a:ext cx="1389163" cy="307777"/>
+          </a:xfrm>
+          <a:prstGeom prst="rect">
+            <a:avLst/>
+          </a:prstGeom>
+          <a:noFill/>
+        </p:spPr>
+        <p:txBody>
+          <a:bodyPr wrap="none" rtlCol="0">
+            <a:spAutoFit/>
+          </a:bodyPr>
+          <a:lstStyle/>
+          <a:p>
+            <a:r>
+              <a:rPr lang="en-US" altLang="ko-KR" sz="1400" smtClean="0"/>
+              <a:t>Feature</a:t>
+            </a:r>
+            <a:r>
+              <a:rPr lang="ko-KR" altLang="en-US" sz="1400" dirty="0" smtClean="0"/>
+              <a:t>의 개수</a:t>
+            </a:r>
+            <a:endParaRPr lang="ko-KR" altLang="en-US" sz="1400" dirty="0"/>
+          </a:p>
+        </p:txBody>
+      </p:sp>
+      <p:sp>
+        <p:nvSpPr>
+          <p:cNvPr id="21" name="왼쪽 대괄호 20"/>
+          <p:cNvSpPr/>
+          <p:nvPr/>
+        </p:nvSpPr>
+        <p:spPr>
+          <a:xfrm rot="5400000">
+            <a:off x="4738003" y="2656234"/>
+            <a:ext cx="104947" cy="2943644"/>
+          </a:xfrm>
+          <a:prstGeom prst="leftBracket">
+            <a:avLst>
+              <a:gd name="adj" fmla="val 986960"/>
+            </a:avLst>
+          </a:prstGeom>
+          <a:ln>
+            <a:solidFill>
+              <a:schemeClr val="tx1"/>
+            </a:solidFill>
+            <a:prstDash val="dash"/>
+          </a:ln>
+        </p:spPr>
+        <p:style>
+          <a:lnRef idx="1">
+            <a:schemeClr val="accent1"/>
+          </a:lnRef>
+          <a:fillRef idx="0">
+            <a:schemeClr val="accent1"/>
+          </a:fillRef>
+          <a:effectRef idx="0">
+            <a:schemeClr val="accent1"/>
+          </a:effectRef>
+          <a:fontRef idx="minor">
+            <a:schemeClr val="tx1"/>
+          </a:fontRef>
+        </p:style>
+        <p:txBody>
+          <a:bodyPr rtlCol="0" anchor="ctr"/>
+          <a:lstStyle/>
+          <a:p>
+            <a:pPr algn="ctr"/>
+            <a:endParaRPr lang="ko-KR" altLang="en-US" sz="1400"/>
+          </a:p>
+        </p:txBody>
+      </p:sp>
+      <p:sp>
+        <p:nvSpPr>
+          <p:cNvPr id="22" name="TextBox 21"/>
+          <p:cNvSpPr txBox="1"/>
+          <p:nvPr/>
+        </p:nvSpPr>
+        <p:spPr>
+          <a:xfrm>
+            <a:off x="3933312" y="3763200"/>
+            <a:ext cx="1649811" cy="307777"/>
+          </a:xfrm>
+          <a:prstGeom prst="rect">
+            <a:avLst/>
+          </a:prstGeom>
+          <a:noFill/>
+        </p:spPr>
+        <p:txBody>
+          <a:bodyPr wrap="none" rtlCol="0">
+            <a:spAutoFit/>
+          </a:bodyPr>
+          <a:lstStyle/>
+          <a:p>
+            <a:r>
+              <a:rPr lang="en-US" altLang="ko-KR" sz="1400" dirty="0" smtClean="0"/>
+              <a:t>Data</a:t>
+            </a:r>
+            <a:r>
+              <a:rPr lang="ko-KR" altLang="en-US" sz="1400" dirty="0" smtClean="0"/>
+              <a:t>의 </a:t>
+            </a:r>
+            <a:r>
+              <a:rPr lang="en-US" altLang="ko-KR" sz="1400" dirty="0" smtClean="0"/>
+              <a:t>dimension</a:t>
+            </a:r>
+            <a:endParaRPr lang="ko-KR" altLang="en-US" sz="1400" dirty="0"/>
+          </a:p>
+        </p:txBody>
+      </p:sp>
     </p:spTree>
     <p:extLst>
       <p:ext uri="{BB962C8B-B14F-4D97-AF65-F5344CB8AC3E}">
-        <p14:creationId xmlns:p14="http://schemas.microsoft.com/office/powerpoint/2010/main" val="2087639487"/>
+        <p14:creationId xmlns:p14="http://schemas.microsoft.com/office/powerpoint/2010/main" val="223597599"/>
       </p:ext>
     </p:extLst>
   </p:cSld>
@@ -3198,6 +3892,100 @@
     </p:spTree>
     <p:extLst>
       <p:ext uri="{BB962C8B-B14F-4D97-AF65-F5344CB8AC3E}">
+        <p14:creationId xmlns:p14="http://schemas.microsoft.com/office/powerpoint/2010/main" val="2087639487"/>
+      </p:ext>
+    </p:extLst>
+  </p:cSld>
+  <p:clrMapOvr>
+    <a:masterClrMapping/>
+  </p:clrMapOvr>
+</p:sld>
+</file>
+
+<file path=ppt/slides/slide3.xml><?xml version="1.0" encoding="utf-8"?>
+<p:sld xmlns:a="http://schemas.openxmlformats.org/drawingml/2006/main" xmlns:r="http://schemas.openxmlformats.org/officeDocument/2006/relationships" xmlns:p="http://schemas.openxmlformats.org/presentationml/2006/main">
+  <p:cSld>
+    <p:spTree>
+      <p:nvGrpSpPr>
+        <p:cNvPr id="1" name=""/>
+        <p:cNvGrpSpPr/>
+        <p:nvPr/>
+      </p:nvGrpSpPr>
+      <p:grpSpPr>
+        <a:xfrm>
+          <a:off x="0" y="0"/>
+          <a:ext cx="0" cy="0"/>
+          <a:chOff x="0" y="0"/>
+          <a:chExt cx="0" cy="0"/>
+        </a:xfrm>
+      </p:grpSpPr>
+      <p:pic>
+        <p:nvPicPr>
+          <p:cNvPr id="1026" name="Picture 2"/>
+          <p:cNvPicPr>
+            <a:picLocks noChangeAspect="1" noChangeArrowheads="1"/>
+          </p:cNvPicPr>
+          <p:nvPr/>
+        </p:nvPicPr>
+        <p:blipFill>
+          <a:blip r:embed="rId2">
+            <a:extLst>
+              <a:ext uri="{28A0092B-C50C-407E-A947-70E740481C1C}">
+                <a14:useLocalDpi xmlns:a14="http://schemas.microsoft.com/office/drawing/2010/main" val="0"/>
+              </a:ext>
+            </a:extLst>
+          </a:blip>
+          <a:srcRect/>
+          <a:stretch>
+            <a:fillRect/>
+          </a:stretch>
+        </p:blipFill>
+        <p:spPr bwMode="auto">
+          <a:xfrm>
+            <a:off x="66675" y="104775"/>
+            <a:ext cx="9010650" cy="6648450"/>
+          </a:xfrm>
+          <a:prstGeom prst="rect">
+            <a:avLst/>
+          </a:prstGeom>
+          <a:noFill/>
+          <a:ln>
+            <a:noFill/>
+          </a:ln>
+          <a:effectLst/>
+          <a:extLst>
+            <a:ext uri="{909E8E84-426E-40DD-AFC4-6F175D3DCCD1}">
+              <a14:hiddenFill xmlns:a14="http://schemas.microsoft.com/office/drawing/2010/main">
+                <a:solidFill>
+                  <a:schemeClr val="accent1"/>
+                </a:solidFill>
+              </a14:hiddenFill>
+            </a:ext>
+            <a:ext uri="{91240B29-F687-4F45-9708-019B960494DF}">
+              <a14:hiddenLine xmlns:a14="http://schemas.microsoft.com/office/drawing/2010/main" w="9525">
+                <a:solidFill>
+                  <a:schemeClr val="tx1"/>
+                </a:solidFill>
+                <a:miter lim="800000"/>
+                <a:headEnd/>
+                <a:tailEnd/>
+              </a14:hiddenLine>
+            </a:ext>
+            <a:ext uri="{AF507438-7753-43E0-B8FC-AC1667EBCBE1}">
+              <a14:hiddenEffects xmlns:a14="http://schemas.microsoft.com/office/drawing/2010/main">
+                <a:effectLst>
+                  <a:outerShdw dist="35921" dir="2700000" algn="ctr" rotWithShape="0">
+                    <a:schemeClr val="bg2"/>
+                  </a:outerShdw>
+                </a:effectLst>
+              </a14:hiddenEffects>
+            </a:ext>
+          </a:extLst>
+        </p:spPr>
+      </p:pic>
+    </p:spTree>
+    <p:extLst>
+      <p:ext uri="{BB962C8B-B14F-4D97-AF65-F5344CB8AC3E}">
         <p14:creationId xmlns:p14="http://schemas.microsoft.com/office/powerpoint/2010/main" val="2984585854"/>
       </p:ext>
     </p:extLst>
@@ -3208,7 +3996,7 @@
 </p:sld>
 </file>
 
-<file path=ppt/slides/slide3.xml><?xml version="1.0" encoding="utf-8"?>
+<file path=ppt/slides/slide4.xml><?xml version="1.0" encoding="utf-8"?>
 <p:sld xmlns:a="http://schemas.openxmlformats.org/drawingml/2006/main" xmlns:r="http://schemas.openxmlformats.org/officeDocument/2006/relationships" xmlns:p="http://schemas.openxmlformats.org/presentationml/2006/main">
   <p:cSld>
     <p:spTree>

--- a/pics/2020-10-15-NMF/pics.pptx
+++ b/pics/2020-10-15-NMF/pics.pptx
@@ -6,9 +6,10 @@
   </p:sldMasterIdLst>
   <p:sldIdLst>
     <p:sldId id="259" r:id="rId2"/>
-    <p:sldId id="258" r:id="rId3"/>
-    <p:sldId id="256" r:id="rId4"/>
-    <p:sldId id="257" r:id="rId5"/>
+    <p:sldId id="260" r:id="rId3"/>
+    <p:sldId id="258" r:id="rId4"/>
+    <p:sldId id="256" r:id="rId5"/>
+    <p:sldId id="257" r:id="rId6"/>
   </p:sldIdLst>
   <p:sldSz cx="9144000" cy="6858000" type="screen4x3"/>
   <p:notesSz cx="6858000" cy="9144000"/>
@@ -107,6 +108,22 @@
       </a:defRPr>
     </a:lvl9pPr>
   </p:defaultTextStyle>
+  <p:extLst>
+    <p:ext uri="{EFAFB233-063F-42B5-8137-9DF3F51BA10A}">
+      <p15:sldGuideLst xmlns:p15="http://schemas.microsoft.com/office/powerpoint/2012/main">
+        <p15:guide id="1" orient="horz" pos="2160">
+          <p15:clr>
+            <a:srgbClr val="A4A3A4"/>
+          </p15:clr>
+        </p15:guide>
+        <p15:guide id="2" pos="2880">
+          <p15:clr>
+            <a:srgbClr val="A4A3A4"/>
+          </p15:clr>
+        </p15:guide>
+      </p15:sldGuideLst>
+    </p:ext>
+  </p:extLst>
 </p:presentation>
 </file>
 
@@ -148,10 +165,9 @@
           <a:lstStyle/>
           <a:p>
             <a:r>
-              <a:rPr lang="ko-KR" altLang="en-US" smtClean="0"/>
+              <a:rPr lang="ko-KR" altLang="en-US"/>
               <a:t>마스터 제목 스타일 편집</a:t>
             </a:r>
-            <a:endParaRPr lang="ko-KR" altLang="en-US"/>
           </a:p>
         </p:txBody>
       </p:sp>
@@ -267,10 +283,9 @@
           </a:lstStyle>
           <a:p>
             <a:r>
-              <a:rPr lang="ko-KR" altLang="en-US" smtClean="0"/>
+              <a:rPr lang="ko-KR" altLang="en-US"/>
               <a:t>마스터 부제목 스타일 편집</a:t>
             </a:r>
-            <a:endParaRPr lang="ko-KR" altLang="en-US"/>
           </a:p>
         </p:txBody>
       </p:sp>
@@ -291,7 +306,7 @@
           <a:p>
             <a:fld id="{FB30EDBD-1C2D-4C1E-B459-B60219FAB484}" type="datetimeFigureOut">
               <a:rPr lang="ko-KR" altLang="en-US" smtClean="0"/>
-              <a:t>2020-10-16</a:t>
+              <a:t>2020-10-18</a:t>
             </a:fld>
             <a:endParaRPr lang="ko-KR" altLang="en-US"/>
           </a:p>
@@ -380,10 +395,9 @@
           <a:lstStyle/>
           <a:p>
             <a:r>
-              <a:rPr lang="ko-KR" altLang="en-US" smtClean="0"/>
+              <a:rPr lang="ko-KR" altLang="en-US"/>
               <a:t>마스터 제목 스타일 편집</a:t>
             </a:r>
-            <a:endParaRPr lang="ko-KR" altLang="en-US"/>
           </a:p>
         </p:txBody>
       </p:sp>
@@ -404,38 +418,37 @@
           <a:p>
             <a:pPr lvl="0"/>
             <a:r>
-              <a:rPr lang="ko-KR" altLang="en-US" smtClean="0"/>
+              <a:rPr lang="ko-KR" altLang="en-US"/>
               <a:t>마스터 텍스트 스타일을 편집합니다</a:t>
             </a:r>
           </a:p>
           <a:p>
             <a:pPr lvl="1"/>
             <a:r>
-              <a:rPr lang="ko-KR" altLang="en-US" smtClean="0"/>
+              <a:rPr lang="ko-KR" altLang="en-US"/>
               <a:t>둘째 수준</a:t>
             </a:r>
           </a:p>
           <a:p>
             <a:pPr lvl="2"/>
             <a:r>
-              <a:rPr lang="ko-KR" altLang="en-US" smtClean="0"/>
+              <a:rPr lang="ko-KR" altLang="en-US"/>
               <a:t>셋째 수준</a:t>
             </a:r>
           </a:p>
           <a:p>
             <a:pPr lvl="3"/>
             <a:r>
-              <a:rPr lang="ko-KR" altLang="en-US" smtClean="0"/>
+              <a:rPr lang="ko-KR" altLang="en-US"/>
               <a:t>넷째 수준</a:t>
             </a:r>
           </a:p>
           <a:p>
             <a:pPr lvl="4"/>
             <a:r>
-              <a:rPr lang="ko-KR" altLang="en-US" smtClean="0"/>
+              <a:rPr lang="ko-KR" altLang="en-US"/>
               <a:t>다섯째 수준</a:t>
             </a:r>
-            <a:endParaRPr lang="ko-KR" altLang="en-US"/>
           </a:p>
         </p:txBody>
       </p:sp>
@@ -456,7 +469,7 @@
           <a:p>
             <a:fld id="{FB30EDBD-1C2D-4C1E-B459-B60219FAB484}" type="datetimeFigureOut">
               <a:rPr lang="ko-KR" altLang="en-US" smtClean="0"/>
-              <a:t>2020-10-16</a:t>
+              <a:t>2020-10-18</a:t>
             </a:fld>
             <a:endParaRPr lang="ko-KR" altLang="en-US"/>
           </a:p>
@@ -550,10 +563,9 @@
           <a:lstStyle/>
           <a:p>
             <a:r>
-              <a:rPr lang="ko-KR" altLang="en-US" smtClean="0"/>
+              <a:rPr lang="ko-KR" altLang="en-US"/>
               <a:t>마스터 제목 스타일 편집</a:t>
             </a:r>
-            <a:endParaRPr lang="ko-KR" altLang="en-US"/>
           </a:p>
         </p:txBody>
       </p:sp>
@@ -579,38 +591,37 @@
           <a:p>
             <a:pPr lvl="0"/>
             <a:r>
-              <a:rPr lang="ko-KR" altLang="en-US" smtClean="0"/>
+              <a:rPr lang="ko-KR" altLang="en-US"/>
               <a:t>마스터 텍스트 스타일을 편집합니다</a:t>
             </a:r>
           </a:p>
           <a:p>
             <a:pPr lvl="1"/>
             <a:r>
-              <a:rPr lang="ko-KR" altLang="en-US" smtClean="0"/>
+              <a:rPr lang="ko-KR" altLang="en-US"/>
               <a:t>둘째 수준</a:t>
             </a:r>
           </a:p>
           <a:p>
             <a:pPr lvl="2"/>
             <a:r>
-              <a:rPr lang="ko-KR" altLang="en-US" smtClean="0"/>
+              <a:rPr lang="ko-KR" altLang="en-US"/>
               <a:t>셋째 수준</a:t>
             </a:r>
           </a:p>
           <a:p>
             <a:pPr lvl="3"/>
             <a:r>
-              <a:rPr lang="ko-KR" altLang="en-US" smtClean="0"/>
+              <a:rPr lang="ko-KR" altLang="en-US"/>
               <a:t>넷째 수준</a:t>
             </a:r>
           </a:p>
           <a:p>
             <a:pPr lvl="4"/>
             <a:r>
-              <a:rPr lang="ko-KR" altLang="en-US" smtClean="0"/>
+              <a:rPr lang="ko-KR" altLang="en-US"/>
               <a:t>다섯째 수준</a:t>
             </a:r>
-            <a:endParaRPr lang="ko-KR" altLang="en-US"/>
           </a:p>
         </p:txBody>
       </p:sp>
@@ -631,7 +642,7 @@
           <a:p>
             <a:fld id="{FB30EDBD-1C2D-4C1E-B459-B60219FAB484}" type="datetimeFigureOut">
               <a:rPr lang="ko-KR" altLang="en-US" smtClean="0"/>
-              <a:t>2020-10-16</a:t>
+              <a:t>2020-10-18</a:t>
             </a:fld>
             <a:endParaRPr lang="ko-KR" altLang="en-US"/>
           </a:p>
@@ -720,10 +731,9 @@
           <a:lstStyle/>
           <a:p>
             <a:r>
-              <a:rPr lang="ko-KR" altLang="en-US" smtClean="0"/>
+              <a:rPr lang="ko-KR" altLang="en-US"/>
               <a:t>마스터 제목 스타일 편집</a:t>
             </a:r>
-            <a:endParaRPr lang="ko-KR" altLang="en-US"/>
           </a:p>
         </p:txBody>
       </p:sp>
@@ -744,38 +754,37 @@
           <a:p>
             <a:pPr lvl="0"/>
             <a:r>
-              <a:rPr lang="ko-KR" altLang="en-US" smtClean="0"/>
+              <a:rPr lang="ko-KR" altLang="en-US"/>
               <a:t>마스터 텍스트 스타일을 편집합니다</a:t>
             </a:r>
           </a:p>
           <a:p>
             <a:pPr lvl="1"/>
             <a:r>
-              <a:rPr lang="ko-KR" altLang="en-US" smtClean="0"/>
+              <a:rPr lang="ko-KR" altLang="en-US"/>
               <a:t>둘째 수준</a:t>
             </a:r>
           </a:p>
           <a:p>
             <a:pPr lvl="2"/>
             <a:r>
-              <a:rPr lang="ko-KR" altLang="en-US" smtClean="0"/>
+              <a:rPr lang="ko-KR" altLang="en-US"/>
               <a:t>셋째 수준</a:t>
             </a:r>
           </a:p>
           <a:p>
             <a:pPr lvl="3"/>
             <a:r>
-              <a:rPr lang="ko-KR" altLang="en-US" smtClean="0"/>
+              <a:rPr lang="ko-KR" altLang="en-US"/>
               <a:t>넷째 수준</a:t>
             </a:r>
           </a:p>
           <a:p>
             <a:pPr lvl="4"/>
             <a:r>
-              <a:rPr lang="ko-KR" altLang="en-US" smtClean="0"/>
+              <a:rPr lang="ko-KR" altLang="en-US"/>
               <a:t>다섯째 수준</a:t>
             </a:r>
-            <a:endParaRPr lang="ko-KR" altLang="en-US"/>
           </a:p>
         </p:txBody>
       </p:sp>
@@ -796,7 +805,7 @@
           <a:p>
             <a:fld id="{FB30EDBD-1C2D-4C1E-B459-B60219FAB484}" type="datetimeFigureOut">
               <a:rPr lang="ko-KR" altLang="en-US" smtClean="0"/>
-              <a:t>2020-10-16</a:t>
+              <a:t>2020-10-18</a:t>
             </a:fld>
             <a:endParaRPr lang="ko-KR" altLang="en-US"/>
           </a:p>
@@ -894,10 +903,9 @@
           </a:lstStyle>
           <a:p>
             <a:r>
-              <a:rPr lang="ko-KR" altLang="en-US" smtClean="0"/>
+              <a:rPr lang="ko-KR" altLang="en-US"/>
               <a:t>마스터 제목 스타일 편집</a:t>
             </a:r>
-            <a:endParaRPr lang="ko-KR" altLang="en-US"/>
           </a:p>
         </p:txBody>
       </p:sp>
@@ -1014,7 +1022,7 @@
           <a:p>
             <a:pPr lvl="0"/>
             <a:r>
-              <a:rPr lang="ko-KR" altLang="en-US" smtClean="0"/>
+              <a:rPr lang="ko-KR" altLang="en-US"/>
               <a:t>마스터 텍스트 스타일을 편집합니다</a:t>
             </a:r>
           </a:p>
@@ -1037,7 +1045,7 @@
           <a:p>
             <a:fld id="{FB30EDBD-1C2D-4C1E-B459-B60219FAB484}" type="datetimeFigureOut">
               <a:rPr lang="ko-KR" altLang="en-US" smtClean="0"/>
-              <a:t>2020-10-16</a:t>
+              <a:t>2020-10-18</a:t>
             </a:fld>
             <a:endParaRPr lang="ko-KR" altLang="en-US"/>
           </a:p>
@@ -1126,10 +1134,9 @@
           <a:lstStyle/>
           <a:p>
             <a:r>
-              <a:rPr lang="ko-KR" altLang="en-US" smtClean="0"/>
+              <a:rPr lang="ko-KR" altLang="en-US"/>
               <a:t>마스터 제목 스타일 편집</a:t>
             </a:r>
-            <a:endParaRPr lang="ko-KR" altLang="en-US"/>
           </a:p>
         </p:txBody>
       </p:sp>
@@ -1183,38 +1190,37 @@
           <a:p>
             <a:pPr lvl="0"/>
             <a:r>
-              <a:rPr lang="ko-KR" altLang="en-US" smtClean="0"/>
+              <a:rPr lang="ko-KR" altLang="en-US"/>
               <a:t>마스터 텍스트 스타일을 편집합니다</a:t>
             </a:r>
           </a:p>
           <a:p>
             <a:pPr lvl="1"/>
             <a:r>
-              <a:rPr lang="ko-KR" altLang="en-US" smtClean="0"/>
+              <a:rPr lang="ko-KR" altLang="en-US"/>
               <a:t>둘째 수준</a:t>
             </a:r>
           </a:p>
           <a:p>
             <a:pPr lvl="2"/>
             <a:r>
-              <a:rPr lang="ko-KR" altLang="en-US" smtClean="0"/>
+              <a:rPr lang="ko-KR" altLang="en-US"/>
               <a:t>셋째 수준</a:t>
             </a:r>
           </a:p>
           <a:p>
             <a:pPr lvl="3"/>
             <a:r>
-              <a:rPr lang="ko-KR" altLang="en-US" smtClean="0"/>
+              <a:rPr lang="ko-KR" altLang="en-US"/>
               <a:t>넷째 수준</a:t>
             </a:r>
           </a:p>
           <a:p>
             <a:pPr lvl="4"/>
             <a:r>
-              <a:rPr lang="ko-KR" altLang="en-US" smtClean="0"/>
+              <a:rPr lang="ko-KR" altLang="en-US"/>
               <a:t>다섯째 수준</a:t>
             </a:r>
-            <a:endParaRPr lang="ko-KR" altLang="en-US"/>
           </a:p>
         </p:txBody>
       </p:sp>
@@ -1268,38 +1274,37 @@
           <a:p>
             <a:pPr lvl="0"/>
             <a:r>
-              <a:rPr lang="ko-KR" altLang="en-US" smtClean="0"/>
+              <a:rPr lang="ko-KR" altLang="en-US"/>
               <a:t>마스터 텍스트 스타일을 편집합니다</a:t>
             </a:r>
           </a:p>
           <a:p>
             <a:pPr lvl="1"/>
             <a:r>
-              <a:rPr lang="ko-KR" altLang="en-US" smtClean="0"/>
+              <a:rPr lang="ko-KR" altLang="en-US"/>
               <a:t>둘째 수준</a:t>
             </a:r>
           </a:p>
           <a:p>
             <a:pPr lvl="2"/>
             <a:r>
-              <a:rPr lang="ko-KR" altLang="en-US" smtClean="0"/>
+              <a:rPr lang="ko-KR" altLang="en-US"/>
               <a:t>셋째 수준</a:t>
             </a:r>
           </a:p>
           <a:p>
             <a:pPr lvl="3"/>
             <a:r>
-              <a:rPr lang="ko-KR" altLang="en-US" smtClean="0"/>
+              <a:rPr lang="ko-KR" altLang="en-US"/>
               <a:t>넷째 수준</a:t>
             </a:r>
           </a:p>
           <a:p>
             <a:pPr lvl="4"/>
             <a:r>
-              <a:rPr lang="ko-KR" altLang="en-US" smtClean="0"/>
+              <a:rPr lang="ko-KR" altLang="en-US"/>
               <a:t>다섯째 수준</a:t>
             </a:r>
-            <a:endParaRPr lang="ko-KR" altLang="en-US"/>
           </a:p>
         </p:txBody>
       </p:sp>
@@ -1320,7 +1325,7 @@
           <a:p>
             <a:fld id="{FB30EDBD-1C2D-4C1E-B459-B60219FAB484}" type="datetimeFigureOut">
               <a:rPr lang="ko-KR" altLang="en-US" smtClean="0"/>
-              <a:t>2020-10-16</a:t>
+              <a:t>2020-10-18</a:t>
             </a:fld>
             <a:endParaRPr lang="ko-KR" altLang="en-US"/>
           </a:p>
@@ -1413,10 +1418,9 @@
           </a:lstStyle>
           <a:p>
             <a:r>
-              <a:rPr lang="ko-KR" altLang="en-US" smtClean="0"/>
+              <a:rPr lang="ko-KR" altLang="en-US"/>
               <a:t>마스터 제목 스타일 편집</a:t>
             </a:r>
-            <a:endParaRPr lang="ko-KR" altLang="en-US"/>
           </a:p>
         </p:txBody>
       </p:sp>
@@ -1479,7 +1483,7 @@
           <a:p>
             <a:pPr lvl="0"/>
             <a:r>
-              <a:rPr lang="ko-KR" altLang="en-US" smtClean="0"/>
+              <a:rPr lang="ko-KR" altLang="en-US"/>
               <a:t>마스터 텍스트 스타일을 편집합니다</a:t>
             </a:r>
           </a:p>
@@ -1535,38 +1539,37 @@
           <a:p>
             <a:pPr lvl="0"/>
             <a:r>
-              <a:rPr lang="ko-KR" altLang="en-US" smtClean="0"/>
+              <a:rPr lang="ko-KR" altLang="en-US"/>
               <a:t>마스터 텍스트 스타일을 편집합니다</a:t>
             </a:r>
           </a:p>
           <a:p>
             <a:pPr lvl="1"/>
             <a:r>
-              <a:rPr lang="ko-KR" altLang="en-US" smtClean="0"/>
+              <a:rPr lang="ko-KR" altLang="en-US"/>
               <a:t>둘째 수준</a:t>
             </a:r>
           </a:p>
           <a:p>
             <a:pPr lvl="2"/>
             <a:r>
-              <a:rPr lang="ko-KR" altLang="en-US" smtClean="0"/>
+              <a:rPr lang="ko-KR" altLang="en-US"/>
               <a:t>셋째 수준</a:t>
             </a:r>
           </a:p>
           <a:p>
             <a:pPr lvl="3"/>
             <a:r>
-              <a:rPr lang="ko-KR" altLang="en-US" smtClean="0"/>
+              <a:rPr lang="ko-KR" altLang="en-US"/>
               <a:t>넷째 수준</a:t>
             </a:r>
           </a:p>
           <a:p>
             <a:pPr lvl="4"/>
             <a:r>
-              <a:rPr lang="ko-KR" altLang="en-US" smtClean="0"/>
+              <a:rPr lang="ko-KR" altLang="en-US"/>
               <a:t>다섯째 수준</a:t>
             </a:r>
-            <a:endParaRPr lang="ko-KR" altLang="en-US"/>
           </a:p>
         </p:txBody>
       </p:sp>
@@ -1629,7 +1632,7 @@
           <a:p>
             <a:pPr lvl="0"/>
             <a:r>
-              <a:rPr lang="ko-KR" altLang="en-US" smtClean="0"/>
+              <a:rPr lang="ko-KR" altLang="en-US"/>
               <a:t>마스터 텍스트 스타일을 편집합니다</a:t>
             </a:r>
           </a:p>
@@ -1685,38 +1688,37 @@
           <a:p>
             <a:pPr lvl="0"/>
             <a:r>
-              <a:rPr lang="ko-KR" altLang="en-US" smtClean="0"/>
+              <a:rPr lang="ko-KR" altLang="en-US"/>
               <a:t>마스터 텍스트 스타일을 편집합니다</a:t>
             </a:r>
           </a:p>
           <a:p>
             <a:pPr lvl="1"/>
             <a:r>
-              <a:rPr lang="ko-KR" altLang="en-US" smtClean="0"/>
+              <a:rPr lang="ko-KR" altLang="en-US"/>
               <a:t>둘째 수준</a:t>
             </a:r>
           </a:p>
           <a:p>
             <a:pPr lvl="2"/>
             <a:r>
-              <a:rPr lang="ko-KR" altLang="en-US" smtClean="0"/>
+              <a:rPr lang="ko-KR" altLang="en-US"/>
               <a:t>셋째 수준</a:t>
             </a:r>
           </a:p>
           <a:p>
             <a:pPr lvl="3"/>
             <a:r>
-              <a:rPr lang="ko-KR" altLang="en-US" smtClean="0"/>
+              <a:rPr lang="ko-KR" altLang="en-US"/>
               <a:t>넷째 수준</a:t>
             </a:r>
           </a:p>
           <a:p>
             <a:pPr lvl="4"/>
             <a:r>
-              <a:rPr lang="ko-KR" altLang="en-US" smtClean="0"/>
+              <a:rPr lang="ko-KR" altLang="en-US"/>
               <a:t>다섯째 수준</a:t>
             </a:r>
-            <a:endParaRPr lang="ko-KR" altLang="en-US"/>
           </a:p>
         </p:txBody>
       </p:sp>
@@ -1737,7 +1739,7 @@
           <a:p>
             <a:fld id="{FB30EDBD-1C2D-4C1E-B459-B60219FAB484}" type="datetimeFigureOut">
               <a:rPr lang="ko-KR" altLang="en-US" smtClean="0"/>
-              <a:t>2020-10-16</a:t>
+              <a:t>2020-10-18</a:t>
             </a:fld>
             <a:endParaRPr lang="ko-KR" altLang="en-US"/>
           </a:p>
@@ -1826,10 +1828,9 @@
           <a:lstStyle/>
           <a:p>
             <a:r>
-              <a:rPr lang="ko-KR" altLang="en-US" smtClean="0"/>
+              <a:rPr lang="ko-KR" altLang="en-US"/>
               <a:t>마스터 제목 스타일 편집</a:t>
             </a:r>
-            <a:endParaRPr lang="ko-KR" altLang="en-US"/>
           </a:p>
         </p:txBody>
       </p:sp>
@@ -1850,7 +1851,7 @@
           <a:p>
             <a:fld id="{FB30EDBD-1C2D-4C1E-B459-B60219FAB484}" type="datetimeFigureOut">
               <a:rPr lang="ko-KR" altLang="en-US" smtClean="0"/>
-              <a:t>2020-10-16</a:t>
+              <a:t>2020-10-18</a:t>
             </a:fld>
             <a:endParaRPr lang="ko-KR" altLang="en-US"/>
           </a:p>
@@ -1940,7 +1941,7 @@
           <a:p>
             <a:fld id="{FB30EDBD-1C2D-4C1E-B459-B60219FAB484}" type="datetimeFigureOut">
               <a:rPr lang="ko-KR" altLang="en-US" smtClean="0"/>
-              <a:t>2020-10-16</a:t>
+              <a:t>2020-10-18</a:t>
             </a:fld>
             <a:endParaRPr lang="ko-KR" altLang="en-US"/>
           </a:p>
@@ -2038,10 +2039,9 @@
           </a:lstStyle>
           <a:p>
             <a:r>
-              <a:rPr lang="ko-KR" altLang="en-US" smtClean="0"/>
+              <a:rPr lang="ko-KR" altLang="en-US"/>
               <a:t>마스터 제목 스타일 편집</a:t>
             </a:r>
-            <a:endParaRPr lang="ko-KR" altLang="en-US"/>
           </a:p>
         </p:txBody>
       </p:sp>
@@ -2095,38 +2095,37 @@
           <a:p>
             <a:pPr lvl="0"/>
             <a:r>
-              <a:rPr lang="ko-KR" altLang="en-US" smtClean="0"/>
+              <a:rPr lang="ko-KR" altLang="en-US"/>
               <a:t>마스터 텍스트 스타일을 편집합니다</a:t>
             </a:r>
           </a:p>
           <a:p>
             <a:pPr lvl="1"/>
             <a:r>
-              <a:rPr lang="ko-KR" altLang="en-US" smtClean="0"/>
+              <a:rPr lang="ko-KR" altLang="en-US"/>
               <a:t>둘째 수준</a:t>
             </a:r>
           </a:p>
           <a:p>
             <a:pPr lvl="2"/>
             <a:r>
-              <a:rPr lang="ko-KR" altLang="en-US" smtClean="0"/>
+              <a:rPr lang="ko-KR" altLang="en-US"/>
               <a:t>셋째 수준</a:t>
             </a:r>
           </a:p>
           <a:p>
             <a:pPr lvl="3"/>
             <a:r>
-              <a:rPr lang="ko-KR" altLang="en-US" smtClean="0"/>
+              <a:rPr lang="ko-KR" altLang="en-US"/>
               <a:t>넷째 수준</a:t>
             </a:r>
           </a:p>
           <a:p>
             <a:pPr lvl="4"/>
             <a:r>
-              <a:rPr lang="ko-KR" altLang="en-US" smtClean="0"/>
+              <a:rPr lang="ko-KR" altLang="en-US"/>
               <a:t>다섯째 수준</a:t>
             </a:r>
-            <a:endParaRPr lang="ko-KR" altLang="en-US"/>
           </a:p>
         </p:txBody>
       </p:sp>
@@ -2189,7 +2188,7 @@
           <a:p>
             <a:pPr lvl="0"/>
             <a:r>
-              <a:rPr lang="ko-KR" altLang="en-US" smtClean="0"/>
+              <a:rPr lang="ko-KR" altLang="en-US"/>
               <a:t>마스터 텍스트 스타일을 편집합니다</a:t>
             </a:r>
           </a:p>
@@ -2212,7 +2211,7 @@
           <a:p>
             <a:fld id="{FB30EDBD-1C2D-4C1E-B459-B60219FAB484}" type="datetimeFigureOut">
               <a:rPr lang="ko-KR" altLang="en-US" smtClean="0"/>
-              <a:t>2020-10-16</a:t>
+              <a:t>2020-10-18</a:t>
             </a:fld>
             <a:endParaRPr lang="ko-KR" altLang="en-US"/>
           </a:p>
@@ -2310,10 +2309,9 @@
           </a:lstStyle>
           <a:p>
             <a:r>
-              <a:rPr lang="ko-KR" altLang="en-US" smtClean="0"/>
+              <a:rPr lang="ko-KR" altLang="en-US"/>
               <a:t>마스터 제목 스타일 편집</a:t>
             </a:r>
-            <a:endParaRPr lang="ko-KR" altLang="en-US"/>
           </a:p>
         </p:txBody>
       </p:sp>
@@ -2437,7 +2435,7 @@
           <a:p>
             <a:pPr lvl="0"/>
             <a:r>
-              <a:rPr lang="ko-KR" altLang="en-US" smtClean="0"/>
+              <a:rPr lang="ko-KR" altLang="en-US"/>
               <a:t>마스터 텍스트 스타일을 편집합니다</a:t>
             </a:r>
           </a:p>
@@ -2460,7 +2458,7 @@
           <a:p>
             <a:fld id="{FB30EDBD-1C2D-4C1E-B459-B60219FAB484}" type="datetimeFigureOut">
               <a:rPr lang="ko-KR" altLang="en-US" smtClean="0"/>
-              <a:t>2020-10-16</a:t>
+              <a:t>2020-10-18</a:t>
             </a:fld>
             <a:endParaRPr lang="ko-KR" altLang="en-US"/>
           </a:p>
@@ -2564,10 +2562,9 @@
           <a:lstStyle/>
           <a:p>
             <a:r>
-              <a:rPr lang="ko-KR" altLang="en-US" smtClean="0"/>
+              <a:rPr lang="ko-KR" altLang="en-US"/>
               <a:t>마스터 제목 스타일 편집</a:t>
             </a:r>
-            <a:endParaRPr lang="ko-KR" altLang="en-US"/>
           </a:p>
         </p:txBody>
       </p:sp>
@@ -2598,38 +2595,37 @@
           <a:p>
             <a:pPr lvl="0"/>
             <a:r>
-              <a:rPr lang="ko-KR" altLang="en-US" smtClean="0"/>
+              <a:rPr lang="ko-KR" altLang="en-US"/>
               <a:t>마스터 텍스트 스타일을 편집합니다</a:t>
             </a:r>
           </a:p>
           <a:p>
             <a:pPr lvl="1"/>
             <a:r>
-              <a:rPr lang="ko-KR" altLang="en-US" smtClean="0"/>
+              <a:rPr lang="ko-KR" altLang="en-US"/>
               <a:t>둘째 수준</a:t>
             </a:r>
           </a:p>
           <a:p>
             <a:pPr lvl="2"/>
             <a:r>
-              <a:rPr lang="ko-KR" altLang="en-US" smtClean="0"/>
+              <a:rPr lang="ko-KR" altLang="en-US"/>
               <a:t>셋째 수준</a:t>
             </a:r>
           </a:p>
           <a:p>
             <a:pPr lvl="3"/>
             <a:r>
-              <a:rPr lang="ko-KR" altLang="en-US" smtClean="0"/>
+              <a:rPr lang="ko-KR" altLang="en-US"/>
               <a:t>넷째 수준</a:t>
             </a:r>
           </a:p>
           <a:p>
             <a:pPr lvl="4"/>
             <a:r>
-              <a:rPr lang="ko-KR" altLang="en-US" smtClean="0"/>
+              <a:rPr lang="ko-KR" altLang="en-US"/>
               <a:t>다섯째 수준</a:t>
             </a:r>
-            <a:endParaRPr lang="ko-KR" altLang="en-US"/>
           </a:p>
         </p:txBody>
       </p:sp>
@@ -2668,7 +2664,7 @@
           <a:p>
             <a:fld id="{FB30EDBD-1C2D-4C1E-B459-B60219FAB484}" type="datetimeFigureOut">
               <a:rPr lang="ko-KR" altLang="en-US" smtClean="0"/>
-              <a:t>2020-10-16</a:t>
+              <a:t>2020-10-18</a:t>
             </a:fld>
             <a:endParaRPr lang="ko-KR" altLang="en-US"/>
           </a:p>
@@ -3038,101 +3034,6 @@
           <a:chExt cx="0" cy="0"/>
         </a:xfrm>
       </p:grpSpPr>
-      <mc:AlternateContent xmlns:mc="http://schemas.openxmlformats.org/markup-compatibility/2006">
-        <mc:Choice xmlns:a14="http://schemas.microsoft.com/office/drawing/2010/main" Requires="a14">
-          <p:sp>
-            <p:nvSpPr>
-              <p:cNvPr id="4" name="TextBox 3"/>
-              <p:cNvSpPr txBox="1"/>
-              <p:nvPr/>
-            </p:nvSpPr>
-            <p:spPr>
-              <a:xfrm>
-                <a:off x="3529888" y="332656"/>
-                <a:ext cx="2084225" cy="646331"/>
-              </a:xfrm>
-              <a:prstGeom prst="rect">
-                <a:avLst/>
-              </a:prstGeom>
-              <a:noFill/>
-            </p:spPr>
-            <p:txBody>
-              <a:bodyPr wrap="none" rtlCol="0">
-                <a:spAutoFit/>
-              </a:bodyPr>
-              <a:lstStyle/>
-              <a:p>
-                <a14:m>
-                  <m:oMathPara xmlns:m="http://schemas.openxmlformats.org/officeDocument/2006/math">
-                    <m:oMathParaPr>
-                      <m:jc m:val="centerGroup"/>
-                    </m:oMathParaPr>
-                    <m:oMath xmlns:m="http://schemas.openxmlformats.org/officeDocument/2006/math">
-                      <m:r>
-                        <a:rPr lang="en-US" altLang="ko-KR" sz="3600" b="0" i="1" smtClean="0">
-                          <a:latin typeface="Cambria Math"/>
-                        </a:rPr>
-                        <m:t>𝑋</m:t>
-                      </m:r>
-                      <m:r>
-                        <a:rPr lang="en-US" altLang="ko-KR" sz="3600" b="0" i="1" smtClean="0">
-                          <a:latin typeface="Cambria Math"/>
-                        </a:rPr>
-                        <m:t>=</m:t>
-                      </m:r>
-                      <m:r>
-                        <a:rPr lang="en-US" altLang="ko-KR" sz="3600" b="0" i="1" smtClean="0">
-                          <a:latin typeface="Cambria Math"/>
-                        </a:rPr>
-                        <m:t>𝑊𝐻</m:t>
-                      </m:r>
-                    </m:oMath>
-                  </m:oMathPara>
-                </a14:m>
-                <a:endParaRPr lang="ko-KR" altLang="en-US" sz="3600" dirty="0"/>
-              </a:p>
-            </p:txBody>
-          </p:sp>
-        </mc:Choice>
-        <mc:Fallback>
-          <p:sp>
-            <p:nvSpPr>
-              <p:cNvPr id="4" name="TextBox 3"/>
-              <p:cNvSpPr txBox="1">
-                <a:spLocks noRot="1" noChangeAspect="1" noMove="1" noResize="1" noEditPoints="1" noAdjustHandles="1" noChangeArrowheads="1" noChangeShapeType="1" noTextEdit="1"/>
-              </p:cNvSpPr>
-              <p:nvPr/>
-            </p:nvSpPr>
-            <p:spPr>
-              <a:xfrm>
-                <a:off x="3529888" y="332656"/>
-                <a:ext cx="2084225" cy="646331"/>
-              </a:xfrm>
-              <a:prstGeom prst="rect">
-                <a:avLst/>
-              </a:prstGeom>
-              <a:blipFill rotWithShape="1">
-                <a:blip r:embed="rId2"/>
-                <a:stretch>
-                  <a:fillRect/>
-                </a:stretch>
-              </a:blipFill>
-            </p:spPr>
-            <p:txBody>
-              <a:bodyPr/>
-              <a:lstStyle/>
-              <a:p>
-                <a:r>
-                  <a:rPr lang="ko-KR" altLang="en-US">
-                    <a:noFill/>
-                  </a:rPr>
-                  <a:t> </a:t>
-                </a:r>
-              </a:p>
-            </p:txBody>
-          </p:sp>
-        </mc:Fallback>
-      </mc:AlternateContent>
       <p:sp>
         <p:nvSpPr>
           <p:cNvPr id="5" name="왼쪽 대괄호 4"/>
@@ -3141,8 +3042,8 @@
         </p:nvSpPr>
         <p:spPr>
           <a:xfrm>
-            <a:off x="3208087" y="1573464"/>
-            <a:ext cx="75789" cy="2071560"/>
+            <a:off x="3316593" y="2110346"/>
+            <a:ext cx="70794" cy="1935020"/>
           </a:xfrm>
           <a:prstGeom prst="leftBracket">
             <a:avLst>
@@ -3174,7 +3075,7 @@
           <a:lstStyle/>
           <a:p>
             <a:pPr algn="ctr"/>
-            <a:endParaRPr lang="ko-KR" altLang="en-US" sz="1400"/>
+            <a:endParaRPr lang="ko-KR" altLang="en-US" sz="1200"/>
           </a:p>
         </p:txBody>
       </p:sp>
@@ -3186,8 +3087,8 @@
         </p:nvSpPr>
         <p:spPr>
           <a:xfrm flipH="1">
-            <a:off x="6224403" y="1573464"/>
-            <a:ext cx="75789" cy="2071560"/>
+            <a:off x="6134098" y="2110346"/>
+            <a:ext cx="70794" cy="1935020"/>
           </a:xfrm>
           <a:prstGeom prst="leftBracket">
             <a:avLst>
@@ -3219,7 +3120,7 @@
           <a:lstStyle/>
           <a:p>
             <a:pPr algn="ctr"/>
-            <a:endParaRPr lang="ko-KR" altLang="en-US" sz="1400"/>
+            <a:endParaRPr lang="ko-KR" altLang="en-US" sz="1200"/>
           </a:p>
         </p:txBody>
       </p:sp>
@@ -3233,8 +3134,8 @@
             </p:nvSpPr>
             <p:spPr>
               <a:xfrm>
-                <a:off x="1770402" y="2311504"/>
-                <a:ext cx="791820" cy="523220"/>
+                <a:off x="1973668" y="2799741"/>
+                <a:ext cx="607346" cy="461665"/>
               </a:xfrm>
               <a:prstGeom prst="rect">
                 <a:avLst/>
@@ -3249,18 +3150,18 @@
                 <a14:m>
                   <m:oMath xmlns:m="http://schemas.openxmlformats.org/officeDocument/2006/math">
                     <m:r>
-                      <a:rPr lang="en-US" altLang="ko-KR" sz="2800" i="1">
-                        <a:latin typeface="Cambria Math"/>
+                      <a:rPr lang="en-US" altLang="ko-KR" sz="2400" b="0" i="1" smtClean="0">
+                        <a:latin typeface="Cambria Math" panose="02040503050406030204" pitchFamily="18" charset="0"/>
                       </a:rPr>
-                      <m:t>𝑊</m:t>
+                      <m:t>𝑋</m:t>
                     </m:r>
                   </m:oMath>
                 </a14:m>
                 <a:r>
-                  <a:rPr lang="en-US" altLang="ko-KR" sz="2800" dirty="0" smtClean="0"/>
+                  <a:rPr lang="en-US" altLang="ko-KR" sz="2400" dirty="0"/>
                   <a:t>=</a:t>
                 </a:r>
-                <a:endParaRPr lang="ko-KR" altLang="en-US" sz="2800" dirty="0"/>
+                <a:endParaRPr lang="ko-KR" altLang="en-US" sz="2400" dirty="0"/>
               </a:p>
             </p:txBody>
           </p:sp>
@@ -3276,16 +3177,16 @@
             </p:nvSpPr>
             <p:spPr>
               <a:xfrm>
-                <a:off x="1770402" y="2311504"/>
-                <a:ext cx="791820" cy="523220"/>
+                <a:off x="1973668" y="2799741"/>
+                <a:ext cx="607346" cy="461665"/>
               </a:xfrm>
               <a:prstGeom prst="rect">
                 <a:avLst/>
               </a:prstGeom>
-              <a:blipFill rotWithShape="1">
-                <a:blip r:embed="rId3"/>
+              <a:blipFill>
+                <a:blip r:embed="rId2"/>
                 <a:stretch>
-                  <a:fillRect t="-11628" r="-15385" b="-31395"/>
+                  <a:fillRect l="-3030" t="-10526" r="-15152" b="-28947"/>
                 </a:stretch>
               </a:blipFill>
             </p:spPr>
@@ -3312,8 +3213,8 @@
         </p:nvSpPr>
         <p:spPr>
           <a:xfrm>
-            <a:off x="2998192" y="1573464"/>
-            <a:ext cx="104947" cy="2071560"/>
+            <a:off x="3120532" y="2110346"/>
+            <a:ext cx="98030" cy="1935020"/>
           </a:xfrm>
           <a:prstGeom prst="leftBracket">
             <a:avLst>
@@ -3346,7 +3247,7 @@
           <a:lstStyle/>
           <a:p>
             <a:pPr algn="ctr"/>
-            <a:endParaRPr lang="ko-KR" altLang="en-US" sz="1400"/>
+            <a:endParaRPr lang="ko-KR" altLang="en-US" sz="1200"/>
           </a:p>
         </p:txBody>
       </p:sp>
@@ -3358,8 +3259,8 @@
         </p:nvSpPr>
         <p:spPr>
           <a:xfrm rot="16200000">
-            <a:off x="2398723" y="2455355"/>
-            <a:ext cx="785793" cy="307777"/>
+            <a:off x="2577158" y="2939356"/>
+            <a:ext cx="700833" cy="276999"/>
           </a:xfrm>
           <a:prstGeom prst="rect">
             <a:avLst/>
@@ -3373,10 +3274,9 @@
           <a:lstStyle/>
           <a:p>
             <a:r>
-              <a:rPr lang="ko-KR" altLang="en-US" sz="1400" dirty="0" smtClean="0"/>
+              <a:rPr lang="ko-KR" altLang="en-US" sz="1200" dirty="0"/>
               <a:t>샘플 수</a:t>
             </a:r>
-            <a:endParaRPr lang="ko-KR" altLang="en-US" sz="1400" dirty="0"/>
           </a:p>
         </p:txBody>
       </p:sp>
@@ -3388,8 +3288,8 @@
         </p:nvSpPr>
         <p:spPr>
           <a:xfrm rot="5400000">
-            <a:off x="4738003" y="-89597"/>
-            <a:ext cx="104947" cy="2943644"/>
+            <a:off x="4745669" y="556900"/>
+            <a:ext cx="98030" cy="2749623"/>
           </a:xfrm>
           <a:prstGeom prst="leftBracket">
             <a:avLst>
@@ -3422,7 +3322,7 @@
           <a:lstStyle/>
           <a:p>
             <a:pPr algn="ctr"/>
-            <a:endParaRPr lang="ko-KR" altLang="en-US" sz="1400"/>
+            <a:endParaRPr lang="ko-KR" altLang="en-US" sz="1200"/>
           </a:p>
         </p:txBody>
       </p:sp>
@@ -3434,8 +3334,8 @@
         </p:nvSpPr>
         <p:spPr>
           <a:xfrm>
-            <a:off x="4063637" y="1017370"/>
-            <a:ext cx="1389163" cy="307777"/>
+            <a:off x="4115752" y="1590905"/>
+            <a:ext cx="1443024" cy="276999"/>
           </a:xfrm>
           <a:prstGeom prst="rect">
             <a:avLst/>
@@ -3449,51 +3349,59 @@
           <a:lstStyle/>
           <a:p>
             <a:r>
-              <a:rPr lang="en-US" altLang="ko-KR" sz="1400" dirty="0" smtClean="0"/>
-              <a:t>Feature</a:t>
-            </a:r>
-            <a:r>
-              <a:rPr lang="ko-KR" altLang="en-US" sz="1400" dirty="0" smtClean="0"/>
-              <a:t>의 개수</a:t>
-            </a:r>
-            <a:endParaRPr lang="ko-KR" altLang="en-US" sz="1400" dirty="0"/>
-          </a:p>
-        </p:txBody>
-      </p:sp>
-      <p:sp>
-        <p:nvSpPr>
-          <p:cNvPr id="16" name="왼쪽 대괄호 15"/>
+              <a:rPr lang="en-US" altLang="ko-KR" sz="1200" dirty="0"/>
+              <a:t>Data</a:t>
+            </a:r>
+            <a:r>
+              <a:rPr lang="ko-KR" altLang="en-US" sz="1200" dirty="0"/>
+              <a:t>의 </a:t>
+            </a:r>
+            <a:r>
+              <a:rPr lang="en-US" altLang="ko-KR" sz="1200" dirty="0"/>
+              <a:t>dimension</a:t>
+            </a:r>
+            <a:endParaRPr lang="ko-KR" altLang="en-US" sz="1200" dirty="0"/>
+          </a:p>
+        </p:txBody>
+      </p:sp>
+      <p:sp>
+        <p:nvSpPr>
+          <p:cNvPr id="2" name="사각형: 둥근 모서리 1">
+            <a:extLst>
+              <a:ext uri="{FF2B5EF4-FFF2-40B4-BE49-F238E27FC236}">
+                <a16:creationId xmlns:a16="http://schemas.microsoft.com/office/drawing/2014/main" id="{FC209F36-B5CA-46C1-BD45-C1098DC1330D}"/>
+              </a:ext>
+            </a:extLst>
+          </p:cNvPr>
           <p:cNvSpPr/>
           <p:nvPr/>
         </p:nvSpPr>
         <p:spPr>
           <a:xfrm>
-            <a:off x="3208087" y="4319294"/>
-            <a:ext cx="75789" cy="2071560"/>
+            <a:off x="3419872" y="2162035"/>
+            <a:ext cx="2714226" cy="287491"/>
           </a:xfrm>
-          <a:prstGeom prst="leftBracket">
-            <a:avLst>
-              <a:gd name="adj" fmla="val 0"/>
-            </a:avLst>
+          <a:prstGeom prst="roundRect">
+            <a:avLst/>
           </a:prstGeom>
-          <a:ln w="28575">
-            <a:solidFill>
-              <a:schemeClr val="tx1"/>
-            </a:solidFill>
-          </a:ln>
+          <a:solidFill>
+            <a:srgbClr val="ABC3DF"/>
+          </a:solidFill>
         </p:spPr>
         <p:style>
-          <a:lnRef idx="1">
-            <a:schemeClr val="accent1"/>
+          <a:lnRef idx="2">
+            <a:schemeClr val="accent1">
+              <a:shade val="50000"/>
+            </a:schemeClr>
           </a:lnRef>
-          <a:fillRef idx="0">
+          <a:fillRef idx="1">
             <a:schemeClr val="accent1"/>
           </a:fillRef>
           <a:effectRef idx="0">
             <a:schemeClr val="accent1"/>
           </a:effectRef>
           <a:fontRef idx="minor">
-            <a:schemeClr val="tx1"/>
+            <a:schemeClr val="lt1"/>
           </a:fontRef>
         </p:style>
         <p:txBody>
@@ -3501,192 +3409,26 @@
           <a:lstStyle/>
           <a:p>
             <a:pPr algn="ctr"/>
-            <a:endParaRPr lang="ko-KR" altLang="en-US" sz="1400"/>
-          </a:p>
-        </p:txBody>
-      </p:sp>
-      <p:sp>
-        <p:nvSpPr>
-          <p:cNvPr id="17" name="왼쪽 대괄호 16"/>
-          <p:cNvSpPr/>
-          <p:nvPr/>
-        </p:nvSpPr>
-        <p:spPr>
-          <a:xfrm flipH="1">
-            <a:off x="6224403" y="4319294"/>
-            <a:ext cx="75789" cy="2071560"/>
-          </a:xfrm>
-          <a:prstGeom prst="leftBracket">
-            <a:avLst>
-              <a:gd name="adj" fmla="val 0"/>
-            </a:avLst>
-          </a:prstGeom>
-          <a:ln w="28575">
-            <a:solidFill>
-              <a:schemeClr val="tx1"/>
-            </a:solidFill>
-          </a:ln>
-        </p:spPr>
-        <p:style>
-          <a:lnRef idx="1">
-            <a:schemeClr val="accent1"/>
-          </a:lnRef>
-          <a:fillRef idx="0">
-            <a:schemeClr val="accent1"/>
-          </a:fillRef>
-          <a:effectRef idx="0">
-            <a:schemeClr val="accent1"/>
-          </a:effectRef>
-          <a:fontRef idx="minor">
-            <a:schemeClr val="tx1"/>
-          </a:fontRef>
-        </p:style>
-        <p:txBody>
-          <a:bodyPr rtlCol="0" anchor="ctr"/>
-          <a:lstStyle/>
-          <a:p>
-            <a:pPr algn="ctr"/>
-            <a:endParaRPr lang="ko-KR" altLang="en-US" sz="1400"/>
-          </a:p>
-        </p:txBody>
-      </p:sp>
-      <mc:AlternateContent xmlns:mc="http://schemas.openxmlformats.org/markup-compatibility/2006">
-        <mc:Choice xmlns:a14="http://schemas.microsoft.com/office/drawing/2010/main" Requires="a14">
-          <p:sp>
-            <p:nvSpPr>
-              <p:cNvPr id="18" name="직사각형 17"/>
-              <p:cNvSpPr/>
-              <p:nvPr/>
-            </p:nvSpPr>
-            <p:spPr>
-              <a:xfrm>
-                <a:off x="1770402" y="5057334"/>
-                <a:ext cx="708143" cy="523220"/>
-              </a:xfrm>
-              <a:prstGeom prst="rect">
-                <a:avLst/>
-              </a:prstGeom>
-            </p:spPr>
-            <p:txBody>
-              <a:bodyPr wrap="none">
-                <a:spAutoFit/>
-              </a:bodyPr>
-              <a:lstStyle/>
-              <a:p>
-                <a14:m>
-                  <m:oMath xmlns:m="http://schemas.openxmlformats.org/officeDocument/2006/math">
-                    <m:r>
-                      <a:rPr lang="en-US" altLang="ko-KR" sz="2800" b="0" i="1" smtClean="0">
-                        <a:latin typeface="Cambria Math"/>
-                      </a:rPr>
-                      <m:t>𝐻</m:t>
-                    </m:r>
-                  </m:oMath>
-                </a14:m>
-                <a:r>
-                  <a:rPr lang="en-US" altLang="ko-KR" sz="2800" dirty="0" smtClean="0"/>
-                  <a:t>=</a:t>
-                </a:r>
-                <a:endParaRPr lang="ko-KR" altLang="en-US" sz="2800" dirty="0"/>
-              </a:p>
-            </p:txBody>
-          </p:sp>
-        </mc:Choice>
-        <mc:Fallback>
-          <p:sp>
-            <p:nvSpPr>
-              <p:cNvPr id="18" name="직사각형 17"/>
-              <p:cNvSpPr>
-                <a:spLocks noRot="1" noChangeAspect="1" noMove="1" noResize="1" noEditPoints="1" noAdjustHandles="1" noChangeArrowheads="1" noChangeShapeType="1" noTextEdit="1"/>
-              </p:cNvSpPr>
-              <p:nvPr/>
-            </p:nvSpPr>
-            <p:spPr>
-              <a:xfrm>
-                <a:off x="1770402" y="5057334"/>
-                <a:ext cx="708143" cy="523220"/>
-              </a:xfrm>
-              <a:prstGeom prst="rect">
-                <a:avLst/>
-              </a:prstGeom>
-              <a:blipFill rotWithShape="1">
-                <a:blip r:embed="rId4"/>
-                <a:stretch>
-                  <a:fillRect t="-11765" r="-16239" b="-32941"/>
-                </a:stretch>
-              </a:blipFill>
-            </p:spPr>
-            <p:txBody>
-              <a:bodyPr/>
-              <a:lstStyle/>
-              <a:p>
-                <a:r>
-                  <a:rPr lang="ko-KR" altLang="en-US">
-                    <a:noFill/>
-                  </a:rPr>
-                  <a:t> </a:t>
-                </a:r>
-              </a:p>
-            </p:txBody>
-          </p:sp>
-        </mc:Fallback>
-      </mc:AlternateContent>
-      <p:sp>
-        <p:nvSpPr>
-          <p:cNvPr id="19" name="왼쪽 대괄호 18"/>
-          <p:cNvSpPr/>
+            <a:endParaRPr lang="ko-KR" altLang="en-US" sz="1600"/>
+          </a:p>
+        </p:txBody>
+      </p:sp>
+      <p:sp>
+        <p:nvSpPr>
+          <p:cNvPr id="31" name="TextBox 30">
+            <a:extLst>
+              <a:ext uri="{FF2B5EF4-FFF2-40B4-BE49-F238E27FC236}">
+                <a16:creationId xmlns:a16="http://schemas.microsoft.com/office/drawing/2014/main" id="{A07A920F-1E30-4921-B8C5-C74B2AE18504}"/>
+              </a:ext>
+            </a:extLst>
+          </p:cNvPr>
+          <p:cNvSpPr txBox="1"/>
           <p:nvPr/>
         </p:nvSpPr>
         <p:spPr>
           <a:xfrm>
-            <a:off x="2998192" y="4319294"/>
-            <a:ext cx="104947" cy="2071560"/>
-          </a:xfrm>
-          <a:prstGeom prst="leftBracket">
-            <a:avLst>
-              <a:gd name="adj" fmla="val 986960"/>
-            </a:avLst>
-          </a:prstGeom>
-          <a:ln>
-            <a:solidFill>
-              <a:schemeClr val="tx1"/>
-            </a:solidFill>
-            <a:prstDash val="dash"/>
-          </a:ln>
-        </p:spPr>
-        <p:style>
-          <a:lnRef idx="1">
-            <a:schemeClr val="accent1"/>
-          </a:lnRef>
-          <a:fillRef idx="0">
-            <a:schemeClr val="accent1"/>
-          </a:fillRef>
-          <a:effectRef idx="0">
-            <a:schemeClr val="accent1"/>
-          </a:effectRef>
-          <a:fontRef idx="minor">
-            <a:schemeClr val="tx1"/>
-          </a:fontRef>
-        </p:style>
-        <p:txBody>
-          <a:bodyPr rtlCol="0" anchor="ctr"/>
-          <a:lstStyle/>
-          <a:p>
-            <a:pPr algn="ctr"/>
-            <a:endParaRPr lang="ko-KR" altLang="en-US" sz="1400"/>
-          </a:p>
-        </p:txBody>
-      </p:sp>
-      <p:sp>
-        <p:nvSpPr>
-          <p:cNvPr id="20" name="TextBox 19"/>
-          <p:cNvSpPr txBox="1"/>
-          <p:nvPr/>
-        </p:nvSpPr>
-        <p:spPr>
-          <a:xfrm rot="16200000">
-            <a:off x="2097401" y="5165055"/>
-            <a:ext cx="1389163" cy="307777"/>
+            <a:off x="3995936" y="2147660"/>
+            <a:ext cx="1603324" cy="307777"/>
           </a:xfrm>
           <a:prstGeom prst="rect">
             <a:avLst/>
@@ -3700,98 +3442,17 @@
           <a:lstStyle/>
           <a:p>
             <a:r>
-              <a:rPr lang="en-US" altLang="ko-KR" sz="1400" smtClean="0"/>
-              <a:t>Feature</a:t>
-            </a:r>
-            <a:r>
-              <a:rPr lang="ko-KR" altLang="en-US" sz="1400" dirty="0" smtClean="0"/>
-              <a:t>의 개수</a:t>
-            </a:r>
-            <a:endParaRPr lang="ko-KR" altLang="en-US" sz="1400" dirty="0"/>
-          </a:p>
-        </p:txBody>
-      </p:sp>
-      <p:sp>
-        <p:nvSpPr>
-          <p:cNvPr id="21" name="왼쪽 대괄호 20"/>
-          <p:cNvSpPr/>
-          <p:nvPr/>
-        </p:nvSpPr>
-        <p:spPr>
-          <a:xfrm rot="5400000">
-            <a:off x="4738003" y="2656234"/>
-            <a:ext cx="104947" cy="2943644"/>
-          </a:xfrm>
-          <a:prstGeom prst="leftBracket">
-            <a:avLst>
-              <a:gd name="adj" fmla="val 986960"/>
-            </a:avLst>
-          </a:prstGeom>
-          <a:ln>
-            <a:solidFill>
-              <a:schemeClr val="tx1"/>
-            </a:solidFill>
-            <a:prstDash val="dash"/>
-          </a:ln>
-        </p:spPr>
-        <p:style>
-          <a:lnRef idx="1">
-            <a:schemeClr val="accent1"/>
-          </a:lnRef>
-          <a:fillRef idx="0">
-            <a:schemeClr val="accent1"/>
-          </a:fillRef>
-          <a:effectRef idx="0">
-            <a:schemeClr val="accent1"/>
-          </a:effectRef>
-          <a:fontRef idx="minor">
-            <a:schemeClr val="tx1"/>
-          </a:fontRef>
-        </p:style>
-        <p:txBody>
-          <a:bodyPr rtlCol="0" anchor="ctr"/>
-          <a:lstStyle/>
-          <a:p>
-            <a:pPr algn="ctr"/>
-            <a:endParaRPr lang="ko-KR" altLang="en-US" sz="1400"/>
-          </a:p>
-        </p:txBody>
-      </p:sp>
-      <p:sp>
-        <p:nvSpPr>
-          <p:cNvPr id="22" name="TextBox 21"/>
-          <p:cNvSpPr txBox="1"/>
-          <p:nvPr/>
-        </p:nvSpPr>
-        <p:spPr>
-          <a:xfrm>
-            <a:off x="3933312" y="3763200"/>
-            <a:ext cx="1649811" cy="307777"/>
-          </a:xfrm>
-          <a:prstGeom prst="rect">
-            <a:avLst/>
-          </a:prstGeom>
-          <a:noFill/>
-        </p:spPr>
-        <p:txBody>
-          <a:bodyPr wrap="none" rtlCol="0">
-            <a:spAutoFit/>
-          </a:bodyPr>
-          <a:lstStyle/>
-          <a:p>
-            <a:r>
-              <a:rPr lang="en-US" altLang="ko-KR" sz="1400" dirty="0" smtClean="0"/>
-              <a:t>Data</a:t>
-            </a:r>
-            <a:r>
-              <a:rPr lang="ko-KR" altLang="en-US" sz="1400" dirty="0" smtClean="0"/>
-              <a:t>의 </a:t>
-            </a:r>
-            <a:r>
-              <a:rPr lang="en-US" altLang="ko-KR" sz="1400" dirty="0" smtClean="0"/>
-              <a:t>dimension</a:t>
-            </a:r>
-            <a:endParaRPr lang="ko-KR" altLang="en-US" sz="1400" dirty="0"/>
+              <a:rPr lang="ko-KR" altLang="en-US" sz="1400" dirty="0"/>
+              <a:t>각 </a:t>
+            </a:r>
+            <a:r>
+              <a:rPr lang="en-US" altLang="ko-KR" sz="1400" dirty="0"/>
+              <a:t>data sample</a:t>
+            </a:r>
+            <a:r>
+              <a:rPr lang="ko-KR" altLang="en-US" sz="1400" dirty="0"/>
+              <a:t>들</a:t>
+            </a:r>
           </a:p>
         </p:txBody>
       </p:sp>
@@ -3809,6 +3470,1403 @@
 </file>
 
 <file path=ppt/slides/slide2.xml><?xml version="1.0" encoding="utf-8"?>
+<p:sld xmlns:a="http://schemas.openxmlformats.org/drawingml/2006/main" xmlns:r="http://schemas.openxmlformats.org/officeDocument/2006/relationships" xmlns:p="http://schemas.openxmlformats.org/presentationml/2006/main">
+  <p:cSld>
+    <p:spTree>
+      <p:nvGrpSpPr>
+        <p:cNvPr id="1" name=""/>
+        <p:cNvGrpSpPr/>
+        <p:nvPr/>
+      </p:nvGrpSpPr>
+      <p:grpSpPr>
+        <a:xfrm>
+          <a:off x="0" y="0"/>
+          <a:ext cx="0" cy="0"/>
+          <a:chOff x="0" y="0"/>
+          <a:chExt cx="0" cy="0"/>
+        </a:xfrm>
+      </p:grpSpPr>
+      <p:grpSp>
+        <p:nvGrpSpPr>
+          <p:cNvPr id="33" name="그룹 32">
+            <a:extLst>
+              <a:ext uri="{FF2B5EF4-FFF2-40B4-BE49-F238E27FC236}">
+                <a16:creationId xmlns:a16="http://schemas.microsoft.com/office/drawing/2014/main" id="{D0A6680B-9909-4431-8BA1-2FC48D27BDB0}"/>
+              </a:ext>
+            </a:extLst>
+          </p:cNvPr>
+          <p:cNvGrpSpPr/>
+          <p:nvPr/>
+        </p:nvGrpSpPr>
+        <p:grpSpPr>
+          <a:xfrm>
+            <a:off x="233478" y="908720"/>
+            <a:ext cx="8677045" cy="3136645"/>
+            <a:chOff x="179512" y="332656"/>
+            <a:chExt cx="8677045" cy="3136645"/>
+          </a:xfrm>
+        </p:grpSpPr>
+        <mc:AlternateContent xmlns:mc="http://schemas.openxmlformats.org/markup-compatibility/2006">
+          <mc:Choice xmlns:a14="http://schemas.microsoft.com/office/drawing/2010/main" Requires="a14">
+            <p:sp>
+              <p:nvSpPr>
+                <p:cNvPr id="4" name="TextBox 3"/>
+                <p:cNvSpPr txBox="1"/>
+                <p:nvPr/>
+              </p:nvSpPr>
+              <p:spPr>
+                <a:xfrm>
+                  <a:off x="3529888" y="332656"/>
+                  <a:ext cx="2084225" cy="646331"/>
+                </a:xfrm>
+                <a:prstGeom prst="rect">
+                  <a:avLst/>
+                </a:prstGeom>
+                <a:noFill/>
+              </p:spPr>
+              <p:txBody>
+                <a:bodyPr wrap="none" rtlCol="0">
+                  <a:spAutoFit/>
+                </a:bodyPr>
+                <a:lstStyle/>
+                <a:p>
+                  <a:pPr/>
+                  <a14:m>
+                    <m:oMathPara xmlns:m="http://schemas.openxmlformats.org/officeDocument/2006/math">
+                      <m:oMathParaPr>
+                        <m:jc m:val="centerGroup"/>
+                      </m:oMathParaPr>
+                      <m:oMath xmlns:m="http://schemas.openxmlformats.org/officeDocument/2006/math">
+                        <m:r>
+                          <a:rPr lang="en-US" altLang="ko-KR" sz="3600" b="0" i="1" smtClean="0">
+                            <a:latin typeface="Cambria Math"/>
+                          </a:rPr>
+                          <m:t>𝑋</m:t>
+                        </m:r>
+                        <m:r>
+                          <a:rPr lang="en-US" altLang="ko-KR" sz="3600" b="0" i="1" smtClean="0">
+                            <a:latin typeface="Cambria Math"/>
+                          </a:rPr>
+                          <m:t>=</m:t>
+                        </m:r>
+                        <m:r>
+                          <a:rPr lang="en-US" altLang="ko-KR" sz="3600" b="0" i="1" smtClean="0">
+                            <a:latin typeface="Cambria Math"/>
+                          </a:rPr>
+                          <m:t>𝑊𝐻</m:t>
+                        </m:r>
+                      </m:oMath>
+                    </m:oMathPara>
+                  </a14:m>
+                  <a:endParaRPr lang="ko-KR" altLang="en-US" sz="3600" dirty="0"/>
+                </a:p>
+              </p:txBody>
+            </p:sp>
+          </mc:Choice>
+          <mc:Fallback>
+            <p:sp>
+              <p:nvSpPr>
+                <p:cNvPr id="4" name="TextBox 3"/>
+                <p:cNvSpPr txBox="1">
+                  <a:spLocks noRot="1" noChangeAspect="1" noMove="1" noResize="1" noEditPoints="1" noAdjustHandles="1" noChangeArrowheads="1" noChangeShapeType="1" noTextEdit="1"/>
+                </p:cNvSpPr>
+                <p:nvPr/>
+              </p:nvSpPr>
+              <p:spPr>
+                <a:xfrm>
+                  <a:off x="3529888" y="332656"/>
+                  <a:ext cx="2084225" cy="646331"/>
+                </a:xfrm>
+                <a:prstGeom prst="rect">
+                  <a:avLst/>
+                </a:prstGeom>
+                <a:blipFill>
+                  <a:blip r:embed="rId2"/>
+                  <a:stretch>
+                    <a:fillRect/>
+                  </a:stretch>
+                </a:blipFill>
+              </p:spPr>
+              <p:txBody>
+                <a:bodyPr/>
+                <a:lstStyle/>
+                <a:p>
+                  <a:r>
+                    <a:rPr lang="ko-KR" altLang="en-US">
+                      <a:noFill/>
+                    </a:rPr>
+                    <a:t> </a:t>
+                  </a:r>
+                </a:p>
+              </p:txBody>
+            </p:sp>
+          </mc:Fallback>
+        </mc:AlternateContent>
+        <p:grpSp>
+          <p:nvGrpSpPr>
+            <p:cNvPr id="32" name="그룹 31">
+              <a:extLst>
+                <a:ext uri="{FF2B5EF4-FFF2-40B4-BE49-F238E27FC236}">
+                  <a16:creationId xmlns:a16="http://schemas.microsoft.com/office/drawing/2014/main" id="{9D47EA66-7FA1-4715-852D-760A83A00070}"/>
+                </a:ext>
+              </a:extLst>
+            </p:cNvPr>
+            <p:cNvGrpSpPr/>
+            <p:nvPr/>
+          </p:nvGrpSpPr>
+          <p:grpSpPr>
+            <a:xfrm>
+              <a:off x="179512" y="978987"/>
+              <a:ext cx="8677045" cy="2490314"/>
+              <a:chOff x="-288621" y="917996"/>
+              <a:chExt cx="9289320" cy="2666037"/>
+            </a:xfrm>
+          </p:grpSpPr>
+          <p:sp>
+            <p:nvSpPr>
+              <p:cNvPr id="5" name="왼쪽 대괄호 4"/>
+              <p:cNvSpPr/>
+              <p:nvPr/>
+            </p:nvSpPr>
+            <p:spPr>
+              <a:xfrm>
+                <a:off x="1149064" y="1512473"/>
+                <a:ext cx="75789" cy="2071560"/>
+              </a:xfrm>
+              <a:prstGeom prst="leftBracket">
+                <a:avLst>
+                  <a:gd name="adj" fmla="val 0"/>
+                </a:avLst>
+              </a:prstGeom>
+              <a:ln w="28575">
+                <a:solidFill>
+                  <a:schemeClr val="tx1"/>
+                </a:solidFill>
+              </a:ln>
+            </p:spPr>
+            <p:style>
+              <a:lnRef idx="1">
+                <a:schemeClr val="accent1"/>
+              </a:lnRef>
+              <a:fillRef idx="0">
+                <a:schemeClr val="accent1"/>
+              </a:fillRef>
+              <a:effectRef idx="0">
+                <a:schemeClr val="accent1"/>
+              </a:effectRef>
+              <a:fontRef idx="minor">
+                <a:schemeClr val="tx1"/>
+              </a:fontRef>
+            </p:style>
+            <p:txBody>
+              <a:bodyPr rtlCol="0" anchor="ctr"/>
+              <a:lstStyle/>
+              <a:p>
+                <a:pPr algn="ctr"/>
+                <a:endParaRPr lang="ko-KR" altLang="en-US" sz="1200"/>
+              </a:p>
+            </p:txBody>
+          </p:sp>
+          <p:sp>
+            <p:nvSpPr>
+              <p:cNvPr id="6" name="왼쪽 대괄호 5"/>
+              <p:cNvSpPr/>
+              <p:nvPr/>
+            </p:nvSpPr>
+            <p:spPr>
+              <a:xfrm flipH="1">
+                <a:off x="4165380" y="1512473"/>
+                <a:ext cx="75789" cy="2071560"/>
+              </a:xfrm>
+              <a:prstGeom prst="leftBracket">
+                <a:avLst>
+                  <a:gd name="adj" fmla="val 0"/>
+                </a:avLst>
+              </a:prstGeom>
+              <a:ln w="28575">
+                <a:solidFill>
+                  <a:schemeClr val="tx1"/>
+                </a:solidFill>
+              </a:ln>
+            </p:spPr>
+            <p:style>
+              <a:lnRef idx="1">
+                <a:schemeClr val="accent1"/>
+              </a:lnRef>
+              <a:fillRef idx="0">
+                <a:schemeClr val="accent1"/>
+              </a:fillRef>
+              <a:effectRef idx="0">
+                <a:schemeClr val="accent1"/>
+              </a:effectRef>
+              <a:fontRef idx="minor">
+                <a:schemeClr val="tx1"/>
+              </a:fontRef>
+            </p:style>
+            <p:txBody>
+              <a:bodyPr rtlCol="0" anchor="ctr"/>
+              <a:lstStyle/>
+              <a:p>
+                <a:pPr algn="ctr"/>
+                <a:endParaRPr lang="ko-KR" altLang="en-US" sz="1200"/>
+              </a:p>
+            </p:txBody>
+          </p:sp>
+          <mc:AlternateContent xmlns:mc="http://schemas.openxmlformats.org/markup-compatibility/2006">
+            <mc:Choice xmlns:a14="http://schemas.microsoft.com/office/drawing/2010/main" Requires="a14">
+              <p:sp>
+                <p:nvSpPr>
+                  <p:cNvPr id="8" name="직사각형 7"/>
+                  <p:cNvSpPr/>
+                  <p:nvPr/>
+                </p:nvSpPr>
+                <p:spPr>
+                  <a:xfrm>
+                    <a:off x="-288621" y="2250513"/>
+                    <a:ext cx="754611" cy="494241"/>
+                  </a:xfrm>
+                  <a:prstGeom prst="rect">
+                    <a:avLst/>
+                  </a:prstGeom>
+                </p:spPr>
+                <p:txBody>
+                  <a:bodyPr wrap="none">
+                    <a:spAutoFit/>
+                  </a:bodyPr>
+                  <a:lstStyle/>
+                  <a:p>
+                    <a14:m>
+                      <m:oMath xmlns:m="http://schemas.openxmlformats.org/officeDocument/2006/math">
+                        <m:r>
+                          <a:rPr lang="en-US" altLang="ko-KR" sz="2400" i="1">
+                            <a:latin typeface="Cambria Math"/>
+                          </a:rPr>
+                          <m:t>𝑊</m:t>
+                        </m:r>
+                      </m:oMath>
+                    </a14:m>
+                    <a:r>
+                      <a:rPr lang="en-US" altLang="ko-KR" sz="2400" dirty="0"/>
+                      <a:t>=</a:t>
+                    </a:r>
+                    <a:endParaRPr lang="ko-KR" altLang="en-US" sz="2400" dirty="0"/>
+                  </a:p>
+                </p:txBody>
+              </p:sp>
+            </mc:Choice>
+            <mc:Fallback>
+              <p:sp>
+                <p:nvSpPr>
+                  <p:cNvPr id="8" name="직사각형 7"/>
+                  <p:cNvSpPr>
+                    <a:spLocks noRot="1" noChangeAspect="1" noMove="1" noResize="1" noEditPoints="1" noAdjustHandles="1" noChangeArrowheads="1" noChangeShapeType="1" noTextEdit="1"/>
+                  </p:cNvSpPr>
+                  <p:nvPr/>
+                </p:nvSpPr>
+                <p:spPr>
+                  <a:xfrm>
+                    <a:off x="-288621" y="2250513"/>
+                    <a:ext cx="754611" cy="494241"/>
+                  </a:xfrm>
+                  <a:prstGeom prst="rect">
+                    <a:avLst/>
+                  </a:prstGeom>
+                  <a:blipFill>
+                    <a:blip r:embed="rId3"/>
+                    <a:stretch>
+                      <a:fillRect l="-1724" t="-10526" r="-12069" b="-28947"/>
+                    </a:stretch>
+                  </a:blipFill>
+                </p:spPr>
+                <p:txBody>
+                  <a:bodyPr/>
+                  <a:lstStyle/>
+                  <a:p>
+                    <a:r>
+                      <a:rPr lang="ko-KR" altLang="en-US">
+                        <a:noFill/>
+                      </a:rPr>
+                      <a:t> </a:t>
+                    </a:r>
+                  </a:p>
+                </p:txBody>
+              </p:sp>
+            </mc:Fallback>
+          </mc:AlternateContent>
+          <p:sp>
+            <p:nvSpPr>
+              <p:cNvPr id="11" name="왼쪽 대괄호 10"/>
+              <p:cNvSpPr/>
+              <p:nvPr/>
+            </p:nvSpPr>
+            <p:spPr>
+              <a:xfrm>
+                <a:off x="939169" y="1512473"/>
+                <a:ext cx="104947" cy="2071560"/>
+              </a:xfrm>
+              <a:prstGeom prst="leftBracket">
+                <a:avLst>
+                  <a:gd name="adj" fmla="val 986960"/>
+                </a:avLst>
+              </a:prstGeom>
+              <a:ln>
+                <a:solidFill>
+                  <a:schemeClr val="tx1"/>
+                </a:solidFill>
+                <a:prstDash val="dash"/>
+              </a:ln>
+            </p:spPr>
+            <p:style>
+              <a:lnRef idx="1">
+                <a:schemeClr val="accent1"/>
+              </a:lnRef>
+              <a:fillRef idx="0">
+                <a:schemeClr val="accent1"/>
+              </a:fillRef>
+              <a:effectRef idx="0">
+                <a:schemeClr val="accent1"/>
+              </a:effectRef>
+              <a:fontRef idx="minor">
+                <a:schemeClr val="tx1"/>
+              </a:fontRef>
+            </p:style>
+            <p:txBody>
+              <a:bodyPr rtlCol="0" anchor="ctr"/>
+              <a:lstStyle/>
+              <a:p>
+                <a:pPr algn="ctr"/>
+                <a:endParaRPr lang="ko-KR" altLang="en-US" sz="1200"/>
+              </a:p>
+            </p:txBody>
+          </p:sp>
+          <p:sp>
+            <p:nvSpPr>
+              <p:cNvPr id="12" name="TextBox 11"/>
+              <p:cNvSpPr txBox="1"/>
+              <p:nvPr/>
+            </p:nvSpPr>
+            <p:spPr>
+              <a:xfrm rot="16200000">
+                <a:off x="357453" y="2399980"/>
+                <a:ext cx="750286" cy="296545"/>
+              </a:xfrm>
+              <a:prstGeom prst="rect">
+                <a:avLst/>
+              </a:prstGeom>
+              <a:noFill/>
+            </p:spPr>
+            <p:txBody>
+              <a:bodyPr wrap="none" rtlCol="0">
+                <a:spAutoFit/>
+              </a:bodyPr>
+              <a:lstStyle/>
+              <a:p>
+                <a:r>
+                  <a:rPr lang="ko-KR" altLang="en-US" sz="1200" dirty="0"/>
+                  <a:t>샘플 수</a:t>
+                </a:r>
+              </a:p>
+            </p:txBody>
+          </p:sp>
+          <p:sp>
+            <p:nvSpPr>
+              <p:cNvPr id="13" name="왼쪽 대괄호 12"/>
+              <p:cNvSpPr/>
+              <p:nvPr/>
+            </p:nvSpPr>
+            <p:spPr>
+              <a:xfrm rot="5400000">
+                <a:off x="2678980" y="-150588"/>
+                <a:ext cx="104947" cy="2943644"/>
+              </a:xfrm>
+              <a:prstGeom prst="leftBracket">
+                <a:avLst>
+                  <a:gd name="adj" fmla="val 986960"/>
+                </a:avLst>
+              </a:prstGeom>
+              <a:ln>
+                <a:solidFill>
+                  <a:schemeClr val="tx1"/>
+                </a:solidFill>
+                <a:prstDash val="dash"/>
+              </a:ln>
+            </p:spPr>
+            <p:style>
+              <a:lnRef idx="1">
+                <a:schemeClr val="accent1"/>
+              </a:lnRef>
+              <a:fillRef idx="0">
+                <a:schemeClr val="accent1"/>
+              </a:fillRef>
+              <a:effectRef idx="0">
+                <a:schemeClr val="accent1"/>
+              </a:effectRef>
+              <a:fontRef idx="minor">
+                <a:schemeClr val="tx1"/>
+              </a:fontRef>
+            </p:style>
+            <p:txBody>
+              <a:bodyPr rtlCol="0" anchor="ctr"/>
+              <a:lstStyle/>
+              <a:p>
+                <a:pPr algn="ctr"/>
+                <a:endParaRPr lang="ko-KR" altLang="en-US" sz="1200"/>
+              </a:p>
+            </p:txBody>
+          </p:sp>
+          <p:sp>
+            <p:nvSpPr>
+              <p:cNvPr id="14" name="TextBox 13"/>
+              <p:cNvSpPr txBox="1"/>
+              <p:nvPr/>
+            </p:nvSpPr>
+            <p:spPr>
+              <a:xfrm>
+                <a:off x="2004614" y="956379"/>
+                <a:ext cx="1302257" cy="296545"/>
+              </a:xfrm>
+              <a:prstGeom prst="rect">
+                <a:avLst/>
+              </a:prstGeom>
+              <a:noFill/>
+            </p:spPr>
+            <p:txBody>
+              <a:bodyPr wrap="none" rtlCol="0">
+                <a:spAutoFit/>
+              </a:bodyPr>
+              <a:lstStyle/>
+              <a:p>
+                <a:r>
+                  <a:rPr lang="en-US" altLang="ko-KR" sz="1200" dirty="0"/>
+                  <a:t>Feature</a:t>
+                </a:r>
+                <a:r>
+                  <a:rPr lang="ko-KR" altLang="en-US" sz="1200" dirty="0"/>
+                  <a:t>의 개수</a:t>
+                </a:r>
+              </a:p>
+            </p:txBody>
+          </p:sp>
+          <p:sp>
+            <p:nvSpPr>
+              <p:cNvPr id="16" name="왼쪽 대괄호 15"/>
+              <p:cNvSpPr/>
+              <p:nvPr/>
+            </p:nvSpPr>
+            <p:spPr>
+              <a:xfrm>
+                <a:off x="5908594" y="1474090"/>
+                <a:ext cx="75789" cy="2071560"/>
+              </a:xfrm>
+              <a:prstGeom prst="leftBracket">
+                <a:avLst>
+                  <a:gd name="adj" fmla="val 0"/>
+                </a:avLst>
+              </a:prstGeom>
+              <a:ln w="28575">
+                <a:solidFill>
+                  <a:schemeClr val="tx1"/>
+                </a:solidFill>
+              </a:ln>
+            </p:spPr>
+            <p:style>
+              <a:lnRef idx="1">
+                <a:schemeClr val="accent1"/>
+              </a:lnRef>
+              <a:fillRef idx="0">
+                <a:schemeClr val="accent1"/>
+              </a:fillRef>
+              <a:effectRef idx="0">
+                <a:schemeClr val="accent1"/>
+              </a:effectRef>
+              <a:fontRef idx="minor">
+                <a:schemeClr val="tx1"/>
+              </a:fontRef>
+            </p:style>
+            <p:txBody>
+              <a:bodyPr rtlCol="0" anchor="ctr"/>
+              <a:lstStyle/>
+              <a:p>
+                <a:pPr algn="ctr"/>
+                <a:endParaRPr lang="ko-KR" altLang="en-US" sz="1200"/>
+              </a:p>
+            </p:txBody>
+          </p:sp>
+          <p:sp>
+            <p:nvSpPr>
+              <p:cNvPr id="17" name="왼쪽 대괄호 16"/>
+              <p:cNvSpPr/>
+              <p:nvPr/>
+            </p:nvSpPr>
+            <p:spPr>
+              <a:xfrm flipH="1">
+                <a:off x="8924910" y="1474090"/>
+                <a:ext cx="75789" cy="2071560"/>
+              </a:xfrm>
+              <a:prstGeom prst="leftBracket">
+                <a:avLst>
+                  <a:gd name="adj" fmla="val 0"/>
+                </a:avLst>
+              </a:prstGeom>
+              <a:ln w="28575">
+                <a:solidFill>
+                  <a:schemeClr val="tx1"/>
+                </a:solidFill>
+              </a:ln>
+            </p:spPr>
+            <p:style>
+              <a:lnRef idx="1">
+                <a:schemeClr val="accent1"/>
+              </a:lnRef>
+              <a:fillRef idx="0">
+                <a:schemeClr val="accent1"/>
+              </a:fillRef>
+              <a:effectRef idx="0">
+                <a:schemeClr val="accent1"/>
+              </a:effectRef>
+              <a:fontRef idx="minor">
+                <a:schemeClr val="tx1"/>
+              </a:fontRef>
+            </p:style>
+            <p:txBody>
+              <a:bodyPr rtlCol="0" anchor="ctr"/>
+              <a:lstStyle/>
+              <a:p>
+                <a:pPr algn="ctr"/>
+                <a:endParaRPr lang="ko-KR" altLang="en-US" sz="1200"/>
+              </a:p>
+            </p:txBody>
+          </p:sp>
+          <mc:AlternateContent xmlns:mc="http://schemas.openxmlformats.org/markup-compatibility/2006">
+            <mc:Choice xmlns:a14="http://schemas.microsoft.com/office/drawing/2010/main" Requires="a14">
+              <p:sp>
+                <p:nvSpPr>
+                  <p:cNvPr id="18" name="직사각형 17"/>
+                  <p:cNvSpPr/>
+                  <p:nvPr/>
+                </p:nvSpPr>
+                <p:spPr>
+                  <a:xfrm>
+                    <a:off x="4470909" y="2212130"/>
+                    <a:ext cx="679307" cy="494241"/>
+                  </a:xfrm>
+                  <a:prstGeom prst="rect">
+                    <a:avLst/>
+                  </a:prstGeom>
+                </p:spPr>
+                <p:txBody>
+                  <a:bodyPr wrap="none">
+                    <a:spAutoFit/>
+                  </a:bodyPr>
+                  <a:lstStyle/>
+                  <a:p>
+                    <a14:m>
+                      <m:oMath xmlns:m="http://schemas.openxmlformats.org/officeDocument/2006/math">
+                        <m:r>
+                          <a:rPr lang="en-US" altLang="ko-KR" sz="2400" b="0" i="1" smtClean="0">
+                            <a:latin typeface="Cambria Math"/>
+                          </a:rPr>
+                          <m:t>𝐻</m:t>
+                        </m:r>
+                      </m:oMath>
+                    </a14:m>
+                    <a:r>
+                      <a:rPr lang="en-US" altLang="ko-KR" sz="2400" dirty="0"/>
+                      <a:t>=</a:t>
+                    </a:r>
+                    <a:endParaRPr lang="ko-KR" altLang="en-US" sz="2400" dirty="0"/>
+                  </a:p>
+                </p:txBody>
+              </p:sp>
+            </mc:Choice>
+            <mc:Fallback>
+              <p:sp>
+                <p:nvSpPr>
+                  <p:cNvPr id="18" name="직사각형 17"/>
+                  <p:cNvSpPr>
+                    <a:spLocks noRot="1" noChangeAspect="1" noMove="1" noResize="1" noEditPoints="1" noAdjustHandles="1" noChangeArrowheads="1" noChangeShapeType="1" noTextEdit="1"/>
+                  </p:cNvSpPr>
+                  <p:nvPr/>
+                </p:nvSpPr>
+                <p:spPr>
+                  <a:xfrm>
+                    <a:off x="4470909" y="2212130"/>
+                    <a:ext cx="679307" cy="494241"/>
+                  </a:xfrm>
+                  <a:prstGeom prst="rect">
+                    <a:avLst/>
+                  </a:prstGeom>
+                  <a:blipFill>
+                    <a:blip r:embed="rId4"/>
+                    <a:stretch>
+                      <a:fillRect l="-2885" t="-10526" r="-13462" b="-28947"/>
+                    </a:stretch>
+                  </a:blipFill>
+                </p:spPr>
+                <p:txBody>
+                  <a:bodyPr/>
+                  <a:lstStyle/>
+                  <a:p>
+                    <a:r>
+                      <a:rPr lang="ko-KR" altLang="en-US">
+                        <a:noFill/>
+                      </a:rPr>
+                      <a:t> </a:t>
+                    </a:r>
+                  </a:p>
+                </p:txBody>
+              </p:sp>
+            </mc:Fallback>
+          </mc:AlternateContent>
+          <p:sp>
+            <p:nvSpPr>
+              <p:cNvPr id="19" name="왼쪽 대괄호 18"/>
+              <p:cNvSpPr/>
+              <p:nvPr/>
+            </p:nvSpPr>
+            <p:spPr>
+              <a:xfrm>
+                <a:off x="5698699" y="1474090"/>
+                <a:ext cx="104947" cy="2071560"/>
+              </a:xfrm>
+              <a:prstGeom prst="leftBracket">
+                <a:avLst>
+                  <a:gd name="adj" fmla="val 986960"/>
+                </a:avLst>
+              </a:prstGeom>
+              <a:ln>
+                <a:solidFill>
+                  <a:schemeClr val="tx1"/>
+                </a:solidFill>
+                <a:prstDash val="dash"/>
+              </a:ln>
+            </p:spPr>
+            <p:style>
+              <a:lnRef idx="1">
+                <a:schemeClr val="accent1"/>
+              </a:lnRef>
+              <a:fillRef idx="0">
+                <a:schemeClr val="accent1"/>
+              </a:fillRef>
+              <a:effectRef idx="0">
+                <a:schemeClr val="accent1"/>
+              </a:effectRef>
+              <a:fontRef idx="minor">
+                <a:schemeClr val="tx1"/>
+              </a:fontRef>
+            </p:style>
+            <p:txBody>
+              <a:bodyPr rtlCol="0" anchor="ctr"/>
+              <a:lstStyle/>
+              <a:p>
+                <a:pPr algn="ctr"/>
+                <a:endParaRPr lang="ko-KR" altLang="en-US" sz="1200"/>
+              </a:p>
+            </p:txBody>
+          </p:sp>
+          <p:sp>
+            <p:nvSpPr>
+              <p:cNvPr id="20" name="TextBox 19"/>
+              <p:cNvSpPr txBox="1"/>
+              <p:nvPr/>
+            </p:nvSpPr>
+            <p:spPr>
+              <a:xfrm rot="16200000">
+                <a:off x="4841361" y="2325467"/>
+                <a:ext cx="1302257" cy="296545"/>
+              </a:xfrm>
+              <a:prstGeom prst="rect">
+                <a:avLst/>
+              </a:prstGeom>
+              <a:noFill/>
+            </p:spPr>
+            <p:txBody>
+              <a:bodyPr wrap="none" rtlCol="0">
+                <a:spAutoFit/>
+              </a:bodyPr>
+              <a:lstStyle/>
+              <a:p>
+                <a:r>
+                  <a:rPr lang="en-US" altLang="ko-KR" sz="1200"/>
+                  <a:t>Feature</a:t>
+                </a:r>
+                <a:r>
+                  <a:rPr lang="ko-KR" altLang="en-US" sz="1200" dirty="0"/>
+                  <a:t>의 개수</a:t>
+                </a:r>
+              </a:p>
+            </p:txBody>
+          </p:sp>
+          <p:sp>
+            <p:nvSpPr>
+              <p:cNvPr id="21" name="왼쪽 대괄호 20"/>
+              <p:cNvSpPr/>
+              <p:nvPr/>
+            </p:nvSpPr>
+            <p:spPr>
+              <a:xfrm rot="5400000">
+                <a:off x="7438510" y="-188970"/>
+                <a:ext cx="104947" cy="2943644"/>
+              </a:xfrm>
+              <a:prstGeom prst="leftBracket">
+                <a:avLst>
+                  <a:gd name="adj" fmla="val 986960"/>
+                </a:avLst>
+              </a:prstGeom>
+              <a:ln>
+                <a:solidFill>
+                  <a:schemeClr val="tx1"/>
+                </a:solidFill>
+                <a:prstDash val="dash"/>
+              </a:ln>
+            </p:spPr>
+            <p:style>
+              <a:lnRef idx="1">
+                <a:schemeClr val="accent1"/>
+              </a:lnRef>
+              <a:fillRef idx="0">
+                <a:schemeClr val="accent1"/>
+              </a:fillRef>
+              <a:effectRef idx="0">
+                <a:schemeClr val="accent1"/>
+              </a:effectRef>
+              <a:fontRef idx="minor">
+                <a:schemeClr val="tx1"/>
+              </a:fontRef>
+            </p:style>
+            <p:txBody>
+              <a:bodyPr rtlCol="0" anchor="ctr"/>
+              <a:lstStyle/>
+              <a:p>
+                <a:pPr algn="ctr"/>
+                <a:endParaRPr lang="ko-KR" altLang="en-US" sz="1200"/>
+              </a:p>
+            </p:txBody>
+          </p:sp>
+          <p:sp>
+            <p:nvSpPr>
+              <p:cNvPr id="22" name="TextBox 21"/>
+              <p:cNvSpPr txBox="1"/>
+              <p:nvPr/>
+            </p:nvSpPr>
+            <p:spPr>
+              <a:xfrm>
+                <a:off x="6633819" y="917996"/>
+                <a:ext cx="1544848" cy="296545"/>
+              </a:xfrm>
+              <a:prstGeom prst="rect">
+                <a:avLst/>
+              </a:prstGeom>
+              <a:noFill/>
+            </p:spPr>
+            <p:txBody>
+              <a:bodyPr wrap="none" rtlCol="0">
+                <a:spAutoFit/>
+              </a:bodyPr>
+              <a:lstStyle/>
+              <a:p>
+                <a:r>
+                  <a:rPr lang="en-US" altLang="ko-KR" sz="1200" dirty="0"/>
+                  <a:t>Data</a:t>
+                </a:r>
+                <a:r>
+                  <a:rPr lang="ko-KR" altLang="en-US" sz="1200" dirty="0"/>
+                  <a:t>의 </a:t>
+                </a:r>
+                <a:r>
+                  <a:rPr lang="en-US" altLang="ko-KR" sz="1200" dirty="0"/>
+                  <a:t>dimension</a:t>
+                </a:r>
+                <a:endParaRPr lang="ko-KR" altLang="en-US" sz="1200" dirty="0"/>
+              </a:p>
+            </p:txBody>
+          </p:sp>
+          <p:sp>
+            <p:nvSpPr>
+              <p:cNvPr id="2" name="사각형: 둥근 모서리 1">
+                <a:extLst>
+                  <a:ext uri="{FF2B5EF4-FFF2-40B4-BE49-F238E27FC236}">
+                    <a16:creationId xmlns:a16="http://schemas.microsoft.com/office/drawing/2014/main" id="{FC209F36-B5CA-46C1-BD45-C1098DC1330D}"/>
+                  </a:ext>
+                </a:extLst>
+              </p:cNvPr>
+              <p:cNvSpPr/>
+              <p:nvPr/>
+            </p:nvSpPr>
+            <p:spPr>
+              <a:xfrm>
+                <a:off x="1259631" y="1567809"/>
+                <a:ext cx="2905749" cy="307777"/>
+              </a:xfrm>
+              <a:prstGeom prst="roundRect">
+                <a:avLst/>
+              </a:prstGeom>
+              <a:solidFill>
+                <a:srgbClr val="ABC3DF"/>
+              </a:solidFill>
+            </p:spPr>
+            <p:style>
+              <a:lnRef idx="2">
+                <a:schemeClr val="accent1">
+                  <a:shade val="50000"/>
+                </a:schemeClr>
+              </a:lnRef>
+              <a:fillRef idx="1">
+                <a:schemeClr val="accent1"/>
+              </a:fillRef>
+              <a:effectRef idx="0">
+                <a:schemeClr val="accent1"/>
+              </a:effectRef>
+              <a:fontRef idx="minor">
+                <a:schemeClr val="lt1"/>
+              </a:fontRef>
+            </p:style>
+            <p:txBody>
+              <a:bodyPr rtlCol="0" anchor="ctr"/>
+              <a:lstStyle/>
+              <a:p>
+                <a:pPr algn="ctr"/>
+                <a:endParaRPr lang="ko-KR" altLang="en-US" sz="1600"/>
+              </a:p>
+            </p:txBody>
+          </p:sp>
+          <p:cxnSp>
+            <p:nvCxnSpPr>
+              <p:cNvPr id="7" name="직선 화살표 연결선 6">
+                <a:extLst>
+                  <a:ext uri="{FF2B5EF4-FFF2-40B4-BE49-F238E27FC236}">
+                    <a16:creationId xmlns:a16="http://schemas.microsoft.com/office/drawing/2014/main" id="{61B08E4E-F251-4964-8F09-9BF3A99A4BCC}"/>
+                  </a:ext>
+                </a:extLst>
+              </p:cNvPr>
+              <p:cNvCxnSpPr/>
+              <p:nvPr/>
+            </p:nvCxnSpPr>
+            <p:spPr>
+              <a:xfrm flipV="1">
+                <a:off x="1470865" y="1999857"/>
+                <a:ext cx="0" cy="360040"/>
+              </a:xfrm>
+              <a:prstGeom prst="straightConnector1">
+                <a:avLst/>
+              </a:prstGeom>
+              <a:ln>
+                <a:tailEnd type="triangle"/>
+              </a:ln>
+            </p:spPr>
+            <p:style>
+              <a:lnRef idx="1">
+                <a:schemeClr val="accent1"/>
+              </a:lnRef>
+              <a:fillRef idx="0">
+                <a:schemeClr val="accent1"/>
+              </a:fillRef>
+              <a:effectRef idx="0">
+                <a:schemeClr val="accent1"/>
+              </a:effectRef>
+              <a:fontRef idx="minor">
+                <a:schemeClr val="tx1"/>
+              </a:fontRef>
+            </p:style>
+          </p:cxnSp>
+          <p:cxnSp>
+            <p:nvCxnSpPr>
+              <p:cNvPr id="23" name="직선 화살표 연결선 22">
+                <a:extLst>
+                  <a:ext uri="{FF2B5EF4-FFF2-40B4-BE49-F238E27FC236}">
+                    <a16:creationId xmlns:a16="http://schemas.microsoft.com/office/drawing/2014/main" id="{08418E40-7399-41A0-8FA5-D047100580B0}"/>
+                  </a:ext>
+                </a:extLst>
+              </p:cNvPr>
+              <p:cNvCxnSpPr/>
+              <p:nvPr/>
+            </p:nvCxnSpPr>
+            <p:spPr>
+              <a:xfrm flipV="1">
+                <a:off x="1785536" y="1999857"/>
+                <a:ext cx="0" cy="360040"/>
+              </a:xfrm>
+              <a:prstGeom prst="straightConnector1">
+                <a:avLst/>
+              </a:prstGeom>
+              <a:ln>
+                <a:tailEnd type="triangle"/>
+              </a:ln>
+            </p:spPr>
+            <p:style>
+              <a:lnRef idx="1">
+                <a:schemeClr val="accent1"/>
+              </a:lnRef>
+              <a:fillRef idx="0">
+                <a:schemeClr val="accent1"/>
+              </a:fillRef>
+              <a:effectRef idx="0">
+                <a:schemeClr val="accent1"/>
+              </a:effectRef>
+              <a:fontRef idx="minor">
+                <a:schemeClr val="tx1"/>
+              </a:fontRef>
+            </p:style>
+          </p:cxnSp>
+          <p:cxnSp>
+            <p:nvCxnSpPr>
+              <p:cNvPr id="24" name="직선 화살표 연결선 23">
+                <a:extLst>
+                  <a:ext uri="{FF2B5EF4-FFF2-40B4-BE49-F238E27FC236}">
+                    <a16:creationId xmlns:a16="http://schemas.microsoft.com/office/drawing/2014/main" id="{3B681F49-1E66-4F2C-A2D8-8C5D0CE40D93}"/>
+                  </a:ext>
+                </a:extLst>
+              </p:cNvPr>
+              <p:cNvCxnSpPr/>
+              <p:nvPr/>
+            </p:nvCxnSpPr>
+            <p:spPr>
+              <a:xfrm flipV="1">
+                <a:off x="2100207" y="1999857"/>
+                <a:ext cx="0" cy="360040"/>
+              </a:xfrm>
+              <a:prstGeom prst="straightConnector1">
+                <a:avLst/>
+              </a:prstGeom>
+              <a:ln>
+                <a:tailEnd type="triangle"/>
+              </a:ln>
+            </p:spPr>
+            <p:style>
+              <a:lnRef idx="1">
+                <a:schemeClr val="accent1"/>
+              </a:lnRef>
+              <a:fillRef idx="0">
+                <a:schemeClr val="accent1"/>
+              </a:fillRef>
+              <a:effectRef idx="0">
+                <a:schemeClr val="accent1"/>
+              </a:effectRef>
+              <a:fontRef idx="minor">
+                <a:schemeClr val="tx1"/>
+              </a:fontRef>
+            </p:style>
+          </p:cxnSp>
+          <p:cxnSp>
+            <p:nvCxnSpPr>
+              <p:cNvPr id="25" name="직선 화살표 연결선 24">
+                <a:extLst>
+                  <a:ext uri="{FF2B5EF4-FFF2-40B4-BE49-F238E27FC236}">
+                    <a16:creationId xmlns:a16="http://schemas.microsoft.com/office/drawing/2014/main" id="{213B8A83-2F28-4BA8-8CE1-5FF744DC7427}"/>
+                  </a:ext>
+                </a:extLst>
+              </p:cNvPr>
+              <p:cNvCxnSpPr/>
+              <p:nvPr/>
+            </p:nvCxnSpPr>
+            <p:spPr>
+              <a:xfrm flipV="1">
+                <a:off x="3881129" y="1999857"/>
+                <a:ext cx="0" cy="360040"/>
+              </a:xfrm>
+              <a:prstGeom prst="straightConnector1">
+                <a:avLst/>
+              </a:prstGeom>
+              <a:ln>
+                <a:tailEnd type="triangle"/>
+              </a:ln>
+            </p:spPr>
+            <p:style>
+              <a:lnRef idx="1">
+                <a:schemeClr val="accent1"/>
+              </a:lnRef>
+              <a:fillRef idx="0">
+                <a:schemeClr val="accent1"/>
+              </a:fillRef>
+              <a:effectRef idx="0">
+                <a:schemeClr val="accent1"/>
+              </a:effectRef>
+              <a:fontRef idx="minor">
+                <a:schemeClr val="tx1"/>
+              </a:fontRef>
+            </p:style>
+          </p:cxnSp>
+          <mc:AlternateContent xmlns:mc="http://schemas.openxmlformats.org/markup-compatibility/2006">
+            <mc:Choice xmlns:a14="http://schemas.microsoft.com/office/drawing/2010/main" Requires="a14">
+              <p:sp>
+                <p:nvSpPr>
+                  <p:cNvPr id="9" name="TextBox 8">
+                    <a:extLst>
+                      <a:ext uri="{FF2B5EF4-FFF2-40B4-BE49-F238E27FC236}">
+                        <a16:creationId xmlns:a16="http://schemas.microsoft.com/office/drawing/2014/main" id="{6CCCD6A7-E8EA-4CC3-A655-D5DE215246AE}"/>
+                      </a:ext>
+                    </a:extLst>
+                  </p:cNvPr>
+                  <p:cNvSpPr txBox="1"/>
+                  <p:nvPr/>
+                </p:nvSpPr>
+                <p:spPr>
+                  <a:xfrm>
+                    <a:off x="3056558" y="2000405"/>
+                    <a:ext cx="463588" cy="369332"/>
+                  </a:xfrm>
+                  <a:prstGeom prst="rect">
+                    <a:avLst/>
+                  </a:prstGeom>
+                  <a:noFill/>
+                </p:spPr>
+                <p:txBody>
+                  <a:bodyPr wrap="none" rtlCol="0">
+                    <a:spAutoFit/>
+                  </a:bodyPr>
+                  <a:lstStyle/>
+                  <a:p>
+                    <a14:m>
+                      <m:oMathPara xmlns:m="http://schemas.openxmlformats.org/officeDocument/2006/math">
+                        <m:oMathParaPr>
+                          <m:jc m:val="centerGroup"/>
+                        </m:oMathParaPr>
+                        <m:oMath xmlns:m="http://schemas.openxmlformats.org/officeDocument/2006/math">
+                          <m:r>
+                            <a:rPr lang="en-US" altLang="ko-KR" sz="1600" b="0" i="1" smtClean="0">
+                              <a:latin typeface="Cambria Math" panose="02040503050406030204" pitchFamily="18" charset="0"/>
+                            </a:rPr>
+                            <m:t>⋯</m:t>
+                          </m:r>
+                        </m:oMath>
+                      </m:oMathPara>
+                    </a14:m>
+                    <a:endParaRPr lang="ko-KR" altLang="en-US" sz="1600" dirty="0"/>
+                  </a:p>
+                </p:txBody>
+              </p:sp>
+            </mc:Choice>
+            <mc:Fallback>
+              <p:sp>
+                <p:nvSpPr>
+                  <p:cNvPr id="9" name="TextBox 8">
+                    <a:extLst>
+                      <a:ext uri="{FF2B5EF4-FFF2-40B4-BE49-F238E27FC236}">
+                        <a16:creationId xmlns:a16="http://schemas.microsoft.com/office/drawing/2014/main" id="{6CCCD6A7-E8EA-4CC3-A655-D5DE215246AE}"/>
+                      </a:ext>
+                    </a:extLst>
+                  </p:cNvPr>
+                  <p:cNvSpPr txBox="1">
+                    <a:spLocks noRot="1" noChangeAspect="1" noMove="1" noResize="1" noEditPoints="1" noAdjustHandles="1" noChangeArrowheads="1" noChangeShapeType="1" noTextEdit="1"/>
+                  </p:cNvSpPr>
+                  <p:nvPr/>
+                </p:nvSpPr>
+                <p:spPr>
+                  <a:xfrm>
+                    <a:off x="3056558" y="2000405"/>
+                    <a:ext cx="463588" cy="369332"/>
+                  </a:xfrm>
+                  <a:prstGeom prst="rect">
+                    <a:avLst/>
+                  </a:prstGeom>
+                  <a:blipFill>
+                    <a:blip r:embed="rId5"/>
+                    <a:stretch>
+                      <a:fillRect/>
+                    </a:stretch>
+                  </a:blipFill>
+                </p:spPr>
+                <p:txBody>
+                  <a:bodyPr/>
+                  <a:lstStyle/>
+                  <a:p>
+                    <a:r>
+                      <a:rPr lang="ko-KR" altLang="en-US">
+                        <a:noFill/>
+                      </a:rPr>
+                      <a:t> </a:t>
+                    </a:r>
+                  </a:p>
+                </p:txBody>
+              </p:sp>
+            </mc:Fallback>
+          </mc:AlternateContent>
+          <p:cxnSp>
+            <p:nvCxnSpPr>
+              <p:cNvPr id="26" name="직선 화살표 연결선 25">
+                <a:extLst>
+                  <a:ext uri="{FF2B5EF4-FFF2-40B4-BE49-F238E27FC236}">
+                    <a16:creationId xmlns:a16="http://schemas.microsoft.com/office/drawing/2014/main" id="{0CC1828E-3E21-44EA-9217-74FA3CBAE2AD}"/>
+                  </a:ext>
+                </a:extLst>
+              </p:cNvPr>
+              <p:cNvCxnSpPr/>
+              <p:nvPr/>
+            </p:nvCxnSpPr>
+            <p:spPr>
+              <a:xfrm flipV="1">
+                <a:off x="2414878" y="1999857"/>
+                <a:ext cx="0" cy="360040"/>
+              </a:xfrm>
+              <a:prstGeom prst="straightConnector1">
+                <a:avLst/>
+              </a:prstGeom>
+              <a:ln>
+                <a:tailEnd type="triangle"/>
+              </a:ln>
+            </p:spPr>
+            <p:style>
+              <a:lnRef idx="1">
+                <a:schemeClr val="accent1"/>
+              </a:lnRef>
+              <a:fillRef idx="0">
+                <a:schemeClr val="accent1"/>
+              </a:fillRef>
+              <a:effectRef idx="0">
+                <a:schemeClr val="accent1"/>
+              </a:effectRef>
+              <a:fontRef idx="minor">
+                <a:schemeClr val="tx1"/>
+              </a:fontRef>
+            </p:style>
+          </p:cxnSp>
+          <p:cxnSp>
+            <p:nvCxnSpPr>
+              <p:cNvPr id="27" name="직선 화살표 연결선 26">
+                <a:extLst>
+                  <a:ext uri="{FF2B5EF4-FFF2-40B4-BE49-F238E27FC236}">
+                    <a16:creationId xmlns:a16="http://schemas.microsoft.com/office/drawing/2014/main" id="{7153307E-4567-4BBA-9854-7A2B64CA75F7}"/>
+                  </a:ext>
+                </a:extLst>
+              </p:cNvPr>
+              <p:cNvCxnSpPr/>
+              <p:nvPr/>
+            </p:nvCxnSpPr>
+            <p:spPr>
+              <a:xfrm flipV="1">
+                <a:off x="2729548" y="1999857"/>
+                <a:ext cx="0" cy="360040"/>
+              </a:xfrm>
+              <a:prstGeom prst="straightConnector1">
+                <a:avLst/>
+              </a:prstGeom>
+              <a:ln>
+                <a:tailEnd type="triangle"/>
+              </a:ln>
+            </p:spPr>
+            <p:style>
+              <a:lnRef idx="1">
+                <a:schemeClr val="accent1"/>
+              </a:lnRef>
+              <a:fillRef idx="0">
+                <a:schemeClr val="accent1"/>
+              </a:fillRef>
+              <a:effectRef idx="0">
+                <a:schemeClr val="accent1"/>
+              </a:effectRef>
+              <a:fontRef idx="minor">
+                <a:schemeClr val="tx1"/>
+              </a:fontRef>
+            </p:style>
+          </p:cxnSp>
+          <p:sp>
+            <p:nvSpPr>
+              <p:cNvPr id="10" name="TextBox 9">
+                <a:extLst>
+                  <a:ext uri="{FF2B5EF4-FFF2-40B4-BE49-F238E27FC236}">
+                    <a16:creationId xmlns:a16="http://schemas.microsoft.com/office/drawing/2014/main" id="{5F785B69-5647-41CE-B2FC-49C6FB20D216}"/>
+                  </a:ext>
+                </a:extLst>
+              </p:cNvPr>
+              <p:cNvSpPr txBox="1"/>
+              <p:nvPr/>
+            </p:nvSpPr>
+            <p:spPr>
+              <a:xfrm>
+                <a:off x="1574319" y="2429599"/>
+                <a:ext cx="2188733" cy="362443"/>
+              </a:xfrm>
+              <a:prstGeom prst="rect">
+                <a:avLst/>
+              </a:prstGeom>
+              <a:noFill/>
+            </p:spPr>
+            <p:txBody>
+              <a:bodyPr wrap="none" rtlCol="0">
+                <a:spAutoFit/>
+              </a:bodyPr>
+              <a:lstStyle/>
+              <a:p>
+                <a:r>
+                  <a:rPr lang="ko-KR" altLang="en-US" sz="1600" dirty="0">
+                    <a:solidFill>
+                      <a:schemeClr val="accent1"/>
+                    </a:solidFill>
+                  </a:rPr>
+                  <a:t>각 </a:t>
+                </a:r>
+                <a:r>
+                  <a:rPr lang="en-US" altLang="ko-KR" sz="1600" dirty="0">
+                    <a:solidFill>
+                      <a:schemeClr val="accent1"/>
+                    </a:solidFill>
+                  </a:rPr>
+                  <a:t>Feature</a:t>
+                </a:r>
+                <a:r>
+                  <a:rPr lang="ko-KR" altLang="en-US" sz="1600" dirty="0">
+                    <a:solidFill>
+                      <a:schemeClr val="accent1"/>
+                    </a:solidFill>
+                  </a:rPr>
+                  <a:t>들의 비율</a:t>
+                </a:r>
+              </a:p>
+            </p:txBody>
+          </p:sp>
+          <p:sp>
+            <p:nvSpPr>
+              <p:cNvPr id="28" name="사각형: 둥근 모서리 27">
+                <a:extLst>
+                  <a:ext uri="{FF2B5EF4-FFF2-40B4-BE49-F238E27FC236}">
+                    <a16:creationId xmlns:a16="http://schemas.microsoft.com/office/drawing/2014/main" id="{DD0D1871-2487-4176-92DF-4254ACDDFAA8}"/>
+                  </a:ext>
+                </a:extLst>
+              </p:cNvPr>
+              <p:cNvSpPr/>
+              <p:nvPr/>
+            </p:nvSpPr>
+            <p:spPr>
+              <a:xfrm>
+                <a:off x="6019161" y="1535815"/>
+                <a:ext cx="2905749" cy="307777"/>
+              </a:xfrm>
+              <a:prstGeom prst="roundRect">
+                <a:avLst/>
+              </a:prstGeom>
+              <a:solidFill>
+                <a:srgbClr val="FBC497"/>
+              </a:solidFill>
+            </p:spPr>
+            <p:style>
+              <a:lnRef idx="2">
+                <a:schemeClr val="accent1">
+                  <a:shade val="50000"/>
+                </a:schemeClr>
+              </a:lnRef>
+              <a:fillRef idx="1">
+                <a:schemeClr val="accent1"/>
+              </a:fillRef>
+              <a:effectRef idx="0">
+                <a:schemeClr val="accent1"/>
+              </a:effectRef>
+              <a:fontRef idx="minor">
+                <a:schemeClr val="lt1"/>
+              </a:fontRef>
+            </p:style>
+            <p:txBody>
+              <a:bodyPr rtlCol="0" anchor="ctr"/>
+              <a:lstStyle/>
+              <a:p>
+                <a:pPr algn="ctr"/>
+                <a:endParaRPr lang="ko-KR" altLang="en-US" sz="1600"/>
+              </a:p>
+            </p:txBody>
+          </p:sp>
+          <p:sp>
+            <p:nvSpPr>
+              <p:cNvPr id="30" name="TextBox 29">
+                <a:extLst>
+                  <a:ext uri="{FF2B5EF4-FFF2-40B4-BE49-F238E27FC236}">
+                    <a16:creationId xmlns:a16="http://schemas.microsoft.com/office/drawing/2014/main" id="{FF5BE77C-6C1E-4DD6-86BF-6D3D63107D37}"/>
+                  </a:ext>
+                </a:extLst>
+              </p:cNvPr>
+              <p:cNvSpPr txBox="1"/>
+              <p:nvPr/>
+            </p:nvSpPr>
+            <p:spPr>
+              <a:xfrm>
+                <a:off x="6747055" y="1511433"/>
+                <a:ext cx="1451147" cy="329495"/>
+              </a:xfrm>
+              <a:prstGeom prst="rect">
+                <a:avLst/>
+              </a:prstGeom>
+              <a:noFill/>
+            </p:spPr>
+            <p:txBody>
+              <a:bodyPr wrap="none" rtlCol="0">
+                <a:spAutoFit/>
+              </a:bodyPr>
+              <a:lstStyle/>
+              <a:p>
+                <a:r>
+                  <a:rPr lang="ko-KR" altLang="en-US" sz="1400" dirty="0"/>
+                  <a:t>하나의 </a:t>
+                </a:r>
+                <a:r>
+                  <a:rPr lang="en-US" altLang="ko-KR" sz="1400" dirty="0"/>
+                  <a:t>feature</a:t>
+                </a:r>
+                <a:endParaRPr lang="ko-KR" altLang="en-US" sz="1400" dirty="0"/>
+              </a:p>
+            </p:txBody>
+          </p:sp>
+          <p:sp>
+            <p:nvSpPr>
+              <p:cNvPr id="31" name="TextBox 30">
+                <a:extLst>
+                  <a:ext uri="{FF2B5EF4-FFF2-40B4-BE49-F238E27FC236}">
+                    <a16:creationId xmlns:a16="http://schemas.microsoft.com/office/drawing/2014/main" id="{A07A920F-1E30-4921-B8C5-C74B2AE18504}"/>
+                  </a:ext>
+                </a:extLst>
+              </p:cNvPr>
+              <p:cNvSpPr txBox="1"/>
+              <p:nvPr/>
+            </p:nvSpPr>
+            <p:spPr>
+              <a:xfrm>
+                <a:off x="1486010" y="1552420"/>
+                <a:ext cx="2361374" cy="329495"/>
+              </a:xfrm>
+              <a:prstGeom prst="rect">
+                <a:avLst/>
+              </a:prstGeom>
+              <a:noFill/>
+            </p:spPr>
+            <p:txBody>
+              <a:bodyPr wrap="none" rtlCol="0">
+                <a:spAutoFit/>
+              </a:bodyPr>
+              <a:lstStyle/>
+              <a:p>
+                <a:r>
+                  <a:rPr lang="ko-KR" altLang="en-US" sz="1400" dirty="0"/>
+                  <a:t>각 </a:t>
+                </a:r>
+                <a:r>
+                  <a:rPr lang="en-US" altLang="ko-KR" sz="1400" dirty="0"/>
+                  <a:t>feature</a:t>
+                </a:r>
+                <a:r>
+                  <a:rPr lang="ko-KR" altLang="en-US" sz="1400" dirty="0"/>
+                  <a:t>에 대한 </a:t>
+                </a:r>
+                <a:r>
+                  <a:rPr lang="en-US" altLang="ko-KR" sz="1400" dirty="0"/>
+                  <a:t>weight</a:t>
+                </a:r>
+                <a:endParaRPr lang="ko-KR" altLang="en-US" sz="1400" dirty="0"/>
+              </a:p>
+            </p:txBody>
+          </p:sp>
+        </p:grpSp>
+      </p:grpSp>
+    </p:spTree>
+    <p:extLst>
+      <p:ext uri="{BB962C8B-B14F-4D97-AF65-F5344CB8AC3E}">
+        <p14:creationId xmlns:p14="http://schemas.microsoft.com/office/powerpoint/2010/main" val="3399502569"/>
+      </p:ext>
+    </p:extLst>
+  </p:cSld>
+  <p:clrMapOvr>
+    <a:masterClrMapping/>
+  </p:clrMapOvr>
+</p:sld>
+</file>
+
+<file path=ppt/slides/slide3.xml><?xml version="1.0" encoding="utf-8"?>
 <p:sld xmlns:a="http://schemas.openxmlformats.org/drawingml/2006/main" xmlns:r="http://schemas.openxmlformats.org/officeDocument/2006/relationships" xmlns:p="http://schemas.openxmlformats.org/presentationml/2006/main">
   <p:cSld>
     <p:spTree>
@@ -3902,7 +4960,7 @@
 </p:sld>
 </file>
 
-<file path=ppt/slides/slide3.xml><?xml version="1.0" encoding="utf-8"?>
+<file path=ppt/slides/slide4.xml><?xml version="1.0" encoding="utf-8"?>
 <p:sld xmlns:a="http://schemas.openxmlformats.org/drawingml/2006/main" xmlns:r="http://schemas.openxmlformats.org/officeDocument/2006/relationships" xmlns:p="http://schemas.openxmlformats.org/presentationml/2006/main">
   <p:cSld>
     <p:spTree>
@@ -3996,7 +5054,7 @@
 </p:sld>
 </file>
 
-<file path=ppt/slides/slide4.xml><?xml version="1.0" encoding="utf-8"?>
+<file path=ppt/slides/slide5.xml><?xml version="1.0" encoding="utf-8"?>
 <p:sld xmlns:a="http://schemas.openxmlformats.org/drawingml/2006/main" xmlns:r="http://schemas.openxmlformats.org/officeDocument/2006/relationships" xmlns:p="http://schemas.openxmlformats.org/presentationml/2006/main">
   <p:cSld>
     <p:spTree>

--- a/pics/2020-10-15-NMF/pics.pptx
+++ b/pics/2020-10-15-NMF/pics.pptx
@@ -306,7 +306,7 @@
           <a:p>
             <a:fld id="{FB30EDBD-1C2D-4C1E-B459-B60219FAB484}" type="datetimeFigureOut">
               <a:rPr lang="ko-KR" altLang="en-US" smtClean="0"/>
-              <a:t>2020-10-18</a:t>
+              <a:t>2021-04-07</a:t>
             </a:fld>
             <a:endParaRPr lang="ko-KR" altLang="en-US"/>
           </a:p>
@@ -469,7 +469,7 @@
           <a:p>
             <a:fld id="{FB30EDBD-1C2D-4C1E-B459-B60219FAB484}" type="datetimeFigureOut">
               <a:rPr lang="ko-KR" altLang="en-US" smtClean="0"/>
-              <a:t>2020-10-18</a:t>
+              <a:t>2021-04-07</a:t>
             </a:fld>
             <a:endParaRPr lang="ko-KR" altLang="en-US"/>
           </a:p>
@@ -642,7 +642,7 @@
           <a:p>
             <a:fld id="{FB30EDBD-1C2D-4C1E-B459-B60219FAB484}" type="datetimeFigureOut">
               <a:rPr lang="ko-KR" altLang="en-US" smtClean="0"/>
-              <a:t>2020-10-18</a:t>
+              <a:t>2021-04-07</a:t>
             </a:fld>
             <a:endParaRPr lang="ko-KR" altLang="en-US"/>
           </a:p>
@@ -805,7 +805,7 @@
           <a:p>
             <a:fld id="{FB30EDBD-1C2D-4C1E-B459-B60219FAB484}" type="datetimeFigureOut">
               <a:rPr lang="ko-KR" altLang="en-US" smtClean="0"/>
-              <a:t>2020-10-18</a:t>
+              <a:t>2021-04-07</a:t>
             </a:fld>
             <a:endParaRPr lang="ko-KR" altLang="en-US"/>
           </a:p>
@@ -1045,7 +1045,7 @@
           <a:p>
             <a:fld id="{FB30EDBD-1C2D-4C1E-B459-B60219FAB484}" type="datetimeFigureOut">
               <a:rPr lang="ko-KR" altLang="en-US" smtClean="0"/>
-              <a:t>2020-10-18</a:t>
+              <a:t>2021-04-07</a:t>
             </a:fld>
             <a:endParaRPr lang="ko-KR" altLang="en-US"/>
           </a:p>
@@ -1325,7 +1325,7 @@
           <a:p>
             <a:fld id="{FB30EDBD-1C2D-4C1E-B459-B60219FAB484}" type="datetimeFigureOut">
               <a:rPr lang="ko-KR" altLang="en-US" smtClean="0"/>
-              <a:t>2020-10-18</a:t>
+              <a:t>2021-04-07</a:t>
             </a:fld>
             <a:endParaRPr lang="ko-KR" altLang="en-US"/>
           </a:p>
@@ -1739,7 +1739,7 @@
           <a:p>
             <a:fld id="{FB30EDBD-1C2D-4C1E-B459-B60219FAB484}" type="datetimeFigureOut">
               <a:rPr lang="ko-KR" altLang="en-US" smtClean="0"/>
-              <a:t>2020-10-18</a:t>
+              <a:t>2021-04-07</a:t>
             </a:fld>
             <a:endParaRPr lang="ko-KR" altLang="en-US"/>
           </a:p>
@@ -1851,7 +1851,7 @@
           <a:p>
             <a:fld id="{FB30EDBD-1C2D-4C1E-B459-B60219FAB484}" type="datetimeFigureOut">
               <a:rPr lang="ko-KR" altLang="en-US" smtClean="0"/>
-              <a:t>2020-10-18</a:t>
+              <a:t>2021-04-07</a:t>
             </a:fld>
             <a:endParaRPr lang="ko-KR" altLang="en-US"/>
           </a:p>
@@ -1941,7 +1941,7 @@
           <a:p>
             <a:fld id="{FB30EDBD-1C2D-4C1E-B459-B60219FAB484}" type="datetimeFigureOut">
               <a:rPr lang="ko-KR" altLang="en-US" smtClean="0"/>
-              <a:t>2020-10-18</a:t>
+              <a:t>2021-04-07</a:t>
             </a:fld>
             <a:endParaRPr lang="ko-KR" altLang="en-US"/>
           </a:p>
@@ -2211,7 +2211,7 @@
           <a:p>
             <a:fld id="{FB30EDBD-1C2D-4C1E-B459-B60219FAB484}" type="datetimeFigureOut">
               <a:rPr lang="ko-KR" altLang="en-US" smtClean="0"/>
-              <a:t>2020-10-18</a:t>
+              <a:t>2021-04-07</a:t>
             </a:fld>
             <a:endParaRPr lang="ko-KR" altLang="en-US"/>
           </a:p>
@@ -2458,7 +2458,7 @@
           <a:p>
             <a:fld id="{FB30EDBD-1C2D-4C1E-B459-B60219FAB484}" type="datetimeFigureOut">
               <a:rPr lang="ko-KR" altLang="en-US" smtClean="0"/>
-              <a:t>2020-10-18</a:t>
+              <a:t>2021-04-07</a:t>
             </a:fld>
             <a:endParaRPr lang="ko-KR" altLang="en-US"/>
           </a:p>
@@ -2664,7 +2664,7 @@
           <a:p>
             <a:fld id="{FB30EDBD-1C2D-4C1E-B459-B60219FAB484}" type="datetimeFigureOut">
               <a:rPr lang="ko-KR" altLang="en-US" smtClean="0"/>
-              <a:t>2020-10-18</a:t>
+              <a:t>2021-04-07</a:t>
             </a:fld>
             <a:endParaRPr lang="ko-KR" altLang="en-US"/>
           </a:p>
@@ -3124,8 +3124,8 @@
           </a:p>
         </p:txBody>
       </p:sp>
-      <mc:AlternateContent xmlns:mc="http://schemas.openxmlformats.org/markup-compatibility/2006">
-        <mc:Choice xmlns:a14="http://schemas.microsoft.com/office/drawing/2010/main" Requires="a14">
+      <mc:AlternateContent xmlns:mc="http://schemas.openxmlformats.org/markup-compatibility/2006" xmlns:a14="http://schemas.microsoft.com/office/drawing/2010/main">
+        <mc:Choice Requires="a14">
           <p:sp>
             <p:nvSpPr>
               <p:cNvPr id="8" name="직사각형 7"/>
@@ -3166,7 +3166,7 @@
             </p:txBody>
           </p:sp>
         </mc:Choice>
-        <mc:Fallback>
+        <mc:Fallback xmlns="">
           <p:sp>
             <p:nvSpPr>
               <p:cNvPr id="8" name="직사각형 7"/>
@@ -3506,8 +3506,8 @@
             <a:chExt cx="8677045" cy="3136645"/>
           </a:xfrm>
         </p:grpSpPr>
-        <mc:AlternateContent xmlns:mc="http://schemas.openxmlformats.org/markup-compatibility/2006">
-          <mc:Choice xmlns:a14="http://schemas.microsoft.com/office/drawing/2010/main" Requires="a14">
+        <mc:AlternateContent xmlns:mc="http://schemas.openxmlformats.org/markup-compatibility/2006" xmlns:a14="http://schemas.microsoft.com/office/drawing/2010/main">
+          <mc:Choice Requires="a14">
             <p:sp>
               <p:nvSpPr>
                 <p:cNvPr id="4" name="TextBox 3"/>
@@ -3563,7 +3563,7 @@
               </p:txBody>
             </p:sp>
           </mc:Choice>
-          <mc:Fallback>
+          <mc:Fallback xmlns="">
             <p:sp>
               <p:nvSpPr>
                 <p:cNvPr id="4" name="TextBox 3"/>
@@ -3712,8 +3712,8 @@
               </a:p>
             </p:txBody>
           </p:sp>
-          <mc:AlternateContent xmlns:mc="http://schemas.openxmlformats.org/markup-compatibility/2006">
-            <mc:Choice xmlns:a14="http://schemas.microsoft.com/office/drawing/2010/main" Requires="a14">
+          <mc:AlternateContent xmlns:mc="http://schemas.openxmlformats.org/markup-compatibility/2006" xmlns:a14="http://schemas.microsoft.com/office/drawing/2010/main">
+            <mc:Choice Requires="a14">
               <p:sp>
                 <p:nvSpPr>
                   <p:cNvPr id="8" name="직사각형 7"/>
@@ -3754,7 +3754,7 @@
                 </p:txBody>
               </p:sp>
             </mc:Choice>
-            <mc:Fallback>
+            <mc:Fallback xmlns="">
               <p:sp>
                 <p:nvSpPr>
                   <p:cNvPr id="8" name="직사각형 7"/>
@@ -4037,8 +4037,8 @@
               </a:p>
             </p:txBody>
           </p:sp>
-          <mc:AlternateContent xmlns:mc="http://schemas.openxmlformats.org/markup-compatibility/2006">
-            <mc:Choice xmlns:a14="http://schemas.microsoft.com/office/drawing/2010/main" Requires="a14">
+          <mc:AlternateContent xmlns:mc="http://schemas.openxmlformats.org/markup-compatibility/2006" xmlns:a14="http://schemas.microsoft.com/office/drawing/2010/main">
+            <mc:Choice Requires="a14">
               <p:sp>
                 <p:nvSpPr>
                   <p:cNvPr id="18" name="직사각형 17"/>
@@ -4079,7 +4079,7 @@
                 </p:txBody>
               </p:sp>
             </mc:Choice>
-            <mc:Fallback>
+            <mc:Fallback xmlns="">
               <p:sp>
                 <p:nvSpPr>
                   <p:cNvPr id="18" name="직사각형 17"/>
@@ -4486,8 +4486,8 @@
               </a:fontRef>
             </p:style>
           </p:cxnSp>
-          <mc:AlternateContent xmlns:mc="http://schemas.openxmlformats.org/markup-compatibility/2006">
-            <mc:Choice xmlns:a14="http://schemas.microsoft.com/office/drawing/2010/main" Requires="a14">
+          <mc:AlternateContent xmlns:mc="http://schemas.openxmlformats.org/markup-compatibility/2006" xmlns:a14="http://schemas.microsoft.com/office/drawing/2010/main">
+            <mc:Choice Requires="a14">
               <p:sp>
                 <p:nvSpPr>
                   <p:cNvPr id="9" name="TextBox 8">
@@ -4516,6 +4516,7 @@
                   </a:bodyPr>
                   <a:lstStyle/>
                   <a:p>
+                    <a:pPr/>
                     <a14:m>
                       <m:oMathPara xmlns:m="http://schemas.openxmlformats.org/officeDocument/2006/math">
                         <m:oMathParaPr>
@@ -4536,7 +4537,7 @@
                 </p:txBody>
               </p:sp>
             </mc:Choice>
-            <mc:Fallback>
+            <mc:Fallback xmlns="">
               <p:sp>
                 <p:nvSpPr>
                   <p:cNvPr id="9" name="TextBox 8">
@@ -4979,66 +4980,32 @@
       </p:grpSpPr>
       <p:pic>
         <p:nvPicPr>
-          <p:cNvPr id="1026" name="Picture 2"/>
+          <p:cNvPr id="3" name="그림 2">
+            <a:extLst>
+              <a:ext uri="{FF2B5EF4-FFF2-40B4-BE49-F238E27FC236}">
+                <a16:creationId xmlns:a16="http://schemas.microsoft.com/office/drawing/2014/main" id="{4F45F5E0-1C3E-4C55-9657-4AE3F7942A60}"/>
+              </a:ext>
+            </a:extLst>
+          </p:cNvPr>
           <p:cNvPicPr>
-            <a:picLocks noChangeAspect="1" noChangeArrowheads="1"/>
+            <a:picLocks noChangeAspect="1"/>
           </p:cNvPicPr>
           <p:nvPr/>
         </p:nvPicPr>
         <p:blipFill>
-          <a:blip r:embed="rId2">
-            <a:extLst>
-              <a:ext uri="{28A0092B-C50C-407E-A947-70E740481C1C}">
-                <a14:useLocalDpi xmlns:a14="http://schemas.microsoft.com/office/drawing/2010/main" val="0"/>
-              </a:ext>
-            </a:extLst>
-          </a:blip>
-          <a:srcRect/>
+          <a:blip r:embed="rId2"/>
           <a:stretch>
             <a:fillRect/>
           </a:stretch>
         </p:blipFill>
-        <p:spPr bwMode="auto">
+        <p:spPr>
           <a:xfrm>
-            <a:off x="66675" y="104775"/>
-            <a:ext cx="9010650" cy="6648450"/>
+            <a:off x="61912" y="100012"/>
+            <a:ext cx="9020175" cy="6657975"/>
           </a:xfrm>
           <a:prstGeom prst="rect">
             <a:avLst/>
           </a:prstGeom>
-          <a:noFill/>
-          <a:ln>
-            <a:noFill/>
-          </a:ln>
-          <a:effectLst/>
-          <a:extLst>
-            <a:ext uri="{909E8E84-426E-40DD-AFC4-6F175D3DCCD1}">
-              <a14:hiddenFill xmlns:a14="http://schemas.microsoft.com/office/drawing/2010/main">
-                <a:solidFill>
-                  <a:schemeClr val="accent1"/>
-                </a:solidFill>
-              </a14:hiddenFill>
-            </a:ext>
-            <a:ext uri="{91240B29-F687-4F45-9708-019B960494DF}">
-              <a14:hiddenLine xmlns:a14="http://schemas.microsoft.com/office/drawing/2010/main" w="9525">
-                <a:solidFill>
-                  <a:schemeClr val="tx1"/>
-                </a:solidFill>
-                <a:miter lim="800000"/>
-                <a:headEnd/>
-                <a:tailEnd/>
-              </a14:hiddenLine>
-            </a:ext>
-            <a:ext uri="{AF507438-7753-43E0-B8FC-AC1667EBCBE1}">
-              <a14:hiddenEffects xmlns:a14="http://schemas.microsoft.com/office/drawing/2010/main">
-                <a:effectLst>
-                  <a:outerShdw dist="35921" dir="2700000" algn="ctr" rotWithShape="0">
-                    <a:schemeClr val="bg2"/>
-                  </a:outerShdw>
-                </a:effectLst>
-              </a14:hiddenEffects>
-            </a:ext>
-          </a:extLst>
         </p:spPr>
       </p:pic>
     </p:spTree>

--- a/pics/2020-10-15-NMF/pics.pptx
+++ b/pics/2020-10-15-NMF/pics.pptx
@@ -6,10 +6,12 @@
   </p:sldMasterIdLst>
   <p:sldIdLst>
     <p:sldId id="259" r:id="rId2"/>
-    <p:sldId id="260" r:id="rId3"/>
-    <p:sldId id="258" r:id="rId4"/>
-    <p:sldId id="256" r:id="rId5"/>
-    <p:sldId id="257" r:id="rId6"/>
+    <p:sldId id="261" r:id="rId3"/>
+    <p:sldId id="262" r:id="rId4"/>
+    <p:sldId id="260" r:id="rId5"/>
+    <p:sldId id="258" r:id="rId6"/>
+    <p:sldId id="256" r:id="rId7"/>
+    <p:sldId id="257" r:id="rId8"/>
   </p:sldIdLst>
   <p:sldSz cx="9144000" cy="6858000" type="screen4x3"/>
   <p:notesSz cx="6858000" cy="9144000"/>
@@ -306,7 +308,7 @@
           <a:p>
             <a:fld id="{FB30EDBD-1C2D-4C1E-B459-B60219FAB484}" type="datetimeFigureOut">
               <a:rPr lang="ko-KR" altLang="en-US" smtClean="0"/>
-              <a:t>2021-04-07</a:t>
+              <a:t>2023-05-05</a:t>
             </a:fld>
             <a:endParaRPr lang="ko-KR" altLang="en-US"/>
           </a:p>
@@ -469,7 +471,7 @@
           <a:p>
             <a:fld id="{FB30EDBD-1C2D-4C1E-B459-B60219FAB484}" type="datetimeFigureOut">
               <a:rPr lang="ko-KR" altLang="en-US" smtClean="0"/>
-              <a:t>2021-04-07</a:t>
+              <a:t>2023-05-05</a:t>
             </a:fld>
             <a:endParaRPr lang="ko-KR" altLang="en-US"/>
           </a:p>
@@ -642,7 +644,7 @@
           <a:p>
             <a:fld id="{FB30EDBD-1C2D-4C1E-B459-B60219FAB484}" type="datetimeFigureOut">
               <a:rPr lang="ko-KR" altLang="en-US" smtClean="0"/>
-              <a:t>2021-04-07</a:t>
+              <a:t>2023-05-05</a:t>
             </a:fld>
             <a:endParaRPr lang="ko-KR" altLang="en-US"/>
           </a:p>
@@ -805,7 +807,7 @@
           <a:p>
             <a:fld id="{FB30EDBD-1C2D-4C1E-B459-B60219FAB484}" type="datetimeFigureOut">
               <a:rPr lang="ko-KR" altLang="en-US" smtClean="0"/>
-              <a:t>2021-04-07</a:t>
+              <a:t>2023-05-05</a:t>
             </a:fld>
             <a:endParaRPr lang="ko-KR" altLang="en-US"/>
           </a:p>
@@ -1045,7 +1047,7 @@
           <a:p>
             <a:fld id="{FB30EDBD-1C2D-4C1E-B459-B60219FAB484}" type="datetimeFigureOut">
               <a:rPr lang="ko-KR" altLang="en-US" smtClean="0"/>
-              <a:t>2021-04-07</a:t>
+              <a:t>2023-05-05</a:t>
             </a:fld>
             <a:endParaRPr lang="ko-KR" altLang="en-US"/>
           </a:p>
@@ -1325,7 +1327,7 @@
           <a:p>
             <a:fld id="{FB30EDBD-1C2D-4C1E-B459-B60219FAB484}" type="datetimeFigureOut">
               <a:rPr lang="ko-KR" altLang="en-US" smtClean="0"/>
-              <a:t>2021-04-07</a:t>
+              <a:t>2023-05-05</a:t>
             </a:fld>
             <a:endParaRPr lang="ko-KR" altLang="en-US"/>
           </a:p>
@@ -1739,7 +1741,7 @@
           <a:p>
             <a:fld id="{FB30EDBD-1C2D-4C1E-B459-B60219FAB484}" type="datetimeFigureOut">
               <a:rPr lang="ko-KR" altLang="en-US" smtClean="0"/>
-              <a:t>2021-04-07</a:t>
+              <a:t>2023-05-05</a:t>
             </a:fld>
             <a:endParaRPr lang="ko-KR" altLang="en-US"/>
           </a:p>
@@ -1851,7 +1853,7 @@
           <a:p>
             <a:fld id="{FB30EDBD-1C2D-4C1E-B459-B60219FAB484}" type="datetimeFigureOut">
               <a:rPr lang="ko-KR" altLang="en-US" smtClean="0"/>
-              <a:t>2021-04-07</a:t>
+              <a:t>2023-05-05</a:t>
             </a:fld>
             <a:endParaRPr lang="ko-KR" altLang="en-US"/>
           </a:p>
@@ -1941,7 +1943,7 @@
           <a:p>
             <a:fld id="{FB30EDBD-1C2D-4C1E-B459-B60219FAB484}" type="datetimeFigureOut">
               <a:rPr lang="ko-KR" altLang="en-US" smtClean="0"/>
-              <a:t>2021-04-07</a:t>
+              <a:t>2023-05-05</a:t>
             </a:fld>
             <a:endParaRPr lang="ko-KR" altLang="en-US"/>
           </a:p>
@@ -2211,7 +2213,7 @@
           <a:p>
             <a:fld id="{FB30EDBD-1C2D-4C1E-B459-B60219FAB484}" type="datetimeFigureOut">
               <a:rPr lang="ko-KR" altLang="en-US" smtClean="0"/>
-              <a:t>2021-04-07</a:t>
+              <a:t>2023-05-05</a:t>
             </a:fld>
             <a:endParaRPr lang="ko-KR" altLang="en-US"/>
           </a:p>
@@ -2458,7 +2460,7 @@
           <a:p>
             <a:fld id="{FB30EDBD-1C2D-4C1E-B459-B60219FAB484}" type="datetimeFigureOut">
               <a:rPr lang="ko-KR" altLang="en-US" smtClean="0"/>
-              <a:t>2021-04-07</a:t>
+              <a:t>2023-05-05</a:t>
             </a:fld>
             <a:endParaRPr lang="ko-KR" altLang="en-US"/>
           </a:p>
@@ -2664,7 +2666,7 @@
           <a:p>
             <a:fld id="{FB30EDBD-1C2D-4C1E-B459-B60219FAB484}" type="datetimeFigureOut">
               <a:rPr lang="ko-KR" altLang="en-US" smtClean="0"/>
-              <a:t>2021-04-07</a:t>
+              <a:t>2023-05-05</a:t>
             </a:fld>
             <a:endParaRPr lang="ko-KR" altLang="en-US"/>
           </a:p>
@@ -3486,6 +3488,444 @@
           <a:chExt cx="0" cy="0"/>
         </a:xfrm>
       </p:grpSpPr>
+      <p:sp>
+        <p:nvSpPr>
+          <p:cNvPr id="5" name="왼쪽 대괄호 4"/>
+          <p:cNvSpPr/>
+          <p:nvPr/>
+        </p:nvSpPr>
+        <p:spPr>
+          <a:xfrm>
+            <a:off x="3316593" y="2110346"/>
+            <a:ext cx="70794" cy="1935020"/>
+          </a:xfrm>
+          <a:prstGeom prst="leftBracket">
+            <a:avLst>
+              <a:gd name="adj" fmla="val 0"/>
+            </a:avLst>
+          </a:prstGeom>
+          <a:ln w="28575">
+            <a:solidFill>
+              <a:schemeClr val="tx1"/>
+            </a:solidFill>
+          </a:ln>
+        </p:spPr>
+        <p:style>
+          <a:lnRef idx="1">
+            <a:schemeClr val="accent1"/>
+          </a:lnRef>
+          <a:fillRef idx="0">
+            <a:schemeClr val="accent1"/>
+          </a:fillRef>
+          <a:effectRef idx="0">
+            <a:schemeClr val="accent1"/>
+          </a:effectRef>
+          <a:fontRef idx="minor">
+            <a:schemeClr val="tx1"/>
+          </a:fontRef>
+        </p:style>
+        <p:txBody>
+          <a:bodyPr rtlCol="0" anchor="ctr"/>
+          <a:lstStyle/>
+          <a:p>
+            <a:pPr algn="ctr"/>
+            <a:endParaRPr lang="ko-KR" altLang="en-US" sz="1200"/>
+          </a:p>
+        </p:txBody>
+      </p:sp>
+      <p:sp>
+        <p:nvSpPr>
+          <p:cNvPr id="6" name="왼쪽 대괄호 5"/>
+          <p:cNvSpPr/>
+          <p:nvPr/>
+        </p:nvSpPr>
+        <p:spPr>
+          <a:xfrm flipH="1">
+            <a:off x="6134098" y="2110346"/>
+            <a:ext cx="70794" cy="1935020"/>
+          </a:xfrm>
+          <a:prstGeom prst="leftBracket">
+            <a:avLst>
+              <a:gd name="adj" fmla="val 0"/>
+            </a:avLst>
+          </a:prstGeom>
+          <a:ln w="28575">
+            <a:solidFill>
+              <a:schemeClr val="tx1"/>
+            </a:solidFill>
+          </a:ln>
+        </p:spPr>
+        <p:style>
+          <a:lnRef idx="1">
+            <a:schemeClr val="accent1"/>
+          </a:lnRef>
+          <a:fillRef idx="0">
+            <a:schemeClr val="accent1"/>
+          </a:fillRef>
+          <a:effectRef idx="0">
+            <a:schemeClr val="accent1"/>
+          </a:effectRef>
+          <a:fontRef idx="minor">
+            <a:schemeClr val="tx1"/>
+          </a:fontRef>
+        </p:style>
+        <p:txBody>
+          <a:bodyPr rtlCol="0" anchor="ctr"/>
+          <a:lstStyle/>
+          <a:p>
+            <a:pPr algn="ctr"/>
+            <a:endParaRPr lang="ko-KR" altLang="en-US" sz="1200"/>
+          </a:p>
+        </p:txBody>
+      </p:sp>
+      <mc:AlternateContent xmlns:mc="http://schemas.openxmlformats.org/markup-compatibility/2006" xmlns:a14="http://schemas.microsoft.com/office/drawing/2010/main">
+        <mc:Choice Requires="a14">
+          <p:sp>
+            <p:nvSpPr>
+              <p:cNvPr id="8" name="직사각형 7"/>
+              <p:cNvSpPr/>
+              <p:nvPr/>
+            </p:nvSpPr>
+            <p:spPr>
+              <a:xfrm>
+                <a:off x="1973668" y="2799741"/>
+                <a:ext cx="607346" cy="461665"/>
+              </a:xfrm>
+              <a:prstGeom prst="rect">
+                <a:avLst/>
+              </a:prstGeom>
+            </p:spPr>
+            <p:txBody>
+              <a:bodyPr wrap="none">
+                <a:spAutoFit/>
+              </a:bodyPr>
+              <a:lstStyle/>
+              <a:p>
+                <a14:m>
+                  <m:oMath xmlns:m="http://schemas.openxmlformats.org/officeDocument/2006/math">
+                    <m:r>
+                      <a:rPr lang="en-US" altLang="ko-KR" sz="2400" b="0" i="1" smtClean="0">
+                        <a:latin typeface="Cambria Math" panose="02040503050406030204" pitchFamily="18" charset="0"/>
+                      </a:rPr>
+                      <m:t>𝑋</m:t>
+                    </m:r>
+                  </m:oMath>
+                </a14:m>
+                <a:r>
+                  <a:rPr lang="en-US" altLang="ko-KR" sz="2400" dirty="0"/>
+                  <a:t>=</a:t>
+                </a:r>
+                <a:endParaRPr lang="ko-KR" altLang="en-US" sz="2400" dirty="0"/>
+              </a:p>
+            </p:txBody>
+          </p:sp>
+        </mc:Choice>
+        <mc:Fallback xmlns="">
+          <p:sp>
+            <p:nvSpPr>
+              <p:cNvPr id="8" name="직사각형 7"/>
+              <p:cNvSpPr>
+                <a:spLocks noRot="1" noChangeAspect="1" noMove="1" noResize="1" noEditPoints="1" noAdjustHandles="1" noChangeArrowheads="1" noChangeShapeType="1" noTextEdit="1"/>
+              </p:cNvSpPr>
+              <p:nvPr/>
+            </p:nvSpPr>
+            <p:spPr>
+              <a:xfrm>
+                <a:off x="1973668" y="2799741"/>
+                <a:ext cx="607346" cy="461665"/>
+              </a:xfrm>
+              <a:prstGeom prst="rect">
+                <a:avLst/>
+              </a:prstGeom>
+              <a:blipFill>
+                <a:blip r:embed="rId2"/>
+                <a:stretch>
+                  <a:fillRect l="-3030" t="-10526" r="-15152" b="-28947"/>
+                </a:stretch>
+              </a:blipFill>
+            </p:spPr>
+            <p:txBody>
+              <a:bodyPr/>
+              <a:lstStyle/>
+              <a:p>
+                <a:r>
+                  <a:rPr lang="ko-KR" altLang="en-US">
+                    <a:noFill/>
+                  </a:rPr>
+                  <a:t> </a:t>
+                </a:r>
+              </a:p>
+            </p:txBody>
+          </p:sp>
+        </mc:Fallback>
+      </mc:AlternateContent>
+      <p:sp>
+        <p:nvSpPr>
+          <p:cNvPr id="11" name="왼쪽 대괄호 10"/>
+          <p:cNvSpPr/>
+          <p:nvPr/>
+        </p:nvSpPr>
+        <p:spPr>
+          <a:xfrm>
+            <a:off x="3120532" y="2110346"/>
+            <a:ext cx="98030" cy="1935020"/>
+          </a:xfrm>
+          <a:prstGeom prst="leftBracket">
+            <a:avLst>
+              <a:gd name="adj" fmla="val 986960"/>
+            </a:avLst>
+          </a:prstGeom>
+          <a:ln>
+            <a:solidFill>
+              <a:schemeClr val="tx1"/>
+            </a:solidFill>
+            <a:prstDash val="dash"/>
+          </a:ln>
+        </p:spPr>
+        <p:style>
+          <a:lnRef idx="1">
+            <a:schemeClr val="accent1"/>
+          </a:lnRef>
+          <a:fillRef idx="0">
+            <a:schemeClr val="accent1"/>
+          </a:fillRef>
+          <a:effectRef idx="0">
+            <a:schemeClr val="accent1"/>
+          </a:effectRef>
+          <a:fontRef idx="minor">
+            <a:schemeClr val="tx1"/>
+          </a:fontRef>
+        </p:style>
+        <p:txBody>
+          <a:bodyPr rtlCol="0" anchor="ctr"/>
+          <a:lstStyle/>
+          <a:p>
+            <a:pPr algn="ctr"/>
+            <a:endParaRPr lang="ko-KR" altLang="en-US" sz="1200"/>
+          </a:p>
+        </p:txBody>
+      </p:sp>
+      <p:sp>
+        <p:nvSpPr>
+          <p:cNvPr id="12" name="TextBox 11"/>
+          <p:cNvSpPr txBox="1"/>
+          <p:nvPr/>
+        </p:nvSpPr>
+        <p:spPr>
+          <a:xfrm rot="16200000">
+            <a:off x="2480176" y="2939356"/>
+            <a:ext cx="894797" cy="276999"/>
+          </a:xfrm>
+          <a:prstGeom prst="rect">
+            <a:avLst/>
+          </a:prstGeom>
+          <a:noFill/>
+        </p:spPr>
+        <p:txBody>
+          <a:bodyPr wrap="none" rtlCol="0">
+            <a:spAutoFit/>
+          </a:bodyPr>
+          <a:lstStyle/>
+          <a:p>
+            <a:r>
+              <a:rPr lang="en-US" altLang="ko-KR" sz="1200" dirty="0"/>
+              <a:t># samples</a:t>
+            </a:r>
+            <a:endParaRPr lang="ko-KR" altLang="en-US" sz="1200" dirty="0"/>
+          </a:p>
+        </p:txBody>
+      </p:sp>
+      <p:sp>
+        <p:nvSpPr>
+          <p:cNvPr id="13" name="왼쪽 대괄호 12"/>
+          <p:cNvSpPr/>
+          <p:nvPr/>
+        </p:nvSpPr>
+        <p:spPr>
+          <a:xfrm rot="5400000">
+            <a:off x="4745669" y="556900"/>
+            <a:ext cx="98030" cy="2749623"/>
+          </a:xfrm>
+          <a:prstGeom prst="leftBracket">
+            <a:avLst>
+              <a:gd name="adj" fmla="val 986960"/>
+            </a:avLst>
+          </a:prstGeom>
+          <a:ln>
+            <a:solidFill>
+              <a:schemeClr val="tx1"/>
+            </a:solidFill>
+            <a:prstDash val="dash"/>
+          </a:ln>
+        </p:spPr>
+        <p:style>
+          <a:lnRef idx="1">
+            <a:schemeClr val="accent1"/>
+          </a:lnRef>
+          <a:fillRef idx="0">
+            <a:schemeClr val="accent1"/>
+          </a:fillRef>
+          <a:effectRef idx="0">
+            <a:schemeClr val="accent1"/>
+          </a:effectRef>
+          <a:fontRef idx="minor">
+            <a:schemeClr val="tx1"/>
+          </a:fontRef>
+        </p:style>
+        <p:txBody>
+          <a:bodyPr rtlCol="0" anchor="ctr"/>
+          <a:lstStyle/>
+          <a:p>
+            <a:pPr algn="ctr"/>
+            <a:endParaRPr lang="ko-KR" altLang="en-US" sz="1200"/>
+          </a:p>
+        </p:txBody>
+      </p:sp>
+      <p:sp>
+        <p:nvSpPr>
+          <p:cNvPr id="14" name="TextBox 13"/>
+          <p:cNvSpPr txBox="1"/>
+          <p:nvPr/>
+        </p:nvSpPr>
+        <p:spPr>
+          <a:xfrm>
+            <a:off x="4115752" y="1590905"/>
+            <a:ext cx="1464055" cy="276999"/>
+          </a:xfrm>
+          <a:prstGeom prst="rect">
+            <a:avLst/>
+          </a:prstGeom>
+          <a:noFill/>
+        </p:spPr>
+        <p:txBody>
+          <a:bodyPr wrap="none" rtlCol="0">
+            <a:spAutoFit/>
+          </a:bodyPr>
+          <a:lstStyle/>
+          <a:p>
+            <a:r>
+              <a:rPr lang="en-US" altLang="ko-KR" sz="1200" dirty="0"/>
+              <a:t>dimension of data</a:t>
+            </a:r>
+            <a:endParaRPr lang="ko-KR" altLang="en-US" sz="1200" dirty="0"/>
+          </a:p>
+        </p:txBody>
+      </p:sp>
+      <p:sp>
+        <p:nvSpPr>
+          <p:cNvPr id="2" name="사각형: 둥근 모서리 1">
+            <a:extLst>
+              <a:ext uri="{FF2B5EF4-FFF2-40B4-BE49-F238E27FC236}">
+                <a16:creationId xmlns:a16="http://schemas.microsoft.com/office/drawing/2014/main" id="{FC209F36-B5CA-46C1-BD45-C1098DC1330D}"/>
+              </a:ext>
+            </a:extLst>
+          </p:cNvPr>
+          <p:cNvSpPr/>
+          <p:nvPr/>
+        </p:nvSpPr>
+        <p:spPr>
+          <a:xfrm>
+            <a:off x="3419872" y="2162035"/>
+            <a:ext cx="2714226" cy="287491"/>
+          </a:xfrm>
+          <a:prstGeom prst="roundRect">
+            <a:avLst/>
+          </a:prstGeom>
+          <a:solidFill>
+            <a:srgbClr val="ABC3DF"/>
+          </a:solidFill>
+        </p:spPr>
+        <p:style>
+          <a:lnRef idx="2">
+            <a:schemeClr val="accent1">
+              <a:shade val="50000"/>
+            </a:schemeClr>
+          </a:lnRef>
+          <a:fillRef idx="1">
+            <a:schemeClr val="accent1"/>
+          </a:fillRef>
+          <a:effectRef idx="0">
+            <a:schemeClr val="accent1"/>
+          </a:effectRef>
+          <a:fontRef idx="minor">
+            <a:schemeClr val="lt1"/>
+          </a:fontRef>
+        </p:style>
+        <p:txBody>
+          <a:bodyPr rtlCol="0" anchor="ctr"/>
+          <a:lstStyle/>
+          <a:p>
+            <a:pPr algn="ctr"/>
+            <a:endParaRPr lang="ko-KR" altLang="en-US" sz="1600"/>
+          </a:p>
+        </p:txBody>
+      </p:sp>
+      <p:sp>
+        <p:nvSpPr>
+          <p:cNvPr id="31" name="TextBox 30">
+            <a:extLst>
+              <a:ext uri="{FF2B5EF4-FFF2-40B4-BE49-F238E27FC236}">
+                <a16:creationId xmlns:a16="http://schemas.microsoft.com/office/drawing/2014/main" id="{A07A920F-1E30-4921-B8C5-C74B2AE18504}"/>
+              </a:ext>
+            </a:extLst>
+          </p:cNvPr>
+          <p:cNvSpPr txBox="1"/>
+          <p:nvPr/>
+        </p:nvSpPr>
+        <p:spPr>
+          <a:xfrm>
+            <a:off x="3995936" y="2147660"/>
+            <a:ext cx="1622560" cy="307777"/>
+          </a:xfrm>
+          <a:prstGeom prst="rect">
+            <a:avLst/>
+          </a:prstGeom>
+          <a:noFill/>
+        </p:spPr>
+        <p:txBody>
+          <a:bodyPr wrap="none" rtlCol="0">
+            <a:spAutoFit/>
+          </a:bodyPr>
+          <a:lstStyle/>
+          <a:p>
+            <a:r>
+              <a:rPr lang="en-US" altLang="ko-KR" sz="1400" dirty="0"/>
+              <a:t>each data sample</a:t>
+            </a:r>
+            <a:endParaRPr lang="ko-KR" altLang="en-US" sz="1400" dirty="0"/>
+          </a:p>
+        </p:txBody>
+      </p:sp>
+    </p:spTree>
+    <p:extLst>
+      <p:ext uri="{BB962C8B-B14F-4D97-AF65-F5344CB8AC3E}">
+        <p14:creationId xmlns:p14="http://schemas.microsoft.com/office/powerpoint/2010/main" val="2385845771"/>
+      </p:ext>
+    </p:extLst>
+  </p:cSld>
+  <p:clrMapOvr>
+    <a:masterClrMapping/>
+  </p:clrMapOvr>
+</p:sld>
+</file>
+
+<file path=ppt/slides/slide3.xml><?xml version="1.0" encoding="utf-8"?>
+<p:sld xmlns:a="http://schemas.openxmlformats.org/drawingml/2006/main" xmlns:r="http://schemas.openxmlformats.org/officeDocument/2006/relationships" xmlns:p="http://schemas.openxmlformats.org/presentationml/2006/main">
+  <p:cSld>
+    <p:spTree>
+      <p:nvGrpSpPr>
+        <p:cNvPr id="1" name=""/>
+        <p:cNvGrpSpPr/>
+        <p:nvPr/>
+      </p:nvGrpSpPr>
+      <p:grpSpPr>
+        <a:xfrm>
+          <a:off x="0" y="0"/>
+          <a:ext cx="0" cy="0"/>
+          <a:chOff x="0" y="0"/>
+          <a:chExt cx="0" cy="0"/>
+        </a:xfrm>
+      </p:grpSpPr>
       <p:grpSp>
         <p:nvGrpSpPr>
           <p:cNvPr id="33" name="그룹 32">
@@ -4857,6 +5297,1364 @@
     </p:spTree>
     <p:extLst>
       <p:ext uri="{BB962C8B-B14F-4D97-AF65-F5344CB8AC3E}">
+        <p14:creationId xmlns:p14="http://schemas.microsoft.com/office/powerpoint/2010/main" val="912846180"/>
+      </p:ext>
+    </p:extLst>
+  </p:cSld>
+  <p:clrMapOvr>
+    <a:masterClrMapping/>
+  </p:clrMapOvr>
+</p:sld>
+</file>
+
+<file path=ppt/slides/slide4.xml><?xml version="1.0" encoding="utf-8"?>
+<p:sld xmlns:a="http://schemas.openxmlformats.org/drawingml/2006/main" xmlns:r="http://schemas.openxmlformats.org/officeDocument/2006/relationships" xmlns:p="http://schemas.openxmlformats.org/presentationml/2006/main">
+  <p:cSld>
+    <p:spTree>
+      <p:nvGrpSpPr>
+        <p:cNvPr id="1" name=""/>
+        <p:cNvGrpSpPr/>
+        <p:nvPr/>
+      </p:nvGrpSpPr>
+      <p:grpSpPr>
+        <a:xfrm>
+          <a:off x="0" y="0"/>
+          <a:ext cx="0" cy="0"/>
+          <a:chOff x="0" y="0"/>
+          <a:chExt cx="0" cy="0"/>
+        </a:xfrm>
+      </p:grpSpPr>
+      <p:grpSp>
+        <p:nvGrpSpPr>
+          <p:cNvPr id="33" name="그룹 32">
+            <a:extLst>
+              <a:ext uri="{FF2B5EF4-FFF2-40B4-BE49-F238E27FC236}">
+                <a16:creationId xmlns:a16="http://schemas.microsoft.com/office/drawing/2014/main" id="{D0A6680B-9909-4431-8BA1-2FC48D27BDB0}"/>
+              </a:ext>
+            </a:extLst>
+          </p:cNvPr>
+          <p:cNvGrpSpPr/>
+          <p:nvPr/>
+        </p:nvGrpSpPr>
+        <p:grpSpPr>
+          <a:xfrm>
+            <a:off x="233478" y="908720"/>
+            <a:ext cx="8677045" cy="3136645"/>
+            <a:chOff x="179512" y="332656"/>
+            <a:chExt cx="8677045" cy="3136645"/>
+          </a:xfrm>
+        </p:grpSpPr>
+        <mc:AlternateContent xmlns:mc="http://schemas.openxmlformats.org/markup-compatibility/2006" xmlns:a14="http://schemas.microsoft.com/office/drawing/2010/main">
+          <mc:Choice Requires="a14">
+            <p:sp>
+              <p:nvSpPr>
+                <p:cNvPr id="4" name="TextBox 3"/>
+                <p:cNvSpPr txBox="1"/>
+                <p:nvPr/>
+              </p:nvSpPr>
+              <p:spPr>
+                <a:xfrm>
+                  <a:off x="3529888" y="332656"/>
+                  <a:ext cx="2084225" cy="646331"/>
+                </a:xfrm>
+                <a:prstGeom prst="rect">
+                  <a:avLst/>
+                </a:prstGeom>
+                <a:noFill/>
+              </p:spPr>
+              <p:txBody>
+                <a:bodyPr wrap="none" rtlCol="0">
+                  <a:spAutoFit/>
+                </a:bodyPr>
+                <a:lstStyle/>
+                <a:p>
+                  <a:pPr/>
+                  <a14:m>
+                    <m:oMathPara xmlns:m="http://schemas.openxmlformats.org/officeDocument/2006/math">
+                      <m:oMathParaPr>
+                        <m:jc m:val="centerGroup"/>
+                      </m:oMathParaPr>
+                      <m:oMath xmlns:m="http://schemas.openxmlformats.org/officeDocument/2006/math">
+                        <m:r>
+                          <a:rPr lang="en-US" altLang="ko-KR" sz="3600" b="0" i="1" smtClean="0">
+                            <a:latin typeface="Cambria Math"/>
+                          </a:rPr>
+                          <m:t>𝑋</m:t>
+                        </m:r>
+                        <m:r>
+                          <a:rPr lang="en-US" altLang="ko-KR" sz="3600" b="0" i="1" smtClean="0">
+                            <a:latin typeface="Cambria Math"/>
+                          </a:rPr>
+                          <m:t>=</m:t>
+                        </m:r>
+                        <m:r>
+                          <a:rPr lang="en-US" altLang="ko-KR" sz="3600" b="0" i="1" smtClean="0">
+                            <a:latin typeface="Cambria Math"/>
+                          </a:rPr>
+                          <m:t>𝑊𝐻</m:t>
+                        </m:r>
+                      </m:oMath>
+                    </m:oMathPara>
+                  </a14:m>
+                  <a:endParaRPr lang="ko-KR" altLang="en-US" sz="3600" dirty="0"/>
+                </a:p>
+              </p:txBody>
+            </p:sp>
+          </mc:Choice>
+          <mc:Fallback xmlns="">
+            <p:sp>
+              <p:nvSpPr>
+                <p:cNvPr id="4" name="TextBox 3"/>
+                <p:cNvSpPr txBox="1">
+                  <a:spLocks noRot="1" noChangeAspect="1" noMove="1" noResize="1" noEditPoints="1" noAdjustHandles="1" noChangeArrowheads="1" noChangeShapeType="1" noTextEdit="1"/>
+                </p:cNvSpPr>
+                <p:nvPr/>
+              </p:nvSpPr>
+              <p:spPr>
+                <a:xfrm>
+                  <a:off x="3529888" y="332656"/>
+                  <a:ext cx="2084225" cy="646331"/>
+                </a:xfrm>
+                <a:prstGeom prst="rect">
+                  <a:avLst/>
+                </a:prstGeom>
+                <a:blipFill>
+                  <a:blip r:embed="rId2"/>
+                  <a:stretch>
+                    <a:fillRect/>
+                  </a:stretch>
+                </a:blipFill>
+              </p:spPr>
+              <p:txBody>
+                <a:bodyPr/>
+                <a:lstStyle/>
+                <a:p>
+                  <a:r>
+                    <a:rPr lang="ko-KR" altLang="en-US">
+                      <a:noFill/>
+                    </a:rPr>
+                    <a:t> </a:t>
+                  </a:r>
+                </a:p>
+              </p:txBody>
+            </p:sp>
+          </mc:Fallback>
+        </mc:AlternateContent>
+        <p:grpSp>
+          <p:nvGrpSpPr>
+            <p:cNvPr id="32" name="그룹 31">
+              <a:extLst>
+                <a:ext uri="{FF2B5EF4-FFF2-40B4-BE49-F238E27FC236}">
+                  <a16:creationId xmlns:a16="http://schemas.microsoft.com/office/drawing/2014/main" id="{9D47EA66-7FA1-4715-852D-760A83A00070}"/>
+                </a:ext>
+              </a:extLst>
+            </p:cNvPr>
+            <p:cNvGrpSpPr/>
+            <p:nvPr/>
+          </p:nvGrpSpPr>
+          <p:grpSpPr>
+            <a:xfrm>
+              <a:off x="179512" y="978987"/>
+              <a:ext cx="8677045" cy="2490314"/>
+              <a:chOff x="-288621" y="917996"/>
+              <a:chExt cx="9289320" cy="2666037"/>
+            </a:xfrm>
+          </p:grpSpPr>
+          <p:sp>
+            <p:nvSpPr>
+              <p:cNvPr id="5" name="왼쪽 대괄호 4"/>
+              <p:cNvSpPr/>
+              <p:nvPr/>
+            </p:nvSpPr>
+            <p:spPr>
+              <a:xfrm>
+                <a:off x="1149064" y="1512473"/>
+                <a:ext cx="75789" cy="2071560"/>
+              </a:xfrm>
+              <a:prstGeom prst="leftBracket">
+                <a:avLst>
+                  <a:gd name="adj" fmla="val 0"/>
+                </a:avLst>
+              </a:prstGeom>
+              <a:ln w="28575">
+                <a:solidFill>
+                  <a:schemeClr val="tx1"/>
+                </a:solidFill>
+              </a:ln>
+            </p:spPr>
+            <p:style>
+              <a:lnRef idx="1">
+                <a:schemeClr val="accent1"/>
+              </a:lnRef>
+              <a:fillRef idx="0">
+                <a:schemeClr val="accent1"/>
+              </a:fillRef>
+              <a:effectRef idx="0">
+                <a:schemeClr val="accent1"/>
+              </a:effectRef>
+              <a:fontRef idx="minor">
+                <a:schemeClr val="tx1"/>
+              </a:fontRef>
+            </p:style>
+            <p:txBody>
+              <a:bodyPr rtlCol="0" anchor="ctr"/>
+              <a:lstStyle/>
+              <a:p>
+                <a:pPr algn="ctr"/>
+                <a:endParaRPr lang="ko-KR" altLang="en-US" sz="1200"/>
+              </a:p>
+            </p:txBody>
+          </p:sp>
+          <p:sp>
+            <p:nvSpPr>
+              <p:cNvPr id="6" name="왼쪽 대괄호 5"/>
+              <p:cNvSpPr/>
+              <p:nvPr/>
+            </p:nvSpPr>
+            <p:spPr>
+              <a:xfrm flipH="1">
+                <a:off x="4165380" y="1512473"/>
+                <a:ext cx="75789" cy="2071560"/>
+              </a:xfrm>
+              <a:prstGeom prst="leftBracket">
+                <a:avLst>
+                  <a:gd name="adj" fmla="val 0"/>
+                </a:avLst>
+              </a:prstGeom>
+              <a:ln w="28575">
+                <a:solidFill>
+                  <a:schemeClr val="tx1"/>
+                </a:solidFill>
+              </a:ln>
+            </p:spPr>
+            <p:style>
+              <a:lnRef idx="1">
+                <a:schemeClr val="accent1"/>
+              </a:lnRef>
+              <a:fillRef idx="0">
+                <a:schemeClr val="accent1"/>
+              </a:fillRef>
+              <a:effectRef idx="0">
+                <a:schemeClr val="accent1"/>
+              </a:effectRef>
+              <a:fontRef idx="minor">
+                <a:schemeClr val="tx1"/>
+              </a:fontRef>
+            </p:style>
+            <p:txBody>
+              <a:bodyPr rtlCol="0" anchor="ctr"/>
+              <a:lstStyle/>
+              <a:p>
+                <a:pPr algn="ctr"/>
+                <a:endParaRPr lang="ko-KR" altLang="en-US" sz="1200"/>
+              </a:p>
+            </p:txBody>
+          </p:sp>
+          <mc:AlternateContent xmlns:mc="http://schemas.openxmlformats.org/markup-compatibility/2006" xmlns:a14="http://schemas.microsoft.com/office/drawing/2010/main">
+            <mc:Choice Requires="a14">
+              <p:sp>
+                <p:nvSpPr>
+                  <p:cNvPr id="8" name="직사각형 7"/>
+                  <p:cNvSpPr/>
+                  <p:nvPr/>
+                </p:nvSpPr>
+                <p:spPr>
+                  <a:xfrm>
+                    <a:off x="-288621" y="2250513"/>
+                    <a:ext cx="754611" cy="494241"/>
+                  </a:xfrm>
+                  <a:prstGeom prst="rect">
+                    <a:avLst/>
+                  </a:prstGeom>
+                </p:spPr>
+                <p:txBody>
+                  <a:bodyPr wrap="none">
+                    <a:spAutoFit/>
+                  </a:bodyPr>
+                  <a:lstStyle/>
+                  <a:p>
+                    <a14:m>
+                      <m:oMath xmlns:m="http://schemas.openxmlformats.org/officeDocument/2006/math">
+                        <m:r>
+                          <a:rPr lang="en-US" altLang="ko-KR" sz="2400" i="1">
+                            <a:latin typeface="Cambria Math"/>
+                          </a:rPr>
+                          <m:t>𝑊</m:t>
+                        </m:r>
+                      </m:oMath>
+                    </a14:m>
+                    <a:r>
+                      <a:rPr lang="en-US" altLang="ko-KR" sz="2400" dirty="0"/>
+                      <a:t>=</a:t>
+                    </a:r>
+                    <a:endParaRPr lang="ko-KR" altLang="en-US" sz="2400" dirty="0"/>
+                  </a:p>
+                </p:txBody>
+              </p:sp>
+            </mc:Choice>
+            <mc:Fallback xmlns="">
+              <p:sp>
+                <p:nvSpPr>
+                  <p:cNvPr id="8" name="직사각형 7"/>
+                  <p:cNvSpPr>
+                    <a:spLocks noRot="1" noChangeAspect="1" noMove="1" noResize="1" noEditPoints="1" noAdjustHandles="1" noChangeArrowheads="1" noChangeShapeType="1" noTextEdit="1"/>
+                  </p:cNvSpPr>
+                  <p:nvPr/>
+                </p:nvSpPr>
+                <p:spPr>
+                  <a:xfrm>
+                    <a:off x="-288621" y="2250513"/>
+                    <a:ext cx="754611" cy="494241"/>
+                  </a:xfrm>
+                  <a:prstGeom prst="rect">
+                    <a:avLst/>
+                  </a:prstGeom>
+                  <a:blipFill>
+                    <a:blip r:embed="rId3"/>
+                    <a:stretch>
+                      <a:fillRect l="-1724" t="-10526" r="-12069" b="-28947"/>
+                    </a:stretch>
+                  </a:blipFill>
+                </p:spPr>
+                <p:txBody>
+                  <a:bodyPr/>
+                  <a:lstStyle/>
+                  <a:p>
+                    <a:r>
+                      <a:rPr lang="ko-KR" altLang="en-US">
+                        <a:noFill/>
+                      </a:rPr>
+                      <a:t> </a:t>
+                    </a:r>
+                  </a:p>
+                </p:txBody>
+              </p:sp>
+            </mc:Fallback>
+          </mc:AlternateContent>
+          <p:sp>
+            <p:nvSpPr>
+              <p:cNvPr id="11" name="왼쪽 대괄호 10"/>
+              <p:cNvSpPr/>
+              <p:nvPr/>
+            </p:nvSpPr>
+            <p:spPr>
+              <a:xfrm>
+                <a:off x="939169" y="1512473"/>
+                <a:ext cx="104947" cy="2071560"/>
+              </a:xfrm>
+              <a:prstGeom prst="leftBracket">
+                <a:avLst>
+                  <a:gd name="adj" fmla="val 986960"/>
+                </a:avLst>
+              </a:prstGeom>
+              <a:ln>
+                <a:solidFill>
+                  <a:schemeClr val="tx1"/>
+                </a:solidFill>
+                <a:prstDash val="dash"/>
+              </a:ln>
+            </p:spPr>
+            <p:style>
+              <a:lnRef idx="1">
+                <a:schemeClr val="accent1"/>
+              </a:lnRef>
+              <a:fillRef idx="0">
+                <a:schemeClr val="accent1"/>
+              </a:fillRef>
+              <a:effectRef idx="0">
+                <a:schemeClr val="accent1"/>
+              </a:effectRef>
+              <a:fontRef idx="minor">
+                <a:schemeClr val="tx1"/>
+              </a:fontRef>
+            </p:style>
+            <p:txBody>
+              <a:bodyPr rtlCol="0" anchor="ctr"/>
+              <a:lstStyle/>
+              <a:p>
+                <a:pPr algn="ctr"/>
+                <a:endParaRPr lang="ko-KR" altLang="en-US" sz="1200"/>
+              </a:p>
+            </p:txBody>
+          </p:sp>
+          <p:sp>
+            <p:nvSpPr>
+              <p:cNvPr id="12" name="TextBox 11"/>
+              <p:cNvSpPr txBox="1"/>
+              <p:nvPr/>
+            </p:nvSpPr>
+            <p:spPr>
+              <a:xfrm rot="16200000">
+                <a:off x="253628" y="2399980"/>
+                <a:ext cx="957936" cy="296545"/>
+              </a:xfrm>
+              <a:prstGeom prst="rect">
+                <a:avLst/>
+              </a:prstGeom>
+              <a:noFill/>
+            </p:spPr>
+            <p:txBody>
+              <a:bodyPr wrap="none" rtlCol="0">
+                <a:spAutoFit/>
+              </a:bodyPr>
+              <a:lstStyle/>
+              <a:p>
+                <a:r>
+                  <a:rPr lang="en-US" altLang="ko-KR" sz="1200" dirty="0"/>
+                  <a:t># samples</a:t>
+                </a:r>
+                <a:endParaRPr lang="ko-KR" altLang="en-US" sz="1200" dirty="0"/>
+              </a:p>
+            </p:txBody>
+          </p:sp>
+          <p:sp>
+            <p:nvSpPr>
+              <p:cNvPr id="13" name="왼쪽 대괄호 12"/>
+              <p:cNvSpPr/>
+              <p:nvPr/>
+            </p:nvSpPr>
+            <p:spPr>
+              <a:xfrm rot="5400000">
+                <a:off x="2678980" y="-150588"/>
+                <a:ext cx="104947" cy="2943644"/>
+              </a:xfrm>
+              <a:prstGeom prst="leftBracket">
+                <a:avLst>
+                  <a:gd name="adj" fmla="val 986960"/>
+                </a:avLst>
+              </a:prstGeom>
+              <a:ln>
+                <a:solidFill>
+                  <a:schemeClr val="tx1"/>
+                </a:solidFill>
+                <a:prstDash val="dash"/>
+              </a:ln>
+            </p:spPr>
+            <p:style>
+              <a:lnRef idx="1">
+                <a:schemeClr val="accent1"/>
+              </a:lnRef>
+              <a:fillRef idx="0">
+                <a:schemeClr val="accent1"/>
+              </a:fillRef>
+              <a:effectRef idx="0">
+                <a:schemeClr val="accent1"/>
+              </a:effectRef>
+              <a:fontRef idx="minor">
+                <a:schemeClr val="tx1"/>
+              </a:fontRef>
+            </p:style>
+            <p:txBody>
+              <a:bodyPr rtlCol="0" anchor="ctr"/>
+              <a:lstStyle/>
+              <a:p>
+                <a:pPr algn="ctr"/>
+                <a:endParaRPr lang="ko-KR" altLang="en-US" sz="1200"/>
+              </a:p>
+            </p:txBody>
+          </p:sp>
+          <p:sp>
+            <p:nvSpPr>
+              <p:cNvPr id="14" name="TextBox 13"/>
+              <p:cNvSpPr txBox="1"/>
+              <p:nvPr/>
+            </p:nvSpPr>
+            <p:spPr>
+              <a:xfrm>
+                <a:off x="2004614" y="956379"/>
+                <a:ext cx="948738" cy="296545"/>
+              </a:xfrm>
+              <a:prstGeom prst="rect">
+                <a:avLst/>
+              </a:prstGeom>
+              <a:noFill/>
+            </p:spPr>
+            <p:txBody>
+              <a:bodyPr wrap="none" rtlCol="0">
+                <a:spAutoFit/>
+              </a:bodyPr>
+              <a:lstStyle/>
+              <a:p>
+                <a:r>
+                  <a:rPr lang="en-US" altLang="ko-KR" sz="1200" dirty="0"/>
+                  <a:t># features</a:t>
+                </a:r>
+                <a:endParaRPr lang="ko-KR" altLang="en-US" sz="1200" dirty="0"/>
+              </a:p>
+            </p:txBody>
+          </p:sp>
+          <p:sp>
+            <p:nvSpPr>
+              <p:cNvPr id="16" name="왼쪽 대괄호 15"/>
+              <p:cNvSpPr/>
+              <p:nvPr/>
+            </p:nvSpPr>
+            <p:spPr>
+              <a:xfrm>
+                <a:off x="5908594" y="1474090"/>
+                <a:ext cx="75789" cy="2071560"/>
+              </a:xfrm>
+              <a:prstGeom prst="leftBracket">
+                <a:avLst>
+                  <a:gd name="adj" fmla="val 0"/>
+                </a:avLst>
+              </a:prstGeom>
+              <a:ln w="28575">
+                <a:solidFill>
+                  <a:schemeClr val="tx1"/>
+                </a:solidFill>
+              </a:ln>
+            </p:spPr>
+            <p:style>
+              <a:lnRef idx="1">
+                <a:schemeClr val="accent1"/>
+              </a:lnRef>
+              <a:fillRef idx="0">
+                <a:schemeClr val="accent1"/>
+              </a:fillRef>
+              <a:effectRef idx="0">
+                <a:schemeClr val="accent1"/>
+              </a:effectRef>
+              <a:fontRef idx="minor">
+                <a:schemeClr val="tx1"/>
+              </a:fontRef>
+            </p:style>
+            <p:txBody>
+              <a:bodyPr rtlCol="0" anchor="ctr"/>
+              <a:lstStyle/>
+              <a:p>
+                <a:pPr algn="ctr"/>
+                <a:endParaRPr lang="ko-KR" altLang="en-US" sz="1200"/>
+              </a:p>
+            </p:txBody>
+          </p:sp>
+          <p:sp>
+            <p:nvSpPr>
+              <p:cNvPr id="17" name="왼쪽 대괄호 16"/>
+              <p:cNvSpPr/>
+              <p:nvPr/>
+            </p:nvSpPr>
+            <p:spPr>
+              <a:xfrm flipH="1">
+                <a:off x="8924910" y="1474090"/>
+                <a:ext cx="75789" cy="2071560"/>
+              </a:xfrm>
+              <a:prstGeom prst="leftBracket">
+                <a:avLst>
+                  <a:gd name="adj" fmla="val 0"/>
+                </a:avLst>
+              </a:prstGeom>
+              <a:ln w="28575">
+                <a:solidFill>
+                  <a:schemeClr val="tx1"/>
+                </a:solidFill>
+              </a:ln>
+            </p:spPr>
+            <p:style>
+              <a:lnRef idx="1">
+                <a:schemeClr val="accent1"/>
+              </a:lnRef>
+              <a:fillRef idx="0">
+                <a:schemeClr val="accent1"/>
+              </a:fillRef>
+              <a:effectRef idx="0">
+                <a:schemeClr val="accent1"/>
+              </a:effectRef>
+              <a:fontRef idx="minor">
+                <a:schemeClr val="tx1"/>
+              </a:fontRef>
+            </p:style>
+            <p:txBody>
+              <a:bodyPr rtlCol="0" anchor="ctr"/>
+              <a:lstStyle/>
+              <a:p>
+                <a:pPr algn="ctr"/>
+                <a:endParaRPr lang="ko-KR" altLang="en-US" sz="1200"/>
+              </a:p>
+            </p:txBody>
+          </p:sp>
+          <mc:AlternateContent xmlns:mc="http://schemas.openxmlformats.org/markup-compatibility/2006" xmlns:a14="http://schemas.microsoft.com/office/drawing/2010/main">
+            <mc:Choice Requires="a14">
+              <p:sp>
+                <p:nvSpPr>
+                  <p:cNvPr id="18" name="직사각형 17"/>
+                  <p:cNvSpPr/>
+                  <p:nvPr/>
+                </p:nvSpPr>
+                <p:spPr>
+                  <a:xfrm>
+                    <a:off x="4470909" y="2212130"/>
+                    <a:ext cx="679307" cy="494241"/>
+                  </a:xfrm>
+                  <a:prstGeom prst="rect">
+                    <a:avLst/>
+                  </a:prstGeom>
+                </p:spPr>
+                <p:txBody>
+                  <a:bodyPr wrap="none">
+                    <a:spAutoFit/>
+                  </a:bodyPr>
+                  <a:lstStyle/>
+                  <a:p>
+                    <a14:m>
+                      <m:oMath xmlns:m="http://schemas.openxmlformats.org/officeDocument/2006/math">
+                        <m:r>
+                          <a:rPr lang="en-US" altLang="ko-KR" sz="2400" b="0" i="1" smtClean="0">
+                            <a:latin typeface="Cambria Math"/>
+                          </a:rPr>
+                          <m:t>𝐻</m:t>
+                        </m:r>
+                      </m:oMath>
+                    </a14:m>
+                    <a:r>
+                      <a:rPr lang="en-US" altLang="ko-KR" sz="2400" dirty="0"/>
+                      <a:t>=</a:t>
+                    </a:r>
+                    <a:endParaRPr lang="ko-KR" altLang="en-US" sz="2400" dirty="0"/>
+                  </a:p>
+                </p:txBody>
+              </p:sp>
+            </mc:Choice>
+            <mc:Fallback xmlns="">
+              <p:sp>
+                <p:nvSpPr>
+                  <p:cNvPr id="18" name="직사각형 17"/>
+                  <p:cNvSpPr>
+                    <a:spLocks noRot="1" noChangeAspect="1" noMove="1" noResize="1" noEditPoints="1" noAdjustHandles="1" noChangeArrowheads="1" noChangeShapeType="1" noTextEdit="1"/>
+                  </p:cNvSpPr>
+                  <p:nvPr/>
+                </p:nvSpPr>
+                <p:spPr>
+                  <a:xfrm>
+                    <a:off x="4470909" y="2212130"/>
+                    <a:ext cx="679307" cy="494241"/>
+                  </a:xfrm>
+                  <a:prstGeom prst="rect">
+                    <a:avLst/>
+                  </a:prstGeom>
+                  <a:blipFill>
+                    <a:blip r:embed="rId4"/>
+                    <a:stretch>
+                      <a:fillRect l="-2885" t="-10526" r="-13462" b="-28947"/>
+                    </a:stretch>
+                  </a:blipFill>
+                </p:spPr>
+                <p:txBody>
+                  <a:bodyPr/>
+                  <a:lstStyle/>
+                  <a:p>
+                    <a:r>
+                      <a:rPr lang="ko-KR" altLang="en-US">
+                        <a:noFill/>
+                      </a:rPr>
+                      <a:t> </a:t>
+                    </a:r>
+                  </a:p>
+                </p:txBody>
+              </p:sp>
+            </mc:Fallback>
+          </mc:AlternateContent>
+          <p:sp>
+            <p:nvSpPr>
+              <p:cNvPr id="19" name="왼쪽 대괄호 18"/>
+              <p:cNvSpPr/>
+              <p:nvPr/>
+            </p:nvSpPr>
+            <p:spPr>
+              <a:xfrm>
+                <a:off x="5698699" y="1474090"/>
+                <a:ext cx="104947" cy="2071560"/>
+              </a:xfrm>
+              <a:prstGeom prst="leftBracket">
+                <a:avLst>
+                  <a:gd name="adj" fmla="val 986960"/>
+                </a:avLst>
+              </a:prstGeom>
+              <a:ln>
+                <a:solidFill>
+                  <a:schemeClr val="tx1"/>
+                </a:solidFill>
+                <a:prstDash val="dash"/>
+              </a:ln>
+            </p:spPr>
+            <p:style>
+              <a:lnRef idx="1">
+                <a:schemeClr val="accent1"/>
+              </a:lnRef>
+              <a:fillRef idx="0">
+                <a:schemeClr val="accent1"/>
+              </a:fillRef>
+              <a:effectRef idx="0">
+                <a:schemeClr val="accent1"/>
+              </a:effectRef>
+              <a:fontRef idx="minor">
+                <a:schemeClr val="tx1"/>
+              </a:fontRef>
+            </p:style>
+            <p:txBody>
+              <a:bodyPr rtlCol="0" anchor="ctr"/>
+              <a:lstStyle/>
+              <a:p>
+                <a:pPr algn="ctr"/>
+                <a:endParaRPr lang="ko-KR" altLang="en-US" sz="1200"/>
+              </a:p>
+            </p:txBody>
+          </p:sp>
+          <p:sp>
+            <p:nvSpPr>
+              <p:cNvPr id="20" name="TextBox 19"/>
+              <p:cNvSpPr txBox="1"/>
+              <p:nvPr/>
+            </p:nvSpPr>
+            <p:spPr>
+              <a:xfrm rot="16200000">
+                <a:off x="5018120" y="2325467"/>
+                <a:ext cx="948738" cy="296545"/>
+              </a:xfrm>
+              <a:prstGeom prst="rect">
+                <a:avLst/>
+              </a:prstGeom>
+              <a:noFill/>
+            </p:spPr>
+            <p:txBody>
+              <a:bodyPr wrap="none" rtlCol="0">
+                <a:spAutoFit/>
+              </a:bodyPr>
+              <a:lstStyle/>
+              <a:p>
+                <a:r>
+                  <a:rPr lang="en-US" altLang="ko-KR" sz="1200" dirty="0"/>
+                  <a:t># features</a:t>
+                </a:r>
+                <a:endParaRPr lang="ko-KR" altLang="en-US" sz="1200" dirty="0"/>
+              </a:p>
+            </p:txBody>
+          </p:sp>
+          <p:sp>
+            <p:nvSpPr>
+              <p:cNvPr id="21" name="왼쪽 대괄호 20"/>
+              <p:cNvSpPr/>
+              <p:nvPr/>
+            </p:nvSpPr>
+            <p:spPr>
+              <a:xfrm rot="5400000">
+                <a:off x="7438510" y="-188970"/>
+                <a:ext cx="104947" cy="2943644"/>
+              </a:xfrm>
+              <a:prstGeom prst="leftBracket">
+                <a:avLst>
+                  <a:gd name="adj" fmla="val 986960"/>
+                </a:avLst>
+              </a:prstGeom>
+              <a:ln>
+                <a:solidFill>
+                  <a:schemeClr val="tx1"/>
+                </a:solidFill>
+                <a:prstDash val="dash"/>
+              </a:ln>
+            </p:spPr>
+            <p:style>
+              <a:lnRef idx="1">
+                <a:schemeClr val="accent1"/>
+              </a:lnRef>
+              <a:fillRef idx="0">
+                <a:schemeClr val="accent1"/>
+              </a:fillRef>
+              <a:effectRef idx="0">
+                <a:schemeClr val="accent1"/>
+              </a:effectRef>
+              <a:fontRef idx="minor">
+                <a:schemeClr val="tx1"/>
+              </a:fontRef>
+            </p:style>
+            <p:txBody>
+              <a:bodyPr rtlCol="0" anchor="ctr"/>
+              <a:lstStyle/>
+              <a:p>
+                <a:pPr algn="ctr"/>
+                <a:endParaRPr lang="ko-KR" altLang="en-US" sz="1200"/>
+              </a:p>
+            </p:txBody>
+          </p:sp>
+          <p:sp>
+            <p:nvSpPr>
+              <p:cNvPr id="22" name="TextBox 21"/>
+              <p:cNvSpPr txBox="1"/>
+              <p:nvPr/>
+            </p:nvSpPr>
+            <p:spPr>
+              <a:xfrm>
+                <a:off x="6745800" y="917996"/>
+                <a:ext cx="1567363" cy="296545"/>
+              </a:xfrm>
+              <a:prstGeom prst="rect">
+                <a:avLst/>
+              </a:prstGeom>
+              <a:noFill/>
+            </p:spPr>
+            <p:txBody>
+              <a:bodyPr wrap="none" rtlCol="0">
+                <a:spAutoFit/>
+              </a:bodyPr>
+              <a:lstStyle/>
+              <a:p>
+                <a:r>
+                  <a:rPr lang="en-US" altLang="ko-KR" sz="1200" dirty="0"/>
+                  <a:t>dimension of data</a:t>
+                </a:r>
+                <a:endParaRPr lang="ko-KR" altLang="en-US" sz="1200" dirty="0"/>
+              </a:p>
+            </p:txBody>
+          </p:sp>
+          <p:sp>
+            <p:nvSpPr>
+              <p:cNvPr id="2" name="사각형: 둥근 모서리 1">
+                <a:extLst>
+                  <a:ext uri="{FF2B5EF4-FFF2-40B4-BE49-F238E27FC236}">
+                    <a16:creationId xmlns:a16="http://schemas.microsoft.com/office/drawing/2014/main" id="{FC209F36-B5CA-46C1-BD45-C1098DC1330D}"/>
+                  </a:ext>
+                </a:extLst>
+              </p:cNvPr>
+              <p:cNvSpPr/>
+              <p:nvPr/>
+            </p:nvSpPr>
+            <p:spPr>
+              <a:xfrm>
+                <a:off x="1259631" y="1567809"/>
+                <a:ext cx="2905749" cy="307777"/>
+              </a:xfrm>
+              <a:prstGeom prst="roundRect">
+                <a:avLst/>
+              </a:prstGeom>
+              <a:solidFill>
+                <a:srgbClr val="ABC3DF"/>
+              </a:solidFill>
+            </p:spPr>
+            <p:style>
+              <a:lnRef idx="2">
+                <a:schemeClr val="accent1">
+                  <a:shade val="50000"/>
+                </a:schemeClr>
+              </a:lnRef>
+              <a:fillRef idx="1">
+                <a:schemeClr val="accent1"/>
+              </a:fillRef>
+              <a:effectRef idx="0">
+                <a:schemeClr val="accent1"/>
+              </a:effectRef>
+              <a:fontRef idx="minor">
+                <a:schemeClr val="lt1"/>
+              </a:fontRef>
+            </p:style>
+            <p:txBody>
+              <a:bodyPr rtlCol="0" anchor="ctr"/>
+              <a:lstStyle/>
+              <a:p>
+                <a:pPr algn="ctr"/>
+                <a:endParaRPr lang="ko-KR" altLang="en-US" sz="1600"/>
+              </a:p>
+            </p:txBody>
+          </p:sp>
+          <p:cxnSp>
+            <p:nvCxnSpPr>
+              <p:cNvPr id="7" name="직선 화살표 연결선 6">
+                <a:extLst>
+                  <a:ext uri="{FF2B5EF4-FFF2-40B4-BE49-F238E27FC236}">
+                    <a16:creationId xmlns:a16="http://schemas.microsoft.com/office/drawing/2014/main" id="{61B08E4E-F251-4964-8F09-9BF3A99A4BCC}"/>
+                  </a:ext>
+                </a:extLst>
+              </p:cNvPr>
+              <p:cNvCxnSpPr/>
+              <p:nvPr/>
+            </p:nvCxnSpPr>
+            <p:spPr>
+              <a:xfrm flipV="1">
+                <a:off x="1470865" y="1999857"/>
+                <a:ext cx="0" cy="360040"/>
+              </a:xfrm>
+              <a:prstGeom prst="straightConnector1">
+                <a:avLst/>
+              </a:prstGeom>
+              <a:ln>
+                <a:tailEnd type="triangle"/>
+              </a:ln>
+            </p:spPr>
+            <p:style>
+              <a:lnRef idx="1">
+                <a:schemeClr val="accent1"/>
+              </a:lnRef>
+              <a:fillRef idx="0">
+                <a:schemeClr val="accent1"/>
+              </a:fillRef>
+              <a:effectRef idx="0">
+                <a:schemeClr val="accent1"/>
+              </a:effectRef>
+              <a:fontRef idx="minor">
+                <a:schemeClr val="tx1"/>
+              </a:fontRef>
+            </p:style>
+          </p:cxnSp>
+          <p:cxnSp>
+            <p:nvCxnSpPr>
+              <p:cNvPr id="23" name="직선 화살표 연결선 22">
+                <a:extLst>
+                  <a:ext uri="{FF2B5EF4-FFF2-40B4-BE49-F238E27FC236}">
+                    <a16:creationId xmlns:a16="http://schemas.microsoft.com/office/drawing/2014/main" id="{08418E40-7399-41A0-8FA5-D047100580B0}"/>
+                  </a:ext>
+                </a:extLst>
+              </p:cNvPr>
+              <p:cNvCxnSpPr/>
+              <p:nvPr/>
+            </p:nvCxnSpPr>
+            <p:spPr>
+              <a:xfrm flipV="1">
+                <a:off x="1785536" y="1999857"/>
+                <a:ext cx="0" cy="360040"/>
+              </a:xfrm>
+              <a:prstGeom prst="straightConnector1">
+                <a:avLst/>
+              </a:prstGeom>
+              <a:ln>
+                <a:tailEnd type="triangle"/>
+              </a:ln>
+            </p:spPr>
+            <p:style>
+              <a:lnRef idx="1">
+                <a:schemeClr val="accent1"/>
+              </a:lnRef>
+              <a:fillRef idx="0">
+                <a:schemeClr val="accent1"/>
+              </a:fillRef>
+              <a:effectRef idx="0">
+                <a:schemeClr val="accent1"/>
+              </a:effectRef>
+              <a:fontRef idx="minor">
+                <a:schemeClr val="tx1"/>
+              </a:fontRef>
+            </p:style>
+          </p:cxnSp>
+          <p:cxnSp>
+            <p:nvCxnSpPr>
+              <p:cNvPr id="24" name="직선 화살표 연결선 23">
+                <a:extLst>
+                  <a:ext uri="{FF2B5EF4-FFF2-40B4-BE49-F238E27FC236}">
+                    <a16:creationId xmlns:a16="http://schemas.microsoft.com/office/drawing/2014/main" id="{3B681F49-1E66-4F2C-A2D8-8C5D0CE40D93}"/>
+                  </a:ext>
+                </a:extLst>
+              </p:cNvPr>
+              <p:cNvCxnSpPr/>
+              <p:nvPr/>
+            </p:nvCxnSpPr>
+            <p:spPr>
+              <a:xfrm flipV="1">
+                <a:off x="2100207" y="1999857"/>
+                <a:ext cx="0" cy="360040"/>
+              </a:xfrm>
+              <a:prstGeom prst="straightConnector1">
+                <a:avLst/>
+              </a:prstGeom>
+              <a:ln>
+                <a:tailEnd type="triangle"/>
+              </a:ln>
+            </p:spPr>
+            <p:style>
+              <a:lnRef idx="1">
+                <a:schemeClr val="accent1"/>
+              </a:lnRef>
+              <a:fillRef idx="0">
+                <a:schemeClr val="accent1"/>
+              </a:fillRef>
+              <a:effectRef idx="0">
+                <a:schemeClr val="accent1"/>
+              </a:effectRef>
+              <a:fontRef idx="minor">
+                <a:schemeClr val="tx1"/>
+              </a:fontRef>
+            </p:style>
+          </p:cxnSp>
+          <p:cxnSp>
+            <p:nvCxnSpPr>
+              <p:cNvPr id="25" name="직선 화살표 연결선 24">
+                <a:extLst>
+                  <a:ext uri="{FF2B5EF4-FFF2-40B4-BE49-F238E27FC236}">
+                    <a16:creationId xmlns:a16="http://schemas.microsoft.com/office/drawing/2014/main" id="{213B8A83-2F28-4BA8-8CE1-5FF744DC7427}"/>
+                  </a:ext>
+                </a:extLst>
+              </p:cNvPr>
+              <p:cNvCxnSpPr/>
+              <p:nvPr/>
+            </p:nvCxnSpPr>
+            <p:spPr>
+              <a:xfrm flipV="1">
+                <a:off x="3881129" y="1999857"/>
+                <a:ext cx="0" cy="360040"/>
+              </a:xfrm>
+              <a:prstGeom prst="straightConnector1">
+                <a:avLst/>
+              </a:prstGeom>
+              <a:ln>
+                <a:tailEnd type="triangle"/>
+              </a:ln>
+            </p:spPr>
+            <p:style>
+              <a:lnRef idx="1">
+                <a:schemeClr val="accent1"/>
+              </a:lnRef>
+              <a:fillRef idx="0">
+                <a:schemeClr val="accent1"/>
+              </a:fillRef>
+              <a:effectRef idx="0">
+                <a:schemeClr val="accent1"/>
+              </a:effectRef>
+              <a:fontRef idx="minor">
+                <a:schemeClr val="tx1"/>
+              </a:fontRef>
+            </p:style>
+          </p:cxnSp>
+          <mc:AlternateContent xmlns:mc="http://schemas.openxmlformats.org/markup-compatibility/2006" xmlns:a14="http://schemas.microsoft.com/office/drawing/2010/main">
+            <mc:Choice Requires="a14">
+              <p:sp>
+                <p:nvSpPr>
+                  <p:cNvPr id="9" name="TextBox 8">
+                    <a:extLst>
+                      <a:ext uri="{FF2B5EF4-FFF2-40B4-BE49-F238E27FC236}">
+                        <a16:creationId xmlns:a16="http://schemas.microsoft.com/office/drawing/2014/main" id="{6CCCD6A7-E8EA-4CC3-A655-D5DE215246AE}"/>
+                      </a:ext>
+                    </a:extLst>
+                  </p:cNvPr>
+                  <p:cNvSpPr txBox="1"/>
+                  <p:nvPr/>
+                </p:nvSpPr>
+                <p:spPr>
+                  <a:xfrm>
+                    <a:off x="3056558" y="2000405"/>
+                    <a:ext cx="463588" cy="369332"/>
+                  </a:xfrm>
+                  <a:prstGeom prst="rect">
+                    <a:avLst/>
+                  </a:prstGeom>
+                  <a:noFill/>
+                </p:spPr>
+                <p:txBody>
+                  <a:bodyPr wrap="none" rtlCol="0">
+                    <a:spAutoFit/>
+                  </a:bodyPr>
+                  <a:lstStyle/>
+                  <a:p>
+                    <a:pPr/>
+                    <a14:m>
+                      <m:oMathPara xmlns:m="http://schemas.openxmlformats.org/officeDocument/2006/math">
+                        <m:oMathParaPr>
+                          <m:jc m:val="centerGroup"/>
+                        </m:oMathParaPr>
+                        <m:oMath xmlns:m="http://schemas.openxmlformats.org/officeDocument/2006/math">
+                          <m:r>
+                            <a:rPr lang="en-US" altLang="ko-KR" sz="1600" b="0" i="1" smtClean="0">
+                              <a:latin typeface="Cambria Math" panose="02040503050406030204" pitchFamily="18" charset="0"/>
+                            </a:rPr>
+                            <m:t>⋯</m:t>
+                          </m:r>
+                        </m:oMath>
+                      </m:oMathPara>
+                    </a14:m>
+                    <a:endParaRPr lang="ko-KR" altLang="en-US" sz="1600" dirty="0"/>
+                  </a:p>
+                </p:txBody>
+              </p:sp>
+            </mc:Choice>
+            <mc:Fallback xmlns="">
+              <p:sp>
+                <p:nvSpPr>
+                  <p:cNvPr id="9" name="TextBox 8">
+                    <a:extLst>
+                      <a:ext uri="{FF2B5EF4-FFF2-40B4-BE49-F238E27FC236}">
+                        <a16:creationId xmlns:a16="http://schemas.microsoft.com/office/drawing/2014/main" id="{6CCCD6A7-E8EA-4CC3-A655-D5DE215246AE}"/>
+                      </a:ext>
+                    </a:extLst>
+                  </p:cNvPr>
+                  <p:cNvSpPr txBox="1">
+                    <a:spLocks noRot="1" noChangeAspect="1" noMove="1" noResize="1" noEditPoints="1" noAdjustHandles="1" noChangeArrowheads="1" noChangeShapeType="1" noTextEdit="1"/>
+                  </p:cNvSpPr>
+                  <p:nvPr/>
+                </p:nvSpPr>
+                <p:spPr>
+                  <a:xfrm>
+                    <a:off x="3056558" y="2000405"/>
+                    <a:ext cx="463588" cy="369332"/>
+                  </a:xfrm>
+                  <a:prstGeom prst="rect">
+                    <a:avLst/>
+                  </a:prstGeom>
+                  <a:blipFill>
+                    <a:blip r:embed="rId5"/>
+                    <a:stretch>
+                      <a:fillRect/>
+                    </a:stretch>
+                  </a:blipFill>
+                </p:spPr>
+                <p:txBody>
+                  <a:bodyPr/>
+                  <a:lstStyle/>
+                  <a:p>
+                    <a:r>
+                      <a:rPr lang="ko-KR" altLang="en-US">
+                        <a:noFill/>
+                      </a:rPr>
+                      <a:t> </a:t>
+                    </a:r>
+                  </a:p>
+                </p:txBody>
+              </p:sp>
+            </mc:Fallback>
+          </mc:AlternateContent>
+          <p:cxnSp>
+            <p:nvCxnSpPr>
+              <p:cNvPr id="26" name="직선 화살표 연결선 25">
+                <a:extLst>
+                  <a:ext uri="{FF2B5EF4-FFF2-40B4-BE49-F238E27FC236}">
+                    <a16:creationId xmlns:a16="http://schemas.microsoft.com/office/drawing/2014/main" id="{0CC1828E-3E21-44EA-9217-74FA3CBAE2AD}"/>
+                  </a:ext>
+                </a:extLst>
+              </p:cNvPr>
+              <p:cNvCxnSpPr/>
+              <p:nvPr/>
+            </p:nvCxnSpPr>
+            <p:spPr>
+              <a:xfrm flipV="1">
+                <a:off x="2414878" y="1999857"/>
+                <a:ext cx="0" cy="360040"/>
+              </a:xfrm>
+              <a:prstGeom prst="straightConnector1">
+                <a:avLst/>
+              </a:prstGeom>
+              <a:ln>
+                <a:tailEnd type="triangle"/>
+              </a:ln>
+            </p:spPr>
+            <p:style>
+              <a:lnRef idx="1">
+                <a:schemeClr val="accent1"/>
+              </a:lnRef>
+              <a:fillRef idx="0">
+                <a:schemeClr val="accent1"/>
+              </a:fillRef>
+              <a:effectRef idx="0">
+                <a:schemeClr val="accent1"/>
+              </a:effectRef>
+              <a:fontRef idx="minor">
+                <a:schemeClr val="tx1"/>
+              </a:fontRef>
+            </p:style>
+          </p:cxnSp>
+          <p:cxnSp>
+            <p:nvCxnSpPr>
+              <p:cNvPr id="27" name="직선 화살표 연결선 26">
+                <a:extLst>
+                  <a:ext uri="{FF2B5EF4-FFF2-40B4-BE49-F238E27FC236}">
+                    <a16:creationId xmlns:a16="http://schemas.microsoft.com/office/drawing/2014/main" id="{7153307E-4567-4BBA-9854-7A2B64CA75F7}"/>
+                  </a:ext>
+                </a:extLst>
+              </p:cNvPr>
+              <p:cNvCxnSpPr/>
+              <p:nvPr/>
+            </p:nvCxnSpPr>
+            <p:spPr>
+              <a:xfrm flipV="1">
+                <a:off x="2729548" y="1999857"/>
+                <a:ext cx="0" cy="360040"/>
+              </a:xfrm>
+              <a:prstGeom prst="straightConnector1">
+                <a:avLst/>
+              </a:prstGeom>
+              <a:ln>
+                <a:tailEnd type="triangle"/>
+              </a:ln>
+            </p:spPr>
+            <p:style>
+              <a:lnRef idx="1">
+                <a:schemeClr val="accent1"/>
+              </a:lnRef>
+              <a:fillRef idx="0">
+                <a:schemeClr val="accent1"/>
+              </a:fillRef>
+              <a:effectRef idx="0">
+                <a:schemeClr val="accent1"/>
+              </a:effectRef>
+              <a:fontRef idx="minor">
+                <a:schemeClr val="tx1"/>
+              </a:fontRef>
+            </p:style>
+          </p:cxnSp>
+          <p:sp>
+            <p:nvSpPr>
+              <p:cNvPr id="10" name="TextBox 9">
+                <a:extLst>
+                  <a:ext uri="{FF2B5EF4-FFF2-40B4-BE49-F238E27FC236}">
+                    <a16:creationId xmlns:a16="http://schemas.microsoft.com/office/drawing/2014/main" id="{5F785B69-5647-41CE-B2FC-49C6FB20D216}"/>
+                  </a:ext>
+                </a:extLst>
+              </p:cNvPr>
+              <p:cNvSpPr txBox="1"/>
+              <p:nvPr/>
+            </p:nvSpPr>
+            <p:spPr>
+              <a:xfrm>
+                <a:off x="1574319" y="2429599"/>
+                <a:ext cx="2246188" cy="362443"/>
+              </a:xfrm>
+              <a:prstGeom prst="rect">
+                <a:avLst/>
+              </a:prstGeom>
+              <a:noFill/>
+            </p:spPr>
+            <p:txBody>
+              <a:bodyPr wrap="none" rtlCol="0">
+                <a:spAutoFit/>
+              </a:bodyPr>
+              <a:lstStyle/>
+              <a:p>
+                <a:r>
+                  <a:rPr lang="en-US" altLang="ko-KR" sz="1600" dirty="0">
+                    <a:solidFill>
+                      <a:schemeClr val="accent1"/>
+                    </a:solidFill>
+                  </a:rPr>
+                  <a:t>ratio of each feature</a:t>
+                </a:r>
+                <a:endParaRPr lang="ko-KR" altLang="en-US" sz="1600" dirty="0">
+                  <a:solidFill>
+                    <a:schemeClr val="accent1"/>
+                  </a:solidFill>
+                </a:endParaRPr>
+              </a:p>
+            </p:txBody>
+          </p:sp>
+          <p:sp>
+            <p:nvSpPr>
+              <p:cNvPr id="28" name="사각형: 둥근 모서리 27">
+                <a:extLst>
+                  <a:ext uri="{FF2B5EF4-FFF2-40B4-BE49-F238E27FC236}">
+                    <a16:creationId xmlns:a16="http://schemas.microsoft.com/office/drawing/2014/main" id="{DD0D1871-2487-4176-92DF-4254ACDDFAA8}"/>
+                  </a:ext>
+                </a:extLst>
+              </p:cNvPr>
+              <p:cNvSpPr/>
+              <p:nvPr/>
+            </p:nvSpPr>
+            <p:spPr>
+              <a:xfrm>
+                <a:off x="6019161" y="1535815"/>
+                <a:ext cx="2905749" cy="307777"/>
+              </a:xfrm>
+              <a:prstGeom prst="roundRect">
+                <a:avLst/>
+              </a:prstGeom>
+              <a:solidFill>
+                <a:srgbClr val="FBC497"/>
+              </a:solidFill>
+            </p:spPr>
+            <p:style>
+              <a:lnRef idx="2">
+                <a:schemeClr val="accent1">
+                  <a:shade val="50000"/>
+                </a:schemeClr>
+              </a:lnRef>
+              <a:fillRef idx="1">
+                <a:schemeClr val="accent1"/>
+              </a:fillRef>
+              <a:effectRef idx="0">
+                <a:schemeClr val="accent1"/>
+              </a:effectRef>
+              <a:fontRef idx="minor">
+                <a:schemeClr val="lt1"/>
+              </a:fontRef>
+            </p:style>
+            <p:txBody>
+              <a:bodyPr rtlCol="0" anchor="ctr"/>
+              <a:lstStyle/>
+              <a:p>
+                <a:pPr algn="ctr"/>
+                <a:endParaRPr lang="ko-KR" altLang="en-US" sz="1600"/>
+              </a:p>
+            </p:txBody>
+          </p:sp>
+          <p:sp>
+            <p:nvSpPr>
+              <p:cNvPr id="30" name="TextBox 29">
+                <a:extLst>
+                  <a:ext uri="{FF2B5EF4-FFF2-40B4-BE49-F238E27FC236}">
+                    <a16:creationId xmlns:a16="http://schemas.microsoft.com/office/drawing/2014/main" id="{FF5BE77C-6C1E-4DD6-86BF-6D3D63107D37}"/>
+                  </a:ext>
+                </a:extLst>
+              </p:cNvPr>
+              <p:cNvSpPr txBox="1"/>
+              <p:nvPr/>
+            </p:nvSpPr>
+            <p:spPr>
+              <a:xfrm>
+                <a:off x="6994961" y="1511433"/>
+                <a:ext cx="974066" cy="329495"/>
+              </a:xfrm>
+              <a:prstGeom prst="rect">
+                <a:avLst/>
+              </a:prstGeom>
+              <a:noFill/>
+            </p:spPr>
+            <p:txBody>
+              <a:bodyPr wrap="none" rtlCol="0">
+                <a:spAutoFit/>
+              </a:bodyPr>
+              <a:lstStyle/>
+              <a:p>
+                <a:r>
+                  <a:rPr lang="en-US" altLang="ko-KR" sz="1400" dirty="0"/>
+                  <a:t>a feature</a:t>
+                </a:r>
+                <a:endParaRPr lang="ko-KR" altLang="en-US" sz="1400" dirty="0"/>
+              </a:p>
+            </p:txBody>
+          </p:sp>
+          <p:sp>
+            <p:nvSpPr>
+              <p:cNvPr id="31" name="TextBox 30">
+                <a:extLst>
+                  <a:ext uri="{FF2B5EF4-FFF2-40B4-BE49-F238E27FC236}">
+                    <a16:creationId xmlns:a16="http://schemas.microsoft.com/office/drawing/2014/main" id="{A07A920F-1E30-4921-B8C5-C74B2AE18504}"/>
+                  </a:ext>
+                </a:extLst>
+              </p:cNvPr>
+              <p:cNvSpPr txBox="1"/>
+              <p:nvPr/>
+            </p:nvSpPr>
+            <p:spPr>
+              <a:xfrm>
+                <a:off x="1580832" y="1552420"/>
+                <a:ext cx="2241246" cy="329495"/>
+              </a:xfrm>
+              <a:prstGeom prst="rect">
+                <a:avLst/>
+              </a:prstGeom>
+              <a:noFill/>
+            </p:spPr>
+            <p:txBody>
+              <a:bodyPr wrap="none" rtlCol="0">
+                <a:spAutoFit/>
+              </a:bodyPr>
+              <a:lstStyle/>
+              <a:p>
+                <a:r>
+                  <a:rPr lang="en-US" altLang="ko-KR" sz="1400" dirty="0"/>
+                  <a:t>weight for each feature</a:t>
+                </a:r>
+                <a:endParaRPr lang="ko-KR" altLang="en-US" sz="1400" dirty="0"/>
+              </a:p>
+            </p:txBody>
+          </p:sp>
+        </p:grpSp>
+      </p:grpSp>
+    </p:spTree>
+    <p:extLst>
+      <p:ext uri="{BB962C8B-B14F-4D97-AF65-F5344CB8AC3E}">
         <p14:creationId xmlns:p14="http://schemas.microsoft.com/office/powerpoint/2010/main" val="3399502569"/>
       </p:ext>
     </p:extLst>
@@ -4867,7 +6665,7 @@
 </p:sld>
 </file>
 
-<file path=ppt/slides/slide3.xml><?xml version="1.0" encoding="utf-8"?>
+<file path=ppt/slides/slide5.xml><?xml version="1.0" encoding="utf-8"?>
 <p:sld xmlns:a="http://schemas.openxmlformats.org/drawingml/2006/main" xmlns:r="http://schemas.openxmlformats.org/officeDocument/2006/relationships" xmlns:p="http://schemas.openxmlformats.org/presentationml/2006/main">
   <p:cSld>
     <p:spTree>
@@ -4961,7 +6759,7 @@
 </p:sld>
 </file>
 
-<file path=ppt/slides/slide4.xml><?xml version="1.0" encoding="utf-8"?>
+<file path=ppt/slides/slide6.xml><?xml version="1.0" encoding="utf-8"?>
 <p:sld xmlns:a="http://schemas.openxmlformats.org/drawingml/2006/main" xmlns:r="http://schemas.openxmlformats.org/officeDocument/2006/relationships" xmlns:p="http://schemas.openxmlformats.org/presentationml/2006/main">
   <p:cSld>
     <p:spTree>
@@ -5021,7 +6819,7 @@
 </p:sld>
 </file>
 
-<file path=ppt/slides/slide5.xml><?xml version="1.0" encoding="utf-8"?>
+<file path=ppt/slides/slide7.xml><?xml version="1.0" encoding="utf-8"?>
 <p:sld xmlns:a="http://schemas.openxmlformats.org/drawingml/2006/main" xmlns:r="http://schemas.openxmlformats.org/officeDocument/2006/relationships" xmlns:p="http://schemas.openxmlformats.org/presentationml/2006/main">
   <p:cSld>
     <p:spTree>
